--- a/Architecture Requirements.pptx
+++ b/Architecture Requirements.pptx
@@ -2,11 +2,19 @@
 <file path=ppt/presentation.xml><?xml version="1.0" encoding="utf-8"?>
 <p:presentation xmlns:a="http://schemas.openxmlformats.org/drawingml/2006/main" xmlns:r="http://schemas.openxmlformats.org/officeDocument/2006/relationships" xmlns:p="http://schemas.openxmlformats.org/presentationml/2006/main" saveSubsetFonts="1">
   <p:sldMasterIdLst>
-    <p:sldMasterId id="2147483648" r:id="rId1"/>
+    <p:sldMasterId id="2147483660" r:id="rId1"/>
   </p:sldMasterIdLst>
   <p:sldIdLst>
     <p:sldId id="256" r:id="rId2"/>
     <p:sldId id="257" r:id="rId3"/>
+    <p:sldId id="259" r:id="rId4"/>
+    <p:sldId id="258" r:id="rId5"/>
+    <p:sldId id="260" r:id="rId6"/>
+    <p:sldId id="261" r:id="rId7"/>
+    <p:sldId id="262" r:id="rId8"/>
+    <p:sldId id="263" r:id="rId9"/>
+    <p:sldId id="264" r:id="rId10"/>
+    <p:sldId id="265" r:id="rId11"/>
   </p:sldIdLst>
   <p:sldSz cx="12192000" cy="6858000"/>
   <p:notesSz cx="6858000" cy="9144000"/>
@@ -14,7 +22,7 @@
     <a:defPPr>
       <a:defRPr lang="en-US"/>
     </a:defPPr>
-    <a:lvl1pPr marL="0" algn="l" defTabSz="914400" rtl="0" eaLnBrk="1" latinLnBrk="0" hangingPunct="1">
+    <a:lvl1pPr marL="0" algn="l" defTabSz="457200" rtl="0" eaLnBrk="1" latinLnBrk="0" hangingPunct="1">
       <a:defRPr sz="1800" kern="1200">
         <a:solidFill>
           <a:schemeClr val="tx1"/>
@@ -24,7 +32,7 @@
         <a:cs typeface="+mn-cs"/>
       </a:defRPr>
     </a:lvl1pPr>
-    <a:lvl2pPr marL="457200" algn="l" defTabSz="914400" rtl="0" eaLnBrk="1" latinLnBrk="0" hangingPunct="1">
+    <a:lvl2pPr marL="457200" algn="l" defTabSz="457200" rtl="0" eaLnBrk="1" latinLnBrk="0" hangingPunct="1">
       <a:defRPr sz="1800" kern="1200">
         <a:solidFill>
           <a:schemeClr val="tx1"/>
@@ -34,7 +42,7 @@
         <a:cs typeface="+mn-cs"/>
       </a:defRPr>
     </a:lvl2pPr>
-    <a:lvl3pPr marL="914400" algn="l" defTabSz="914400" rtl="0" eaLnBrk="1" latinLnBrk="0" hangingPunct="1">
+    <a:lvl3pPr marL="914400" algn="l" defTabSz="457200" rtl="0" eaLnBrk="1" latinLnBrk="0" hangingPunct="1">
       <a:defRPr sz="1800" kern="1200">
         <a:solidFill>
           <a:schemeClr val="tx1"/>
@@ -44,7 +52,7 @@
         <a:cs typeface="+mn-cs"/>
       </a:defRPr>
     </a:lvl3pPr>
-    <a:lvl4pPr marL="1371600" algn="l" defTabSz="914400" rtl="0" eaLnBrk="1" latinLnBrk="0" hangingPunct="1">
+    <a:lvl4pPr marL="1371600" algn="l" defTabSz="457200" rtl="0" eaLnBrk="1" latinLnBrk="0" hangingPunct="1">
       <a:defRPr sz="1800" kern="1200">
         <a:solidFill>
           <a:schemeClr val="tx1"/>
@@ -54,7 +62,7 @@
         <a:cs typeface="+mn-cs"/>
       </a:defRPr>
     </a:lvl4pPr>
-    <a:lvl5pPr marL="1828800" algn="l" defTabSz="914400" rtl="0" eaLnBrk="1" latinLnBrk="0" hangingPunct="1">
+    <a:lvl5pPr marL="1828800" algn="l" defTabSz="457200" rtl="0" eaLnBrk="1" latinLnBrk="0" hangingPunct="1">
       <a:defRPr sz="1800" kern="1200">
         <a:solidFill>
           <a:schemeClr val="tx1"/>
@@ -64,7 +72,7 @@
         <a:cs typeface="+mn-cs"/>
       </a:defRPr>
     </a:lvl5pPr>
-    <a:lvl6pPr marL="2286000" algn="l" defTabSz="914400" rtl="0" eaLnBrk="1" latinLnBrk="0" hangingPunct="1">
+    <a:lvl6pPr marL="2286000" algn="l" defTabSz="457200" rtl="0" eaLnBrk="1" latinLnBrk="0" hangingPunct="1">
       <a:defRPr sz="1800" kern="1200">
         <a:solidFill>
           <a:schemeClr val="tx1"/>
@@ -74,7 +82,7 @@
         <a:cs typeface="+mn-cs"/>
       </a:defRPr>
     </a:lvl6pPr>
-    <a:lvl7pPr marL="2743200" algn="l" defTabSz="914400" rtl="0" eaLnBrk="1" latinLnBrk="0" hangingPunct="1">
+    <a:lvl7pPr marL="2743200" algn="l" defTabSz="457200" rtl="0" eaLnBrk="1" latinLnBrk="0" hangingPunct="1">
       <a:defRPr sz="1800" kern="1200">
         <a:solidFill>
           <a:schemeClr val="tx1"/>
@@ -84,7 +92,7 @@
         <a:cs typeface="+mn-cs"/>
       </a:defRPr>
     </a:lvl7pPr>
-    <a:lvl8pPr marL="3200400" algn="l" defTabSz="914400" rtl="0" eaLnBrk="1" latinLnBrk="0" hangingPunct="1">
+    <a:lvl8pPr marL="3200400" algn="l" defTabSz="457200" rtl="0" eaLnBrk="1" latinLnBrk="0" hangingPunct="1">
       <a:defRPr sz="1800" kern="1200">
         <a:solidFill>
           <a:schemeClr val="tx1"/>
@@ -94,7 +102,7 @@
         <a:cs typeface="+mn-cs"/>
       </a:defRPr>
     </a:lvl8pPr>
-    <a:lvl9pPr marL="3657600" algn="l" defTabSz="914400" rtl="0" eaLnBrk="1" latinLnBrk="0" hangingPunct="1">
+    <a:lvl9pPr marL="3657600" algn="l" defTabSz="457200" rtl="0" eaLnBrk="1" latinLnBrk="0" hangingPunct="1">
       <a:defRPr sz="1800" kern="1200">
         <a:solidFill>
           <a:schemeClr val="tx1"/>
@@ -105,11 +113,16 @@
       </a:defRPr>
     </a:lvl9pPr>
   </p:defaultTextStyle>
+  <p:extLst>
+    <p:ext uri="{EFAFB233-063F-42B5-8137-9DF3F51BA10A}">
+      <p15:sldGuideLst xmlns:p15="http://schemas.microsoft.com/office/powerpoint/2012/main"/>
+    </p:ext>
+  </p:extLst>
 </p:presentation>
 </file>
 
 <file path=ppt/slideLayouts/slideLayout1.xml><?xml version="1.0" encoding="utf-8"?>
-<p:sldLayout xmlns:a="http://schemas.openxmlformats.org/drawingml/2006/main" xmlns:r="http://schemas.openxmlformats.org/officeDocument/2006/relationships" xmlns:p="http://schemas.openxmlformats.org/presentationml/2006/main" type="title" preserve="1">
+<p:sldLayout xmlns:a="http://schemas.openxmlformats.org/drawingml/2006/main" xmlns:r="http://schemas.openxmlformats.org/officeDocument/2006/relationships" xmlns:p="http://schemas.openxmlformats.org/presentationml/2006/main" showMasterSp="0" type="title" preserve="1">
   <p:cSld name="Title Slide">
     <p:spTree>
       <p:nvGrpSpPr>
@@ -125,15 +138,539 @@
           <a:chExt cx="0" cy="0"/>
         </a:xfrm>
       </p:grpSpPr>
-      <p:sp>
-        <p:nvSpPr>
-          <p:cNvPr id="2" name="Title 1">
-            <a:extLst>
-              <a:ext uri="{FF2B5EF4-FFF2-40B4-BE49-F238E27FC236}">
-                <a16:creationId xmlns:a16="http://schemas.microsoft.com/office/drawing/2014/main" id="{5AACAA1E-1B7B-6E80-F8D9-7F7F24BF4F91}"/>
-              </a:ext>
-            </a:extLst>
-          </p:cNvPr>
+      <p:grpSp>
+        <p:nvGrpSpPr>
+          <p:cNvPr id="7" name="Group 6"/>
+          <p:cNvGrpSpPr/>
+          <p:nvPr/>
+        </p:nvGrpSpPr>
+        <p:grpSpPr>
+          <a:xfrm>
+            <a:off x="0" y="-8467"/>
+            <a:ext cx="12192000" cy="6866467"/>
+            <a:chOff x="0" y="-8467"/>
+            <a:chExt cx="12192000" cy="6866467"/>
+          </a:xfrm>
+        </p:grpSpPr>
+        <p:cxnSp>
+          <p:nvCxnSpPr>
+            <p:cNvPr id="32" name="Straight Connector 31"/>
+            <p:cNvCxnSpPr/>
+            <p:nvPr/>
+          </p:nvCxnSpPr>
+          <p:spPr>
+            <a:xfrm>
+              <a:off x="9371012" y="0"/>
+              <a:ext cx="1219200" cy="6858000"/>
+            </a:xfrm>
+            <a:prstGeom prst="line">
+              <a:avLst/>
+            </a:prstGeom>
+            <a:ln w="9525">
+              <a:solidFill>
+                <a:schemeClr val="bg1">
+                  <a:lumMod val="75000"/>
+                </a:schemeClr>
+              </a:solidFill>
+            </a:ln>
+          </p:spPr>
+          <p:style>
+            <a:lnRef idx="2">
+              <a:schemeClr val="accent1"/>
+            </a:lnRef>
+            <a:fillRef idx="0">
+              <a:schemeClr val="accent1"/>
+            </a:fillRef>
+            <a:effectRef idx="1">
+              <a:schemeClr val="accent1"/>
+            </a:effectRef>
+            <a:fontRef idx="minor">
+              <a:schemeClr val="tx1"/>
+            </a:fontRef>
+          </p:style>
+        </p:cxnSp>
+        <p:cxnSp>
+          <p:nvCxnSpPr>
+            <p:cNvPr id="21" name="Straight Connector 20"/>
+            <p:cNvCxnSpPr/>
+            <p:nvPr/>
+          </p:nvCxnSpPr>
+          <p:spPr>
+            <a:xfrm flipH="1">
+              <a:off x="7425267" y="3681413"/>
+              <a:ext cx="4763558" cy="3176587"/>
+            </a:xfrm>
+            <a:prstGeom prst="line">
+              <a:avLst/>
+            </a:prstGeom>
+            <a:ln w="9525">
+              <a:solidFill>
+                <a:schemeClr val="bg1">
+                  <a:lumMod val="85000"/>
+                </a:schemeClr>
+              </a:solidFill>
+            </a:ln>
+          </p:spPr>
+          <p:style>
+            <a:lnRef idx="2">
+              <a:schemeClr val="accent1"/>
+            </a:lnRef>
+            <a:fillRef idx="0">
+              <a:schemeClr val="accent1"/>
+            </a:fillRef>
+            <a:effectRef idx="1">
+              <a:schemeClr val="accent1"/>
+            </a:effectRef>
+            <a:fontRef idx="minor">
+              <a:schemeClr val="tx1"/>
+            </a:fontRef>
+          </p:style>
+        </p:cxnSp>
+        <p:sp>
+          <p:nvSpPr>
+            <p:cNvPr id="24" name="Rectangle 23"/>
+            <p:cNvSpPr/>
+            <p:nvPr/>
+          </p:nvSpPr>
+          <p:spPr>
+            <a:xfrm>
+              <a:off x="9181476" y="-8467"/>
+              <a:ext cx="3007349" cy="6866467"/>
+            </a:xfrm>
+            <a:custGeom>
+              <a:avLst/>
+              <a:gdLst/>
+              <a:ahLst/>
+              <a:cxnLst/>
+              <a:rect l="l" t="t" r="r" b="b"/>
+              <a:pathLst>
+                <a:path w="3007349" h="6866467">
+                  <a:moveTo>
+                    <a:pt x="2045532" y="0"/>
+                  </a:moveTo>
+                  <a:lnTo>
+                    <a:pt x="3007349" y="0"/>
+                  </a:lnTo>
+                  <a:lnTo>
+                    <a:pt x="3007349" y="6866467"/>
+                  </a:lnTo>
+                  <a:lnTo>
+                    <a:pt x="0" y="6866467"/>
+                  </a:lnTo>
+                  <a:lnTo>
+                    <a:pt x="2045532" y="0"/>
+                  </a:lnTo>
+                  <a:close/>
+                </a:path>
+              </a:pathLst>
+            </a:custGeom>
+            <a:solidFill>
+              <a:schemeClr val="accent1">
+                <a:alpha val="30000"/>
+              </a:schemeClr>
+            </a:solidFill>
+            <a:ln>
+              <a:noFill/>
+            </a:ln>
+            <a:effectLst/>
+          </p:spPr>
+          <p:style>
+            <a:lnRef idx="1">
+              <a:schemeClr val="accent1"/>
+            </a:lnRef>
+            <a:fillRef idx="3">
+              <a:schemeClr val="accent1"/>
+            </a:fillRef>
+            <a:effectRef idx="2">
+              <a:schemeClr val="accent1"/>
+            </a:effectRef>
+            <a:fontRef idx="minor">
+              <a:schemeClr val="lt1"/>
+            </a:fontRef>
+          </p:style>
+        </p:sp>
+        <p:sp>
+          <p:nvSpPr>
+            <p:cNvPr id="26" name="Rectangle 25"/>
+            <p:cNvSpPr/>
+            <p:nvPr/>
+          </p:nvSpPr>
+          <p:spPr>
+            <a:xfrm>
+              <a:off x="9603442" y="-8467"/>
+              <a:ext cx="2588558" cy="6866467"/>
+            </a:xfrm>
+            <a:custGeom>
+              <a:avLst/>
+              <a:gdLst/>
+              <a:ahLst/>
+              <a:cxnLst/>
+              <a:rect l="l" t="t" r="r" b="b"/>
+              <a:pathLst>
+                <a:path w="2573311" h="6866467">
+                  <a:moveTo>
+                    <a:pt x="0" y="0"/>
+                  </a:moveTo>
+                  <a:lnTo>
+                    <a:pt x="2573311" y="0"/>
+                  </a:lnTo>
+                  <a:lnTo>
+                    <a:pt x="2573311" y="6866467"/>
+                  </a:lnTo>
+                  <a:lnTo>
+                    <a:pt x="1202336" y="6866467"/>
+                  </a:lnTo>
+                  <a:lnTo>
+                    <a:pt x="0" y="0"/>
+                  </a:lnTo>
+                  <a:close/>
+                </a:path>
+              </a:pathLst>
+            </a:custGeom>
+            <a:solidFill>
+              <a:schemeClr val="accent1">
+                <a:alpha val="20000"/>
+              </a:schemeClr>
+            </a:solidFill>
+            <a:ln>
+              <a:noFill/>
+            </a:ln>
+            <a:effectLst/>
+          </p:spPr>
+          <p:style>
+            <a:lnRef idx="1">
+              <a:schemeClr val="accent1"/>
+            </a:lnRef>
+            <a:fillRef idx="3">
+              <a:schemeClr val="accent1"/>
+            </a:fillRef>
+            <a:effectRef idx="2">
+              <a:schemeClr val="accent1"/>
+            </a:effectRef>
+            <a:fontRef idx="minor">
+              <a:schemeClr val="lt1"/>
+            </a:fontRef>
+          </p:style>
+        </p:sp>
+        <p:sp>
+          <p:nvSpPr>
+            <p:cNvPr id="27" name="Isosceles Triangle 26"/>
+            <p:cNvSpPr/>
+            <p:nvPr/>
+          </p:nvSpPr>
+          <p:spPr>
+            <a:xfrm>
+              <a:off x="8932333" y="3048000"/>
+              <a:ext cx="3259667" cy="3810000"/>
+            </a:xfrm>
+            <a:prstGeom prst="triangle">
+              <a:avLst>
+                <a:gd name="adj" fmla="val 100000"/>
+              </a:avLst>
+            </a:prstGeom>
+            <a:solidFill>
+              <a:schemeClr val="accent2">
+                <a:alpha val="72000"/>
+              </a:schemeClr>
+            </a:solidFill>
+            <a:ln>
+              <a:noFill/>
+            </a:ln>
+            <a:effectLst/>
+          </p:spPr>
+          <p:style>
+            <a:lnRef idx="1">
+              <a:schemeClr val="accent1"/>
+            </a:lnRef>
+            <a:fillRef idx="3">
+              <a:schemeClr val="accent1"/>
+            </a:fillRef>
+            <a:effectRef idx="2">
+              <a:schemeClr val="accent1"/>
+            </a:effectRef>
+            <a:fontRef idx="minor">
+              <a:schemeClr val="lt1"/>
+            </a:fontRef>
+          </p:style>
+        </p:sp>
+        <p:sp>
+          <p:nvSpPr>
+            <p:cNvPr id="28" name="Rectangle 27"/>
+            <p:cNvSpPr/>
+            <p:nvPr/>
+          </p:nvSpPr>
+          <p:spPr>
+            <a:xfrm>
+              <a:off x="9334500" y="-8467"/>
+              <a:ext cx="2854326" cy="6866467"/>
+            </a:xfrm>
+            <a:custGeom>
+              <a:avLst/>
+              <a:gdLst/>
+              <a:ahLst/>
+              <a:cxnLst/>
+              <a:rect l="l" t="t" r="r" b="b"/>
+              <a:pathLst>
+                <a:path w="2858013" h="6866467">
+                  <a:moveTo>
+                    <a:pt x="0" y="0"/>
+                  </a:moveTo>
+                  <a:lnTo>
+                    <a:pt x="2858013" y="0"/>
+                  </a:lnTo>
+                  <a:lnTo>
+                    <a:pt x="2858013" y="6866467"/>
+                  </a:lnTo>
+                  <a:lnTo>
+                    <a:pt x="2473942" y="6866467"/>
+                  </a:lnTo>
+                  <a:lnTo>
+                    <a:pt x="0" y="0"/>
+                  </a:lnTo>
+                  <a:close/>
+                </a:path>
+              </a:pathLst>
+            </a:custGeom>
+            <a:solidFill>
+              <a:schemeClr val="accent2">
+                <a:lumMod val="75000"/>
+                <a:alpha val="70000"/>
+              </a:schemeClr>
+            </a:solidFill>
+            <a:ln>
+              <a:noFill/>
+            </a:ln>
+            <a:effectLst/>
+          </p:spPr>
+          <p:style>
+            <a:lnRef idx="1">
+              <a:schemeClr val="accent1"/>
+            </a:lnRef>
+            <a:fillRef idx="3">
+              <a:schemeClr val="accent1"/>
+            </a:fillRef>
+            <a:effectRef idx="2">
+              <a:schemeClr val="accent1"/>
+            </a:effectRef>
+            <a:fontRef idx="minor">
+              <a:schemeClr val="lt1"/>
+            </a:fontRef>
+          </p:style>
+        </p:sp>
+        <p:sp>
+          <p:nvSpPr>
+            <p:cNvPr id="29" name="Rectangle 28"/>
+            <p:cNvSpPr/>
+            <p:nvPr/>
+          </p:nvSpPr>
+          <p:spPr>
+            <a:xfrm>
+              <a:off x="10898730" y="-8467"/>
+              <a:ext cx="1290094" cy="6866467"/>
+            </a:xfrm>
+            <a:custGeom>
+              <a:avLst/>
+              <a:gdLst/>
+              <a:ahLst/>
+              <a:cxnLst/>
+              <a:rect l="l" t="t" r="r" b="b"/>
+              <a:pathLst>
+                <a:path w="1290094" h="6858000">
+                  <a:moveTo>
+                    <a:pt x="1019735" y="0"/>
+                  </a:moveTo>
+                  <a:lnTo>
+                    <a:pt x="1290094" y="0"/>
+                  </a:lnTo>
+                  <a:lnTo>
+                    <a:pt x="1290094" y="6858000"/>
+                  </a:lnTo>
+                  <a:lnTo>
+                    <a:pt x="0" y="6858000"/>
+                  </a:lnTo>
+                  <a:lnTo>
+                    <a:pt x="1019735" y="0"/>
+                  </a:lnTo>
+                  <a:close/>
+                </a:path>
+              </a:pathLst>
+            </a:custGeom>
+            <a:solidFill>
+              <a:schemeClr val="accent1">
+                <a:lumMod val="60000"/>
+                <a:lumOff val="40000"/>
+                <a:alpha val="70000"/>
+              </a:schemeClr>
+            </a:solidFill>
+            <a:ln>
+              <a:noFill/>
+            </a:ln>
+            <a:effectLst/>
+          </p:spPr>
+          <p:style>
+            <a:lnRef idx="1">
+              <a:schemeClr val="accent1"/>
+            </a:lnRef>
+            <a:fillRef idx="3">
+              <a:schemeClr val="accent1"/>
+            </a:fillRef>
+            <a:effectRef idx="2">
+              <a:schemeClr val="accent1"/>
+            </a:effectRef>
+            <a:fontRef idx="minor">
+              <a:schemeClr val="lt1"/>
+            </a:fontRef>
+          </p:style>
+        </p:sp>
+        <p:sp>
+          <p:nvSpPr>
+            <p:cNvPr id="30" name="Rectangle 29"/>
+            <p:cNvSpPr/>
+            <p:nvPr/>
+          </p:nvSpPr>
+          <p:spPr>
+            <a:xfrm>
+              <a:off x="10938999" y="-8467"/>
+              <a:ext cx="1249825" cy="6866467"/>
+            </a:xfrm>
+            <a:custGeom>
+              <a:avLst/>
+              <a:gdLst/>
+              <a:ahLst/>
+              <a:cxnLst/>
+              <a:rect l="l" t="t" r="r" b="b"/>
+              <a:pathLst>
+                <a:path w="1249825" h="6858000">
+                  <a:moveTo>
+                    <a:pt x="0" y="0"/>
+                  </a:moveTo>
+                  <a:lnTo>
+                    <a:pt x="1249825" y="0"/>
+                  </a:lnTo>
+                  <a:lnTo>
+                    <a:pt x="1249825" y="6858000"/>
+                  </a:lnTo>
+                  <a:lnTo>
+                    <a:pt x="1109382" y="6858000"/>
+                  </a:lnTo>
+                  <a:lnTo>
+                    <a:pt x="0" y="0"/>
+                  </a:lnTo>
+                  <a:close/>
+                </a:path>
+              </a:pathLst>
+            </a:custGeom>
+            <a:solidFill>
+              <a:schemeClr val="accent1">
+                <a:alpha val="65000"/>
+              </a:schemeClr>
+            </a:solidFill>
+            <a:ln>
+              <a:noFill/>
+            </a:ln>
+            <a:effectLst/>
+          </p:spPr>
+          <p:style>
+            <a:lnRef idx="1">
+              <a:schemeClr val="accent1"/>
+            </a:lnRef>
+            <a:fillRef idx="3">
+              <a:schemeClr val="accent1"/>
+            </a:fillRef>
+            <a:effectRef idx="2">
+              <a:schemeClr val="accent1"/>
+            </a:effectRef>
+            <a:fontRef idx="minor">
+              <a:schemeClr val="lt1"/>
+            </a:fontRef>
+          </p:style>
+        </p:sp>
+        <p:sp>
+          <p:nvSpPr>
+            <p:cNvPr id="31" name="Isosceles Triangle 30"/>
+            <p:cNvSpPr/>
+            <p:nvPr/>
+          </p:nvSpPr>
+          <p:spPr>
+            <a:xfrm>
+              <a:off x="10371666" y="3589867"/>
+              <a:ext cx="1817159" cy="3268133"/>
+            </a:xfrm>
+            <a:prstGeom prst="triangle">
+              <a:avLst>
+                <a:gd name="adj" fmla="val 100000"/>
+              </a:avLst>
+            </a:prstGeom>
+            <a:solidFill>
+              <a:schemeClr val="accent1">
+                <a:alpha val="80000"/>
+              </a:schemeClr>
+            </a:solidFill>
+            <a:ln>
+              <a:noFill/>
+            </a:ln>
+            <a:effectLst/>
+          </p:spPr>
+          <p:style>
+            <a:lnRef idx="1">
+              <a:schemeClr val="accent1"/>
+            </a:lnRef>
+            <a:fillRef idx="3">
+              <a:schemeClr val="accent1"/>
+            </a:fillRef>
+            <a:effectRef idx="2">
+              <a:schemeClr val="accent1"/>
+            </a:effectRef>
+            <a:fontRef idx="minor">
+              <a:schemeClr val="lt1"/>
+            </a:fontRef>
+          </p:style>
+        </p:sp>
+        <p:sp>
+          <p:nvSpPr>
+            <p:cNvPr id="19" name="Isosceles Triangle 18"/>
+            <p:cNvSpPr/>
+            <p:nvPr/>
+          </p:nvSpPr>
+          <p:spPr>
+            <a:xfrm rot="10800000">
+              <a:off x="0" y="0"/>
+              <a:ext cx="842596" cy="5666154"/>
+            </a:xfrm>
+            <a:prstGeom prst="triangle">
+              <a:avLst>
+                <a:gd name="adj" fmla="val 100000"/>
+              </a:avLst>
+            </a:prstGeom>
+            <a:solidFill>
+              <a:schemeClr val="accent1">
+                <a:alpha val="85000"/>
+              </a:schemeClr>
+            </a:solidFill>
+            <a:ln>
+              <a:noFill/>
+            </a:ln>
+            <a:effectLst/>
+          </p:spPr>
+          <p:style>
+            <a:lnRef idx="1">
+              <a:schemeClr val="accent1"/>
+            </a:lnRef>
+            <a:fillRef idx="3">
+              <a:schemeClr val="accent1"/>
+            </a:fillRef>
+            <a:effectRef idx="2">
+              <a:schemeClr val="accent1"/>
+            </a:effectRef>
+            <a:fontRef idx="minor">
+              <a:schemeClr val="lt1"/>
+            </a:fontRef>
+          </p:style>
+        </p:sp>
+      </p:grpSp>
+      <p:sp>
+        <p:nvSpPr>
+          <p:cNvPr id="2" name="Title 1"/>
           <p:cNvSpPr>
             <a:spLocks noGrp="1"/>
           </p:cNvSpPr>
@@ -143,15 +680,21 @@
         </p:nvSpPr>
         <p:spPr>
           <a:xfrm>
-            <a:off x="1524000" y="1122363"/>
-            <a:ext cx="9144000" cy="2387600"/>
+            <a:off x="1507067" y="2404534"/>
+            <a:ext cx="7766936" cy="1646302"/>
           </a:xfrm>
         </p:spPr>
         <p:txBody>
-          <a:bodyPr anchor="b"/>
+          <a:bodyPr anchor="b">
+            <a:noAutofit/>
+          </a:bodyPr>
           <a:lstStyle>
-            <a:lvl1pPr algn="ctr">
-              <a:defRPr sz="6000"/>
+            <a:lvl1pPr algn="r">
+              <a:defRPr sz="5400">
+                <a:solidFill>
+                  <a:schemeClr val="accent1"/>
+                </a:solidFill>
+              </a:defRPr>
             </a:lvl1pPr>
           </a:lstStyle>
           <a:p>
@@ -159,18 +702,13 @@
               <a:rPr lang="en-US"/>
               <a:t>Click to edit Master title style</a:t>
             </a:r>
-          </a:p>
-        </p:txBody>
-      </p:sp>
-      <p:sp>
-        <p:nvSpPr>
-          <p:cNvPr id="3" name="Subtitle 2">
-            <a:extLst>
-              <a:ext uri="{FF2B5EF4-FFF2-40B4-BE49-F238E27FC236}">
-                <a16:creationId xmlns:a16="http://schemas.microsoft.com/office/drawing/2014/main" id="{04FD806D-3EEC-D743-26C7-BDB5EA678686}"/>
-              </a:ext>
-            </a:extLst>
-          </p:cNvPr>
+            <a:endParaRPr lang="en-US" dirty="0"/>
+          </a:p>
+        </p:txBody>
+      </p:sp>
+      <p:sp>
+        <p:nvSpPr>
+          <p:cNvPr id="3" name="Subtitle 2"/>
           <p:cNvSpPr>
             <a:spLocks noGrp="1"/>
           </p:cNvSpPr>
@@ -180,48 +718,103 @@
         </p:nvSpPr>
         <p:spPr>
           <a:xfrm>
-            <a:off x="1524000" y="3602038"/>
-            <a:ext cx="9144000" cy="1655762"/>
+            <a:off x="1507067" y="4050833"/>
+            <a:ext cx="7766936" cy="1096899"/>
           </a:xfrm>
         </p:spPr>
         <p:txBody>
-          <a:bodyPr/>
+          <a:bodyPr anchor="t"/>
           <a:lstStyle>
-            <a:lvl1pPr marL="0" indent="0" algn="ctr">
-              <a:buNone/>
-              <a:defRPr sz="2400"/>
+            <a:lvl1pPr marL="0" indent="0" algn="r">
+              <a:buNone/>
+              <a:defRPr>
+                <a:solidFill>
+                  <a:schemeClr val="tx1">
+                    <a:lumMod val="50000"/>
+                    <a:lumOff val="50000"/>
+                  </a:schemeClr>
+                </a:solidFill>
+              </a:defRPr>
             </a:lvl1pPr>
             <a:lvl2pPr marL="457200" indent="0" algn="ctr">
               <a:buNone/>
-              <a:defRPr sz="2000"/>
+              <a:defRPr>
+                <a:solidFill>
+                  <a:schemeClr val="tx1">
+                    <a:tint val="75000"/>
+                  </a:schemeClr>
+                </a:solidFill>
+              </a:defRPr>
             </a:lvl2pPr>
             <a:lvl3pPr marL="914400" indent="0" algn="ctr">
               <a:buNone/>
-              <a:defRPr sz="1800"/>
+              <a:defRPr>
+                <a:solidFill>
+                  <a:schemeClr val="tx1">
+                    <a:tint val="75000"/>
+                  </a:schemeClr>
+                </a:solidFill>
+              </a:defRPr>
             </a:lvl3pPr>
             <a:lvl4pPr marL="1371600" indent="0" algn="ctr">
               <a:buNone/>
-              <a:defRPr sz="1600"/>
+              <a:defRPr>
+                <a:solidFill>
+                  <a:schemeClr val="tx1">
+                    <a:tint val="75000"/>
+                  </a:schemeClr>
+                </a:solidFill>
+              </a:defRPr>
             </a:lvl4pPr>
             <a:lvl5pPr marL="1828800" indent="0" algn="ctr">
               <a:buNone/>
-              <a:defRPr sz="1600"/>
+              <a:defRPr>
+                <a:solidFill>
+                  <a:schemeClr val="tx1">
+                    <a:tint val="75000"/>
+                  </a:schemeClr>
+                </a:solidFill>
+              </a:defRPr>
             </a:lvl5pPr>
             <a:lvl6pPr marL="2286000" indent="0" algn="ctr">
               <a:buNone/>
-              <a:defRPr sz="1600"/>
+              <a:defRPr>
+                <a:solidFill>
+                  <a:schemeClr val="tx1">
+                    <a:tint val="75000"/>
+                  </a:schemeClr>
+                </a:solidFill>
+              </a:defRPr>
             </a:lvl6pPr>
             <a:lvl7pPr marL="2743200" indent="0" algn="ctr">
               <a:buNone/>
-              <a:defRPr sz="1600"/>
+              <a:defRPr>
+                <a:solidFill>
+                  <a:schemeClr val="tx1">
+                    <a:tint val="75000"/>
+                  </a:schemeClr>
+                </a:solidFill>
+              </a:defRPr>
             </a:lvl7pPr>
             <a:lvl8pPr marL="3200400" indent="0" algn="ctr">
               <a:buNone/>
-              <a:defRPr sz="1600"/>
+              <a:defRPr>
+                <a:solidFill>
+                  <a:schemeClr val="tx1">
+                    <a:tint val="75000"/>
+                  </a:schemeClr>
+                </a:solidFill>
+              </a:defRPr>
             </a:lvl8pPr>
             <a:lvl9pPr marL="3657600" indent="0" algn="ctr">
               <a:buNone/>
-              <a:defRPr sz="1600"/>
+              <a:defRPr>
+                <a:solidFill>
+                  <a:schemeClr val="tx1">
+                    <a:tint val="75000"/>
+                  </a:schemeClr>
+                </a:solidFill>
+              </a:defRPr>
             </a:lvl9pPr>
           </a:lstStyle>
           <a:p>
@@ -229,18 +822,13 @@
               <a:rPr lang="en-US"/>
               <a:t>Click to edit Master subtitle style</a:t>
             </a:r>
-          </a:p>
-        </p:txBody>
-      </p:sp>
-      <p:sp>
-        <p:nvSpPr>
-          <p:cNvPr id="4" name="Date Placeholder 3">
-            <a:extLst>
-              <a:ext uri="{FF2B5EF4-FFF2-40B4-BE49-F238E27FC236}">
-                <a16:creationId xmlns:a16="http://schemas.microsoft.com/office/drawing/2014/main" id="{6D0D0A49-ADD4-A5C2-3D0A-2AE571DBF499}"/>
-              </a:ext>
-            </a:extLst>
-          </p:cNvPr>
+            <a:endParaRPr lang="en-US" dirty="0"/>
+          </a:p>
+        </p:txBody>
+      </p:sp>
+      <p:sp>
+        <p:nvSpPr>
+          <p:cNvPr id="4" name="Date Placeholder 3"/>
           <p:cNvSpPr>
             <a:spLocks noGrp="1"/>
           </p:cNvSpPr>
@@ -255,7 +843,7 @@
           <a:p>
             <a:fld id="{D7466B5C-ADBE-4102-BACE-B76AE415BBFD}" type="datetimeFigureOut">
               <a:rPr lang="en-US" smtClean="0"/>
-              <a:t>4/11/2023</a:t>
+              <a:t>4/17/2023</a:t>
             </a:fld>
             <a:endParaRPr lang="en-US"/>
           </a:p>
@@ -263,13 +851,7 @@
       </p:sp>
       <p:sp>
         <p:nvSpPr>
-          <p:cNvPr id="5" name="Footer Placeholder 4">
-            <a:extLst>
-              <a:ext uri="{FF2B5EF4-FFF2-40B4-BE49-F238E27FC236}">
-                <a16:creationId xmlns:a16="http://schemas.microsoft.com/office/drawing/2014/main" id="{1AEEE393-29D8-8FCD-38BE-4F067238CB3A}"/>
-              </a:ext>
-            </a:extLst>
-          </p:cNvPr>
+          <p:cNvPr id="5" name="Footer Placeholder 4"/>
           <p:cNvSpPr>
             <a:spLocks noGrp="1"/>
           </p:cNvSpPr>
@@ -288,13 +870,7 @@
       </p:sp>
       <p:sp>
         <p:nvSpPr>
-          <p:cNvPr id="6" name="Slide Number Placeholder 5">
-            <a:extLst>
-              <a:ext uri="{FF2B5EF4-FFF2-40B4-BE49-F238E27FC236}">
-                <a16:creationId xmlns:a16="http://schemas.microsoft.com/office/drawing/2014/main" id="{EFC171A1-CA41-1577-A139-5D98DEA2649F}"/>
-              </a:ext>
-            </a:extLst>
-          </p:cNvPr>
+          <p:cNvPr id="6" name="Slide Number Placeholder 5"/>
           <p:cNvSpPr>
             <a:spLocks noGrp="1"/>
           </p:cNvSpPr>
@@ -318,7 +894,7 @@
     </p:spTree>
     <p:extLst>
       <p:ext uri="{BB962C8B-B14F-4D97-AF65-F5344CB8AC3E}">
-        <p14:creationId xmlns:p14="http://schemas.microsoft.com/office/powerpoint/2010/main" val="3719325163"/>
+        <p14:creationId xmlns:p14="http://schemas.microsoft.com/office/powerpoint/2010/main" val="1381127900"/>
       </p:ext>
     </p:extLst>
   </p:cSld>
@@ -329,6 +905,1619 @@
 </file>
 
 <file path=ppt/slideLayouts/slideLayout10.xml><?xml version="1.0" encoding="utf-8"?>
+<p:sldLayout xmlns:a="http://schemas.openxmlformats.org/drawingml/2006/main" xmlns:r="http://schemas.openxmlformats.org/officeDocument/2006/relationships" xmlns:p="http://schemas.openxmlformats.org/presentationml/2006/main" preserve="1">
+  <p:cSld name="Title and Caption">
+    <p:spTree>
+      <p:nvGrpSpPr>
+        <p:cNvPr id="1" name=""/>
+        <p:cNvGrpSpPr/>
+        <p:nvPr/>
+      </p:nvGrpSpPr>
+      <p:grpSpPr>
+        <a:xfrm>
+          <a:off x="0" y="0"/>
+          <a:ext cx="0" cy="0"/>
+          <a:chOff x="0" y="0"/>
+          <a:chExt cx="0" cy="0"/>
+        </a:xfrm>
+      </p:grpSpPr>
+      <p:sp>
+        <p:nvSpPr>
+          <p:cNvPr id="2" name="Title 1"/>
+          <p:cNvSpPr>
+            <a:spLocks noGrp="1"/>
+          </p:cNvSpPr>
+          <p:nvPr>
+            <p:ph type="title"/>
+          </p:nvPr>
+        </p:nvSpPr>
+        <p:spPr>
+          <a:xfrm>
+            <a:off x="677335" y="609600"/>
+            <a:ext cx="8596668" cy="3403600"/>
+          </a:xfrm>
+        </p:spPr>
+        <p:txBody>
+          <a:bodyPr anchor="ctr">
+            <a:normAutofit/>
+          </a:bodyPr>
+          <a:lstStyle>
+            <a:lvl1pPr algn="l">
+              <a:defRPr sz="4400" b="0" cap="none"/>
+            </a:lvl1pPr>
+          </a:lstStyle>
+          <a:p>
+            <a:r>
+              <a:rPr lang="en-US"/>
+              <a:t>Click to edit Master title style</a:t>
+            </a:r>
+            <a:endParaRPr lang="en-US" dirty="0"/>
+          </a:p>
+        </p:txBody>
+      </p:sp>
+      <p:sp>
+        <p:nvSpPr>
+          <p:cNvPr id="3" name="Text Placeholder 2"/>
+          <p:cNvSpPr>
+            <a:spLocks noGrp="1"/>
+          </p:cNvSpPr>
+          <p:nvPr>
+            <p:ph type="body" idx="1"/>
+          </p:nvPr>
+        </p:nvSpPr>
+        <p:spPr>
+          <a:xfrm>
+            <a:off x="677335" y="4470400"/>
+            <a:ext cx="8596668" cy="1570962"/>
+          </a:xfrm>
+        </p:spPr>
+        <p:txBody>
+          <a:bodyPr anchor="ctr">
+            <a:normAutofit/>
+          </a:bodyPr>
+          <a:lstStyle>
+            <a:lvl1pPr marL="0" indent="0" algn="l">
+              <a:buNone/>
+              <a:defRPr sz="1800">
+                <a:solidFill>
+                  <a:schemeClr val="tx1">
+                    <a:lumMod val="75000"/>
+                    <a:lumOff val="25000"/>
+                  </a:schemeClr>
+                </a:solidFill>
+              </a:defRPr>
+            </a:lvl1pPr>
+            <a:lvl2pPr marL="457200" indent="0">
+              <a:buNone/>
+              <a:defRPr sz="1800">
+                <a:solidFill>
+                  <a:schemeClr val="tx1">
+                    <a:tint val="75000"/>
+                  </a:schemeClr>
+                </a:solidFill>
+              </a:defRPr>
+            </a:lvl2pPr>
+            <a:lvl3pPr marL="914400" indent="0">
+              <a:buNone/>
+              <a:defRPr sz="1600">
+                <a:solidFill>
+                  <a:schemeClr val="tx1">
+                    <a:tint val="75000"/>
+                  </a:schemeClr>
+                </a:solidFill>
+              </a:defRPr>
+            </a:lvl3pPr>
+            <a:lvl4pPr marL="1371600" indent="0">
+              <a:buNone/>
+              <a:defRPr sz="1400">
+                <a:solidFill>
+                  <a:schemeClr val="tx1">
+                    <a:tint val="75000"/>
+                  </a:schemeClr>
+                </a:solidFill>
+              </a:defRPr>
+            </a:lvl4pPr>
+            <a:lvl5pPr marL="1828800" indent="0">
+              <a:buNone/>
+              <a:defRPr sz="1400">
+                <a:solidFill>
+                  <a:schemeClr val="tx1">
+                    <a:tint val="75000"/>
+                  </a:schemeClr>
+                </a:solidFill>
+              </a:defRPr>
+            </a:lvl5pPr>
+            <a:lvl6pPr marL="2286000" indent="0">
+              <a:buNone/>
+              <a:defRPr sz="1400">
+                <a:solidFill>
+                  <a:schemeClr val="tx1">
+                    <a:tint val="75000"/>
+                  </a:schemeClr>
+                </a:solidFill>
+              </a:defRPr>
+            </a:lvl6pPr>
+            <a:lvl7pPr marL="2743200" indent="0">
+              <a:buNone/>
+              <a:defRPr sz="1400">
+                <a:solidFill>
+                  <a:schemeClr val="tx1">
+                    <a:tint val="75000"/>
+                  </a:schemeClr>
+                </a:solidFill>
+              </a:defRPr>
+            </a:lvl7pPr>
+            <a:lvl8pPr marL="3200400" indent="0">
+              <a:buNone/>
+              <a:defRPr sz="1400">
+                <a:solidFill>
+                  <a:schemeClr val="tx1">
+                    <a:tint val="75000"/>
+                  </a:schemeClr>
+                </a:solidFill>
+              </a:defRPr>
+            </a:lvl8pPr>
+            <a:lvl9pPr marL="3657600" indent="0">
+              <a:buNone/>
+              <a:defRPr sz="1400">
+                <a:solidFill>
+                  <a:schemeClr val="tx1">
+                    <a:tint val="75000"/>
+                  </a:schemeClr>
+                </a:solidFill>
+              </a:defRPr>
+            </a:lvl9pPr>
+          </a:lstStyle>
+          <a:p>
+            <a:pPr lvl="0"/>
+            <a:r>
+              <a:rPr lang="en-US"/>
+              <a:t>Click to edit Master text styles</a:t>
+            </a:r>
+          </a:p>
+        </p:txBody>
+      </p:sp>
+      <p:sp>
+        <p:nvSpPr>
+          <p:cNvPr id="4" name="Date Placeholder 3"/>
+          <p:cNvSpPr>
+            <a:spLocks noGrp="1"/>
+          </p:cNvSpPr>
+          <p:nvPr>
+            <p:ph type="dt" sz="half" idx="10"/>
+          </p:nvPr>
+        </p:nvSpPr>
+        <p:spPr/>
+        <p:txBody>
+          <a:bodyPr/>
+          <a:lstStyle/>
+          <a:p>
+            <a:fld id="{D7466B5C-ADBE-4102-BACE-B76AE415BBFD}" type="datetimeFigureOut">
+              <a:rPr lang="en-US" smtClean="0"/>
+              <a:t>4/17/2023</a:t>
+            </a:fld>
+            <a:endParaRPr lang="en-US"/>
+          </a:p>
+        </p:txBody>
+      </p:sp>
+      <p:sp>
+        <p:nvSpPr>
+          <p:cNvPr id="5" name="Footer Placeholder 4"/>
+          <p:cNvSpPr>
+            <a:spLocks noGrp="1"/>
+          </p:cNvSpPr>
+          <p:nvPr>
+            <p:ph type="ftr" sz="quarter" idx="11"/>
+          </p:nvPr>
+        </p:nvSpPr>
+        <p:spPr/>
+        <p:txBody>
+          <a:bodyPr/>
+          <a:lstStyle/>
+          <a:p>
+            <a:endParaRPr lang="en-US"/>
+          </a:p>
+        </p:txBody>
+      </p:sp>
+      <p:sp>
+        <p:nvSpPr>
+          <p:cNvPr id="6" name="Slide Number Placeholder 5"/>
+          <p:cNvSpPr>
+            <a:spLocks noGrp="1"/>
+          </p:cNvSpPr>
+          <p:nvPr>
+            <p:ph type="sldNum" sz="quarter" idx="12"/>
+          </p:nvPr>
+        </p:nvSpPr>
+        <p:spPr/>
+        <p:txBody>
+          <a:bodyPr/>
+          <a:lstStyle/>
+          <a:p>
+            <a:fld id="{05C117B5-7E3E-461D-BCAD-3200F591841F}" type="slidenum">
+              <a:rPr lang="en-US" smtClean="0"/>
+              <a:t>‹#›</a:t>
+            </a:fld>
+            <a:endParaRPr lang="en-US"/>
+          </a:p>
+        </p:txBody>
+      </p:sp>
+    </p:spTree>
+    <p:extLst>
+      <p:ext uri="{BB962C8B-B14F-4D97-AF65-F5344CB8AC3E}">
+        <p14:creationId xmlns:p14="http://schemas.microsoft.com/office/powerpoint/2010/main" val="2797794694"/>
+      </p:ext>
+    </p:extLst>
+  </p:cSld>
+  <p:clrMapOvr>
+    <a:masterClrMapping/>
+  </p:clrMapOvr>
+</p:sldLayout>
+</file>
+
+<file path=ppt/slideLayouts/slideLayout11.xml><?xml version="1.0" encoding="utf-8"?>
+<p:sldLayout xmlns:a="http://schemas.openxmlformats.org/drawingml/2006/main" xmlns:r="http://schemas.openxmlformats.org/officeDocument/2006/relationships" xmlns:p="http://schemas.openxmlformats.org/presentationml/2006/main" preserve="1">
+  <p:cSld name="Quote with Caption">
+    <p:spTree>
+      <p:nvGrpSpPr>
+        <p:cNvPr id="1" name=""/>
+        <p:cNvGrpSpPr/>
+        <p:nvPr/>
+      </p:nvGrpSpPr>
+      <p:grpSpPr>
+        <a:xfrm>
+          <a:off x="0" y="0"/>
+          <a:ext cx="0" cy="0"/>
+          <a:chOff x="0" y="0"/>
+          <a:chExt cx="0" cy="0"/>
+        </a:xfrm>
+      </p:grpSpPr>
+      <p:sp>
+        <p:nvSpPr>
+          <p:cNvPr id="2" name="Title 1"/>
+          <p:cNvSpPr>
+            <a:spLocks noGrp="1"/>
+          </p:cNvSpPr>
+          <p:nvPr>
+            <p:ph type="title"/>
+          </p:nvPr>
+        </p:nvSpPr>
+        <p:spPr>
+          <a:xfrm>
+            <a:off x="931334" y="609600"/>
+            <a:ext cx="8094134" cy="3022600"/>
+          </a:xfrm>
+        </p:spPr>
+        <p:txBody>
+          <a:bodyPr anchor="ctr">
+            <a:normAutofit/>
+          </a:bodyPr>
+          <a:lstStyle>
+            <a:lvl1pPr algn="l">
+              <a:defRPr sz="4400" b="0" cap="none"/>
+            </a:lvl1pPr>
+          </a:lstStyle>
+          <a:p>
+            <a:r>
+              <a:rPr lang="en-US"/>
+              <a:t>Click to edit Master title style</a:t>
+            </a:r>
+            <a:endParaRPr lang="en-US" dirty="0"/>
+          </a:p>
+        </p:txBody>
+      </p:sp>
+      <p:sp>
+        <p:nvSpPr>
+          <p:cNvPr id="23" name="Text Placeholder 9"/>
+          <p:cNvSpPr>
+            <a:spLocks noGrp="1"/>
+          </p:cNvSpPr>
+          <p:nvPr>
+            <p:ph type="body" sz="quarter" idx="13"/>
+          </p:nvPr>
+        </p:nvSpPr>
+        <p:spPr>
+          <a:xfrm>
+            <a:off x="1366139" y="3632200"/>
+            <a:ext cx="7224524" cy="381000"/>
+          </a:xfrm>
+        </p:spPr>
+        <p:txBody>
+          <a:bodyPr anchor="ctr">
+            <a:noAutofit/>
+          </a:bodyPr>
+          <a:lstStyle>
+            <a:lvl1pPr marL="0" indent="0">
+              <a:buFontTx/>
+              <a:buNone/>
+              <a:defRPr sz="1600">
+                <a:solidFill>
+                  <a:schemeClr val="tx1">
+                    <a:lumMod val="50000"/>
+                    <a:lumOff val="50000"/>
+                  </a:schemeClr>
+                </a:solidFill>
+              </a:defRPr>
+            </a:lvl1pPr>
+            <a:lvl2pPr marL="457200" indent="0">
+              <a:buFontTx/>
+              <a:buNone/>
+              <a:defRPr/>
+            </a:lvl2pPr>
+            <a:lvl3pPr marL="914400" indent="0">
+              <a:buFontTx/>
+              <a:buNone/>
+              <a:defRPr/>
+            </a:lvl3pPr>
+            <a:lvl4pPr marL="1371600" indent="0">
+              <a:buFontTx/>
+              <a:buNone/>
+              <a:defRPr/>
+            </a:lvl4pPr>
+            <a:lvl5pPr marL="1828800" indent="0">
+              <a:buFontTx/>
+              <a:buNone/>
+              <a:defRPr/>
+            </a:lvl5pPr>
+          </a:lstStyle>
+          <a:p>
+            <a:pPr lvl="0"/>
+            <a:r>
+              <a:rPr lang="en-US"/>
+              <a:t>Click to edit Master text styles</a:t>
+            </a:r>
+          </a:p>
+        </p:txBody>
+      </p:sp>
+      <p:sp>
+        <p:nvSpPr>
+          <p:cNvPr id="3" name="Text Placeholder 2"/>
+          <p:cNvSpPr>
+            <a:spLocks noGrp="1"/>
+          </p:cNvSpPr>
+          <p:nvPr>
+            <p:ph type="body" idx="1"/>
+          </p:nvPr>
+        </p:nvSpPr>
+        <p:spPr>
+          <a:xfrm>
+            <a:off x="677335" y="4470400"/>
+            <a:ext cx="8596668" cy="1570962"/>
+          </a:xfrm>
+        </p:spPr>
+        <p:txBody>
+          <a:bodyPr anchor="ctr">
+            <a:normAutofit/>
+          </a:bodyPr>
+          <a:lstStyle>
+            <a:lvl1pPr marL="0" indent="0" algn="l">
+              <a:buNone/>
+              <a:defRPr sz="1800">
+                <a:solidFill>
+                  <a:schemeClr val="tx1">
+                    <a:lumMod val="75000"/>
+                    <a:lumOff val="25000"/>
+                  </a:schemeClr>
+                </a:solidFill>
+              </a:defRPr>
+            </a:lvl1pPr>
+            <a:lvl2pPr marL="457200" indent="0">
+              <a:buNone/>
+              <a:defRPr sz="1800">
+                <a:solidFill>
+                  <a:schemeClr val="tx1">
+                    <a:tint val="75000"/>
+                  </a:schemeClr>
+                </a:solidFill>
+              </a:defRPr>
+            </a:lvl2pPr>
+            <a:lvl3pPr marL="914400" indent="0">
+              <a:buNone/>
+              <a:defRPr sz="1600">
+                <a:solidFill>
+                  <a:schemeClr val="tx1">
+                    <a:tint val="75000"/>
+                  </a:schemeClr>
+                </a:solidFill>
+              </a:defRPr>
+            </a:lvl3pPr>
+            <a:lvl4pPr marL="1371600" indent="0">
+              <a:buNone/>
+              <a:defRPr sz="1400">
+                <a:solidFill>
+                  <a:schemeClr val="tx1">
+                    <a:tint val="75000"/>
+                  </a:schemeClr>
+                </a:solidFill>
+              </a:defRPr>
+            </a:lvl4pPr>
+            <a:lvl5pPr marL="1828800" indent="0">
+              <a:buNone/>
+              <a:defRPr sz="1400">
+                <a:solidFill>
+                  <a:schemeClr val="tx1">
+                    <a:tint val="75000"/>
+                  </a:schemeClr>
+                </a:solidFill>
+              </a:defRPr>
+            </a:lvl5pPr>
+            <a:lvl6pPr marL="2286000" indent="0">
+              <a:buNone/>
+              <a:defRPr sz="1400">
+                <a:solidFill>
+                  <a:schemeClr val="tx1">
+                    <a:tint val="75000"/>
+                  </a:schemeClr>
+                </a:solidFill>
+              </a:defRPr>
+            </a:lvl6pPr>
+            <a:lvl7pPr marL="2743200" indent="0">
+              <a:buNone/>
+              <a:defRPr sz="1400">
+                <a:solidFill>
+                  <a:schemeClr val="tx1">
+                    <a:tint val="75000"/>
+                  </a:schemeClr>
+                </a:solidFill>
+              </a:defRPr>
+            </a:lvl7pPr>
+            <a:lvl8pPr marL="3200400" indent="0">
+              <a:buNone/>
+              <a:defRPr sz="1400">
+                <a:solidFill>
+                  <a:schemeClr val="tx1">
+                    <a:tint val="75000"/>
+                  </a:schemeClr>
+                </a:solidFill>
+              </a:defRPr>
+            </a:lvl8pPr>
+            <a:lvl9pPr marL="3657600" indent="0">
+              <a:buNone/>
+              <a:defRPr sz="1400">
+                <a:solidFill>
+                  <a:schemeClr val="tx1">
+                    <a:tint val="75000"/>
+                  </a:schemeClr>
+                </a:solidFill>
+              </a:defRPr>
+            </a:lvl9pPr>
+          </a:lstStyle>
+          <a:p>
+            <a:pPr lvl="0"/>
+            <a:r>
+              <a:rPr lang="en-US"/>
+              <a:t>Click to edit Master text styles</a:t>
+            </a:r>
+          </a:p>
+        </p:txBody>
+      </p:sp>
+      <p:sp>
+        <p:nvSpPr>
+          <p:cNvPr id="4" name="Date Placeholder 3"/>
+          <p:cNvSpPr>
+            <a:spLocks noGrp="1"/>
+          </p:cNvSpPr>
+          <p:nvPr>
+            <p:ph type="dt" sz="half" idx="10"/>
+          </p:nvPr>
+        </p:nvSpPr>
+        <p:spPr/>
+        <p:txBody>
+          <a:bodyPr/>
+          <a:lstStyle/>
+          <a:p>
+            <a:fld id="{D7466B5C-ADBE-4102-BACE-B76AE415BBFD}" type="datetimeFigureOut">
+              <a:rPr lang="en-US" smtClean="0"/>
+              <a:t>4/17/2023</a:t>
+            </a:fld>
+            <a:endParaRPr lang="en-US"/>
+          </a:p>
+        </p:txBody>
+      </p:sp>
+      <p:sp>
+        <p:nvSpPr>
+          <p:cNvPr id="5" name="Footer Placeholder 4"/>
+          <p:cNvSpPr>
+            <a:spLocks noGrp="1"/>
+          </p:cNvSpPr>
+          <p:nvPr>
+            <p:ph type="ftr" sz="quarter" idx="11"/>
+          </p:nvPr>
+        </p:nvSpPr>
+        <p:spPr/>
+        <p:txBody>
+          <a:bodyPr/>
+          <a:lstStyle/>
+          <a:p>
+            <a:endParaRPr lang="en-US"/>
+          </a:p>
+        </p:txBody>
+      </p:sp>
+      <p:sp>
+        <p:nvSpPr>
+          <p:cNvPr id="6" name="Slide Number Placeholder 5"/>
+          <p:cNvSpPr>
+            <a:spLocks noGrp="1"/>
+          </p:cNvSpPr>
+          <p:nvPr>
+            <p:ph type="sldNum" sz="quarter" idx="12"/>
+          </p:nvPr>
+        </p:nvSpPr>
+        <p:spPr/>
+        <p:txBody>
+          <a:bodyPr/>
+          <a:lstStyle/>
+          <a:p>
+            <a:fld id="{05C117B5-7E3E-461D-BCAD-3200F591841F}" type="slidenum">
+              <a:rPr lang="en-US" smtClean="0"/>
+              <a:t>‹#›</a:t>
+            </a:fld>
+            <a:endParaRPr lang="en-US"/>
+          </a:p>
+        </p:txBody>
+      </p:sp>
+      <p:sp>
+        <p:nvSpPr>
+          <p:cNvPr id="20" name="TextBox 19"/>
+          <p:cNvSpPr txBox="1"/>
+          <p:nvPr/>
+        </p:nvSpPr>
+        <p:spPr>
+          <a:xfrm>
+            <a:off x="541870" y="790378"/>
+            <a:ext cx="609600" cy="584776"/>
+          </a:xfrm>
+          <a:prstGeom prst="rect">
+            <a:avLst/>
+          </a:prstGeom>
+        </p:spPr>
+        <p:txBody>
+          <a:bodyPr vert="horz" lIns="91440" tIns="45720" rIns="91440" bIns="45720" rtlCol="0" anchor="ctr">
+            <a:noAutofit/>
+          </a:bodyPr>
+          <a:lstStyle/>
+          <a:p>
+            <a:pPr lvl="0"/>
+            <a:r>
+              <a:rPr lang="en-US" sz="8000" baseline="0" dirty="0">
+                <a:ln w="3175" cmpd="sng">
+                  <a:noFill/>
+                </a:ln>
+                <a:solidFill>
+                  <a:schemeClr val="accent1">
+                    <a:lumMod val="60000"/>
+                    <a:lumOff val="40000"/>
+                  </a:schemeClr>
+                </a:solidFill>
+                <a:effectLst/>
+                <a:latin typeface="Arial"/>
+              </a:rPr>
+              <a:t>“</a:t>
+            </a:r>
+          </a:p>
+        </p:txBody>
+      </p:sp>
+      <p:sp>
+        <p:nvSpPr>
+          <p:cNvPr id="22" name="TextBox 21"/>
+          <p:cNvSpPr txBox="1"/>
+          <p:nvPr/>
+        </p:nvSpPr>
+        <p:spPr>
+          <a:xfrm>
+            <a:off x="8893011" y="2886556"/>
+            <a:ext cx="609600" cy="584776"/>
+          </a:xfrm>
+          <a:prstGeom prst="rect">
+            <a:avLst/>
+          </a:prstGeom>
+        </p:spPr>
+        <p:txBody>
+          <a:bodyPr vert="horz" lIns="91440" tIns="45720" rIns="91440" bIns="45720" rtlCol="0" anchor="ctr">
+            <a:noAutofit/>
+          </a:bodyPr>
+          <a:lstStyle/>
+          <a:p>
+            <a:pPr lvl="0"/>
+            <a:r>
+              <a:rPr lang="en-US" sz="8000" baseline="0" dirty="0">
+                <a:ln w="3175" cmpd="sng">
+                  <a:noFill/>
+                </a:ln>
+                <a:solidFill>
+                  <a:schemeClr val="accent1">
+                    <a:lumMod val="60000"/>
+                    <a:lumOff val="40000"/>
+                  </a:schemeClr>
+                </a:solidFill>
+                <a:latin typeface="Arial"/>
+              </a:rPr>
+              <a:t>”</a:t>
+            </a:r>
+            <a:endParaRPr lang="en-US" dirty="0">
+              <a:solidFill>
+                <a:schemeClr val="accent1">
+                  <a:lumMod val="60000"/>
+                  <a:lumOff val="40000"/>
+                </a:schemeClr>
+              </a:solidFill>
+              <a:latin typeface="Arial"/>
+            </a:endParaRPr>
+          </a:p>
+        </p:txBody>
+      </p:sp>
+    </p:spTree>
+    <p:extLst>
+      <p:ext uri="{BB962C8B-B14F-4D97-AF65-F5344CB8AC3E}">
+        <p14:creationId xmlns:p14="http://schemas.microsoft.com/office/powerpoint/2010/main" val="155806661"/>
+      </p:ext>
+    </p:extLst>
+  </p:cSld>
+  <p:clrMapOvr>
+    <a:masterClrMapping/>
+  </p:clrMapOvr>
+</p:sldLayout>
+</file>
+
+<file path=ppt/slideLayouts/slideLayout12.xml><?xml version="1.0" encoding="utf-8"?>
+<p:sldLayout xmlns:a="http://schemas.openxmlformats.org/drawingml/2006/main" xmlns:r="http://schemas.openxmlformats.org/officeDocument/2006/relationships" xmlns:p="http://schemas.openxmlformats.org/presentationml/2006/main" preserve="1">
+  <p:cSld name="Name Card">
+    <p:spTree>
+      <p:nvGrpSpPr>
+        <p:cNvPr id="1" name=""/>
+        <p:cNvGrpSpPr/>
+        <p:nvPr/>
+      </p:nvGrpSpPr>
+      <p:grpSpPr>
+        <a:xfrm>
+          <a:off x="0" y="0"/>
+          <a:ext cx="0" cy="0"/>
+          <a:chOff x="0" y="0"/>
+          <a:chExt cx="0" cy="0"/>
+        </a:xfrm>
+      </p:grpSpPr>
+      <p:sp>
+        <p:nvSpPr>
+          <p:cNvPr id="2" name="Title 1"/>
+          <p:cNvSpPr>
+            <a:spLocks noGrp="1"/>
+          </p:cNvSpPr>
+          <p:nvPr>
+            <p:ph type="title"/>
+          </p:nvPr>
+        </p:nvSpPr>
+        <p:spPr>
+          <a:xfrm>
+            <a:off x="677335" y="1931988"/>
+            <a:ext cx="8596668" cy="2595460"/>
+          </a:xfrm>
+        </p:spPr>
+        <p:txBody>
+          <a:bodyPr anchor="b">
+            <a:normAutofit/>
+          </a:bodyPr>
+          <a:lstStyle>
+            <a:lvl1pPr algn="l">
+              <a:defRPr sz="4400" b="0" cap="none"/>
+            </a:lvl1pPr>
+          </a:lstStyle>
+          <a:p>
+            <a:r>
+              <a:rPr lang="en-US"/>
+              <a:t>Click to edit Master title style</a:t>
+            </a:r>
+            <a:endParaRPr lang="en-US" dirty="0"/>
+          </a:p>
+        </p:txBody>
+      </p:sp>
+      <p:sp>
+        <p:nvSpPr>
+          <p:cNvPr id="3" name="Text Placeholder 2"/>
+          <p:cNvSpPr>
+            <a:spLocks noGrp="1"/>
+          </p:cNvSpPr>
+          <p:nvPr>
+            <p:ph type="body" idx="1"/>
+          </p:nvPr>
+        </p:nvSpPr>
+        <p:spPr>
+          <a:xfrm>
+            <a:off x="677335" y="4527448"/>
+            <a:ext cx="8596668" cy="1513914"/>
+          </a:xfrm>
+        </p:spPr>
+        <p:txBody>
+          <a:bodyPr anchor="t">
+            <a:normAutofit/>
+          </a:bodyPr>
+          <a:lstStyle>
+            <a:lvl1pPr marL="0" indent="0" algn="l">
+              <a:buNone/>
+              <a:defRPr sz="1800">
+                <a:solidFill>
+                  <a:schemeClr val="tx1">
+                    <a:lumMod val="75000"/>
+                    <a:lumOff val="25000"/>
+                  </a:schemeClr>
+                </a:solidFill>
+              </a:defRPr>
+            </a:lvl1pPr>
+            <a:lvl2pPr marL="457200" indent="0">
+              <a:buNone/>
+              <a:defRPr sz="1800">
+                <a:solidFill>
+                  <a:schemeClr val="tx1">
+                    <a:tint val="75000"/>
+                  </a:schemeClr>
+                </a:solidFill>
+              </a:defRPr>
+            </a:lvl2pPr>
+            <a:lvl3pPr marL="914400" indent="0">
+              <a:buNone/>
+              <a:defRPr sz="1600">
+                <a:solidFill>
+                  <a:schemeClr val="tx1">
+                    <a:tint val="75000"/>
+                  </a:schemeClr>
+                </a:solidFill>
+              </a:defRPr>
+            </a:lvl3pPr>
+            <a:lvl4pPr marL="1371600" indent="0">
+              <a:buNone/>
+              <a:defRPr sz="1400">
+                <a:solidFill>
+                  <a:schemeClr val="tx1">
+                    <a:tint val="75000"/>
+                  </a:schemeClr>
+                </a:solidFill>
+              </a:defRPr>
+            </a:lvl4pPr>
+            <a:lvl5pPr marL="1828800" indent="0">
+              <a:buNone/>
+              <a:defRPr sz="1400">
+                <a:solidFill>
+                  <a:schemeClr val="tx1">
+                    <a:tint val="75000"/>
+                  </a:schemeClr>
+                </a:solidFill>
+              </a:defRPr>
+            </a:lvl5pPr>
+            <a:lvl6pPr marL="2286000" indent="0">
+              <a:buNone/>
+              <a:defRPr sz="1400">
+                <a:solidFill>
+                  <a:schemeClr val="tx1">
+                    <a:tint val="75000"/>
+                  </a:schemeClr>
+                </a:solidFill>
+              </a:defRPr>
+            </a:lvl6pPr>
+            <a:lvl7pPr marL="2743200" indent="0">
+              <a:buNone/>
+              <a:defRPr sz="1400">
+                <a:solidFill>
+                  <a:schemeClr val="tx1">
+                    <a:tint val="75000"/>
+                  </a:schemeClr>
+                </a:solidFill>
+              </a:defRPr>
+            </a:lvl7pPr>
+            <a:lvl8pPr marL="3200400" indent="0">
+              <a:buNone/>
+              <a:defRPr sz="1400">
+                <a:solidFill>
+                  <a:schemeClr val="tx1">
+                    <a:tint val="75000"/>
+                  </a:schemeClr>
+                </a:solidFill>
+              </a:defRPr>
+            </a:lvl8pPr>
+            <a:lvl9pPr marL="3657600" indent="0">
+              <a:buNone/>
+              <a:defRPr sz="1400">
+                <a:solidFill>
+                  <a:schemeClr val="tx1">
+                    <a:tint val="75000"/>
+                  </a:schemeClr>
+                </a:solidFill>
+              </a:defRPr>
+            </a:lvl9pPr>
+          </a:lstStyle>
+          <a:p>
+            <a:pPr lvl="0"/>
+            <a:r>
+              <a:rPr lang="en-US"/>
+              <a:t>Click to edit Master text styles</a:t>
+            </a:r>
+          </a:p>
+        </p:txBody>
+      </p:sp>
+      <p:sp>
+        <p:nvSpPr>
+          <p:cNvPr id="4" name="Date Placeholder 3"/>
+          <p:cNvSpPr>
+            <a:spLocks noGrp="1"/>
+          </p:cNvSpPr>
+          <p:nvPr>
+            <p:ph type="dt" sz="half" idx="10"/>
+          </p:nvPr>
+        </p:nvSpPr>
+        <p:spPr/>
+        <p:txBody>
+          <a:bodyPr/>
+          <a:lstStyle/>
+          <a:p>
+            <a:fld id="{D7466B5C-ADBE-4102-BACE-B76AE415BBFD}" type="datetimeFigureOut">
+              <a:rPr lang="en-US" smtClean="0"/>
+              <a:t>4/17/2023</a:t>
+            </a:fld>
+            <a:endParaRPr lang="en-US"/>
+          </a:p>
+        </p:txBody>
+      </p:sp>
+      <p:sp>
+        <p:nvSpPr>
+          <p:cNvPr id="5" name="Footer Placeholder 4"/>
+          <p:cNvSpPr>
+            <a:spLocks noGrp="1"/>
+          </p:cNvSpPr>
+          <p:nvPr>
+            <p:ph type="ftr" sz="quarter" idx="11"/>
+          </p:nvPr>
+        </p:nvSpPr>
+        <p:spPr/>
+        <p:txBody>
+          <a:bodyPr/>
+          <a:lstStyle/>
+          <a:p>
+            <a:endParaRPr lang="en-US"/>
+          </a:p>
+        </p:txBody>
+      </p:sp>
+      <p:sp>
+        <p:nvSpPr>
+          <p:cNvPr id="6" name="Slide Number Placeholder 5"/>
+          <p:cNvSpPr>
+            <a:spLocks noGrp="1"/>
+          </p:cNvSpPr>
+          <p:nvPr>
+            <p:ph type="sldNum" sz="quarter" idx="12"/>
+          </p:nvPr>
+        </p:nvSpPr>
+        <p:spPr/>
+        <p:txBody>
+          <a:bodyPr/>
+          <a:lstStyle/>
+          <a:p>
+            <a:fld id="{05C117B5-7E3E-461D-BCAD-3200F591841F}" type="slidenum">
+              <a:rPr lang="en-US" smtClean="0"/>
+              <a:t>‹#›</a:t>
+            </a:fld>
+            <a:endParaRPr lang="en-US"/>
+          </a:p>
+        </p:txBody>
+      </p:sp>
+    </p:spTree>
+    <p:extLst>
+      <p:ext uri="{BB962C8B-B14F-4D97-AF65-F5344CB8AC3E}">
+        <p14:creationId xmlns:p14="http://schemas.microsoft.com/office/powerpoint/2010/main" val="1112948256"/>
+      </p:ext>
+    </p:extLst>
+  </p:cSld>
+  <p:clrMapOvr>
+    <a:masterClrMapping/>
+  </p:clrMapOvr>
+</p:sldLayout>
+</file>
+
+<file path=ppt/slideLayouts/slideLayout13.xml><?xml version="1.0" encoding="utf-8"?>
+<p:sldLayout xmlns:a="http://schemas.openxmlformats.org/drawingml/2006/main" xmlns:r="http://schemas.openxmlformats.org/officeDocument/2006/relationships" xmlns:p="http://schemas.openxmlformats.org/presentationml/2006/main" preserve="1">
+  <p:cSld name="Quote Name Card">
+    <p:spTree>
+      <p:nvGrpSpPr>
+        <p:cNvPr id="1" name=""/>
+        <p:cNvGrpSpPr/>
+        <p:nvPr/>
+      </p:nvGrpSpPr>
+      <p:grpSpPr>
+        <a:xfrm>
+          <a:off x="0" y="0"/>
+          <a:ext cx="0" cy="0"/>
+          <a:chOff x="0" y="0"/>
+          <a:chExt cx="0" cy="0"/>
+        </a:xfrm>
+      </p:grpSpPr>
+      <p:sp>
+        <p:nvSpPr>
+          <p:cNvPr id="2" name="Title 1"/>
+          <p:cNvSpPr>
+            <a:spLocks noGrp="1"/>
+          </p:cNvSpPr>
+          <p:nvPr>
+            <p:ph type="title"/>
+          </p:nvPr>
+        </p:nvSpPr>
+        <p:spPr>
+          <a:xfrm>
+            <a:off x="931334" y="609600"/>
+            <a:ext cx="8094134" cy="3022600"/>
+          </a:xfrm>
+        </p:spPr>
+        <p:txBody>
+          <a:bodyPr anchor="ctr">
+            <a:normAutofit/>
+          </a:bodyPr>
+          <a:lstStyle>
+            <a:lvl1pPr algn="l">
+              <a:defRPr sz="4400" b="0" cap="none"/>
+            </a:lvl1pPr>
+          </a:lstStyle>
+          <a:p>
+            <a:r>
+              <a:rPr lang="en-US"/>
+              <a:t>Click to edit Master title style</a:t>
+            </a:r>
+            <a:endParaRPr lang="en-US" dirty="0"/>
+          </a:p>
+        </p:txBody>
+      </p:sp>
+      <p:sp>
+        <p:nvSpPr>
+          <p:cNvPr id="23" name="Text Placeholder 9"/>
+          <p:cNvSpPr>
+            <a:spLocks noGrp="1"/>
+          </p:cNvSpPr>
+          <p:nvPr>
+            <p:ph type="body" sz="quarter" idx="13"/>
+          </p:nvPr>
+        </p:nvSpPr>
+        <p:spPr>
+          <a:xfrm>
+            <a:off x="677332" y="4013200"/>
+            <a:ext cx="8596669" cy="514248"/>
+          </a:xfrm>
+        </p:spPr>
+        <p:txBody>
+          <a:bodyPr anchor="b">
+            <a:noAutofit/>
+          </a:bodyPr>
+          <a:lstStyle>
+            <a:lvl1pPr marL="0" indent="0">
+              <a:buFontTx/>
+              <a:buNone/>
+              <a:defRPr sz="2400">
+                <a:solidFill>
+                  <a:schemeClr val="tx1">
+                    <a:lumMod val="75000"/>
+                    <a:lumOff val="25000"/>
+                  </a:schemeClr>
+                </a:solidFill>
+              </a:defRPr>
+            </a:lvl1pPr>
+            <a:lvl2pPr marL="457200" indent="0">
+              <a:buFontTx/>
+              <a:buNone/>
+              <a:defRPr/>
+            </a:lvl2pPr>
+            <a:lvl3pPr marL="914400" indent="0">
+              <a:buFontTx/>
+              <a:buNone/>
+              <a:defRPr/>
+            </a:lvl3pPr>
+            <a:lvl4pPr marL="1371600" indent="0">
+              <a:buFontTx/>
+              <a:buNone/>
+              <a:defRPr/>
+            </a:lvl4pPr>
+            <a:lvl5pPr marL="1828800" indent="0">
+              <a:buFontTx/>
+              <a:buNone/>
+              <a:defRPr/>
+            </a:lvl5pPr>
+          </a:lstStyle>
+          <a:p>
+            <a:pPr lvl="0"/>
+            <a:r>
+              <a:rPr lang="en-US"/>
+              <a:t>Click to edit Master text styles</a:t>
+            </a:r>
+          </a:p>
+        </p:txBody>
+      </p:sp>
+      <p:sp>
+        <p:nvSpPr>
+          <p:cNvPr id="3" name="Text Placeholder 2"/>
+          <p:cNvSpPr>
+            <a:spLocks noGrp="1"/>
+          </p:cNvSpPr>
+          <p:nvPr>
+            <p:ph type="body" idx="1"/>
+          </p:nvPr>
+        </p:nvSpPr>
+        <p:spPr>
+          <a:xfrm>
+            <a:off x="677335" y="4527448"/>
+            <a:ext cx="8596668" cy="1513914"/>
+          </a:xfrm>
+        </p:spPr>
+        <p:txBody>
+          <a:bodyPr anchor="t">
+            <a:normAutofit/>
+          </a:bodyPr>
+          <a:lstStyle>
+            <a:lvl1pPr marL="0" indent="0" algn="l">
+              <a:buNone/>
+              <a:defRPr sz="1800">
+                <a:solidFill>
+                  <a:schemeClr val="tx1">
+                    <a:lumMod val="50000"/>
+                    <a:lumOff val="50000"/>
+                  </a:schemeClr>
+                </a:solidFill>
+              </a:defRPr>
+            </a:lvl1pPr>
+            <a:lvl2pPr marL="457200" indent="0">
+              <a:buNone/>
+              <a:defRPr sz="1800">
+                <a:solidFill>
+                  <a:schemeClr val="tx1">
+                    <a:tint val="75000"/>
+                  </a:schemeClr>
+                </a:solidFill>
+              </a:defRPr>
+            </a:lvl2pPr>
+            <a:lvl3pPr marL="914400" indent="0">
+              <a:buNone/>
+              <a:defRPr sz="1600">
+                <a:solidFill>
+                  <a:schemeClr val="tx1">
+                    <a:tint val="75000"/>
+                  </a:schemeClr>
+                </a:solidFill>
+              </a:defRPr>
+            </a:lvl3pPr>
+            <a:lvl4pPr marL="1371600" indent="0">
+              <a:buNone/>
+              <a:defRPr sz="1400">
+                <a:solidFill>
+                  <a:schemeClr val="tx1">
+                    <a:tint val="75000"/>
+                  </a:schemeClr>
+                </a:solidFill>
+              </a:defRPr>
+            </a:lvl4pPr>
+            <a:lvl5pPr marL="1828800" indent="0">
+              <a:buNone/>
+              <a:defRPr sz="1400">
+                <a:solidFill>
+                  <a:schemeClr val="tx1">
+                    <a:tint val="75000"/>
+                  </a:schemeClr>
+                </a:solidFill>
+              </a:defRPr>
+            </a:lvl5pPr>
+            <a:lvl6pPr marL="2286000" indent="0">
+              <a:buNone/>
+              <a:defRPr sz="1400">
+                <a:solidFill>
+                  <a:schemeClr val="tx1">
+                    <a:tint val="75000"/>
+                  </a:schemeClr>
+                </a:solidFill>
+              </a:defRPr>
+            </a:lvl6pPr>
+            <a:lvl7pPr marL="2743200" indent="0">
+              <a:buNone/>
+              <a:defRPr sz="1400">
+                <a:solidFill>
+                  <a:schemeClr val="tx1">
+                    <a:tint val="75000"/>
+                  </a:schemeClr>
+                </a:solidFill>
+              </a:defRPr>
+            </a:lvl7pPr>
+            <a:lvl8pPr marL="3200400" indent="0">
+              <a:buNone/>
+              <a:defRPr sz="1400">
+                <a:solidFill>
+                  <a:schemeClr val="tx1">
+                    <a:tint val="75000"/>
+                  </a:schemeClr>
+                </a:solidFill>
+              </a:defRPr>
+            </a:lvl8pPr>
+            <a:lvl9pPr marL="3657600" indent="0">
+              <a:buNone/>
+              <a:defRPr sz="1400">
+                <a:solidFill>
+                  <a:schemeClr val="tx1">
+                    <a:tint val="75000"/>
+                  </a:schemeClr>
+                </a:solidFill>
+              </a:defRPr>
+            </a:lvl9pPr>
+          </a:lstStyle>
+          <a:p>
+            <a:pPr lvl="0"/>
+            <a:r>
+              <a:rPr lang="en-US"/>
+              <a:t>Click to edit Master text styles</a:t>
+            </a:r>
+          </a:p>
+        </p:txBody>
+      </p:sp>
+      <p:sp>
+        <p:nvSpPr>
+          <p:cNvPr id="4" name="Date Placeholder 3"/>
+          <p:cNvSpPr>
+            <a:spLocks noGrp="1"/>
+          </p:cNvSpPr>
+          <p:nvPr>
+            <p:ph type="dt" sz="half" idx="10"/>
+          </p:nvPr>
+        </p:nvSpPr>
+        <p:spPr/>
+        <p:txBody>
+          <a:bodyPr/>
+          <a:lstStyle/>
+          <a:p>
+            <a:fld id="{D7466B5C-ADBE-4102-BACE-B76AE415BBFD}" type="datetimeFigureOut">
+              <a:rPr lang="en-US" smtClean="0"/>
+              <a:t>4/17/2023</a:t>
+            </a:fld>
+            <a:endParaRPr lang="en-US"/>
+          </a:p>
+        </p:txBody>
+      </p:sp>
+      <p:sp>
+        <p:nvSpPr>
+          <p:cNvPr id="5" name="Footer Placeholder 4"/>
+          <p:cNvSpPr>
+            <a:spLocks noGrp="1"/>
+          </p:cNvSpPr>
+          <p:nvPr>
+            <p:ph type="ftr" sz="quarter" idx="11"/>
+          </p:nvPr>
+        </p:nvSpPr>
+        <p:spPr/>
+        <p:txBody>
+          <a:bodyPr/>
+          <a:lstStyle/>
+          <a:p>
+            <a:endParaRPr lang="en-US"/>
+          </a:p>
+        </p:txBody>
+      </p:sp>
+      <p:sp>
+        <p:nvSpPr>
+          <p:cNvPr id="6" name="Slide Number Placeholder 5"/>
+          <p:cNvSpPr>
+            <a:spLocks noGrp="1"/>
+          </p:cNvSpPr>
+          <p:nvPr>
+            <p:ph type="sldNum" sz="quarter" idx="12"/>
+          </p:nvPr>
+        </p:nvSpPr>
+        <p:spPr/>
+        <p:txBody>
+          <a:bodyPr/>
+          <a:lstStyle/>
+          <a:p>
+            <a:fld id="{05C117B5-7E3E-461D-BCAD-3200F591841F}" type="slidenum">
+              <a:rPr lang="en-US" smtClean="0"/>
+              <a:t>‹#›</a:t>
+            </a:fld>
+            <a:endParaRPr lang="en-US"/>
+          </a:p>
+        </p:txBody>
+      </p:sp>
+      <p:sp>
+        <p:nvSpPr>
+          <p:cNvPr id="24" name="TextBox 23"/>
+          <p:cNvSpPr txBox="1"/>
+          <p:nvPr/>
+        </p:nvSpPr>
+        <p:spPr>
+          <a:xfrm>
+            <a:off x="541870" y="790378"/>
+            <a:ext cx="609600" cy="584776"/>
+          </a:xfrm>
+          <a:prstGeom prst="rect">
+            <a:avLst/>
+          </a:prstGeom>
+        </p:spPr>
+        <p:txBody>
+          <a:bodyPr vert="horz" lIns="91440" tIns="45720" rIns="91440" bIns="45720" rtlCol="0" anchor="ctr">
+            <a:noAutofit/>
+          </a:bodyPr>
+          <a:lstStyle/>
+          <a:p>
+            <a:pPr lvl="0"/>
+            <a:r>
+              <a:rPr lang="en-US" sz="8000" baseline="0" dirty="0">
+                <a:ln w="3175" cmpd="sng">
+                  <a:noFill/>
+                </a:ln>
+                <a:solidFill>
+                  <a:schemeClr val="accent1">
+                    <a:lumMod val="60000"/>
+                    <a:lumOff val="40000"/>
+                  </a:schemeClr>
+                </a:solidFill>
+                <a:effectLst/>
+                <a:latin typeface="Arial"/>
+              </a:rPr>
+              <a:t>“</a:t>
+            </a:r>
+          </a:p>
+        </p:txBody>
+      </p:sp>
+      <p:sp>
+        <p:nvSpPr>
+          <p:cNvPr id="25" name="TextBox 24"/>
+          <p:cNvSpPr txBox="1"/>
+          <p:nvPr/>
+        </p:nvSpPr>
+        <p:spPr>
+          <a:xfrm>
+            <a:off x="8893011" y="2886556"/>
+            <a:ext cx="609600" cy="584776"/>
+          </a:xfrm>
+          <a:prstGeom prst="rect">
+            <a:avLst/>
+          </a:prstGeom>
+        </p:spPr>
+        <p:txBody>
+          <a:bodyPr vert="horz" lIns="91440" tIns="45720" rIns="91440" bIns="45720" rtlCol="0" anchor="ctr">
+            <a:noAutofit/>
+          </a:bodyPr>
+          <a:lstStyle/>
+          <a:p>
+            <a:pPr lvl="0"/>
+            <a:r>
+              <a:rPr lang="en-US" sz="8000" baseline="0" dirty="0">
+                <a:ln w="3175" cmpd="sng">
+                  <a:noFill/>
+                </a:ln>
+                <a:solidFill>
+                  <a:schemeClr val="accent1">
+                    <a:lumMod val="60000"/>
+                    <a:lumOff val="40000"/>
+                  </a:schemeClr>
+                </a:solidFill>
+                <a:effectLst/>
+                <a:latin typeface="Arial"/>
+              </a:rPr>
+              <a:t>”</a:t>
+            </a:r>
+          </a:p>
+        </p:txBody>
+      </p:sp>
+    </p:spTree>
+    <p:extLst>
+      <p:ext uri="{BB962C8B-B14F-4D97-AF65-F5344CB8AC3E}">
+        <p14:creationId xmlns:p14="http://schemas.microsoft.com/office/powerpoint/2010/main" val="521903190"/>
+      </p:ext>
+    </p:extLst>
+  </p:cSld>
+  <p:clrMapOvr>
+    <a:masterClrMapping/>
+  </p:clrMapOvr>
+</p:sldLayout>
+</file>
+
+<file path=ppt/slideLayouts/slideLayout14.xml><?xml version="1.0" encoding="utf-8"?>
+<p:sldLayout xmlns:a="http://schemas.openxmlformats.org/drawingml/2006/main" xmlns:r="http://schemas.openxmlformats.org/officeDocument/2006/relationships" xmlns:p="http://schemas.openxmlformats.org/presentationml/2006/main" preserve="1">
+  <p:cSld name="True or False">
+    <p:spTree>
+      <p:nvGrpSpPr>
+        <p:cNvPr id="1" name=""/>
+        <p:cNvGrpSpPr/>
+        <p:nvPr/>
+      </p:nvGrpSpPr>
+      <p:grpSpPr>
+        <a:xfrm>
+          <a:off x="0" y="0"/>
+          <a:ext cx="0" cy="0"/>
+          <a:chOff x="0" y="0"/>
+          <a:chExt cx="0" cy="0"/>
+        </a:xfrm>
+      </p:grpSpPr>
+      <p:sp>
+        <p:nvSpPr>
+          <p:cNvPr id="2" name="Title 1"/>
+          <p:cNvSpPr>
+            <a:spLocks noGrp="1"/>
+          </p:cNvSpPr>
+          <p:nvPr>
+            <p:ph type="title"/>
+          </p:nvPr>
+        </p:nvSpPr>
+        <p:spPr>
+          <a:xfrm>
+            <a:off x="685799" y="609600"/>
+            <a:ext cx="8588203" cy="3022600"/>
+          </a:xfrm>
+        </p:spPr>
+        <p:txBody>
+          <a:bodyPr anchor="ctr">
+            <a:normAutofit/>
+          </a:bodyPr>
+          <a:lstStyle>
+            <a:lvl1pPr algn="l">
+              <a:defRPr sz="4400" b="0" cap="none"/>
+            </a:lvl1pPr>
+          </a:lstStyle>
+          <a:p>
+            <a:r>
+              <a:rPr lang="en-US"/>
+              <a:t>Click to edit Master title style</a:t>
+            </a:r>
+            <a:endParaRPr lang="en-US" dirty="0"/>
+          </a:p>
+        </p:txBody>
+      </p:sp>
+      <p:sp>
+        <p:nvSpPr>
+          <p:cNvPr id="23" name="Text Placeholder 9"/>
+          <p:cNvSpPr>
+            <a:spLocks noGrp="1"/>
+          </p:cNvSpPr>
+          <p:nvPr>
+            <p:ph type="body" sz="quarter" idx="13"/>
+          </p:nvPr>
+        </p:nvSpPr>
+        <p:spPr>
+          <a:xfrm>
+            <a:off x="677332" y="4013200"/>
+            <a:ext cx="8596669" cy="514248"/>
+          </a:xfrm>
+        </p:spPr>
+        <p:txBody>
+          <a:bodyPr anchor="b">
+            <a:noAutofit/>
+          </a:bodyPr>
+          <a:lstStyle>
+            <a:lvl1pPr marL="0" indent="0">
+              <a:buFontTx/>
+              <a:buNone/>
+              <a:defRPr sz="2400">
+                <a:solidFill>
+                  <a:schemeClr val="accent1"/>
+                </a:solidFill>
+              </a:defRPr>
+            </a:lvl1pPr>
+            <a:lvl2pPr marL="457200" indent="0">
+              <a:buFontTx/>
+              <a:buNone/>
+              <a:defRPr/>
+            </a:lvl2pPr>
+            <a:lvl3pPr marL="914400" indent="0">
+              <a:buFontTx/>
+              <a:buNone/>
+              <a:defRPr/>
+            </a:lvl3pPr>
+            <a:lvl4pPr marL="1371600" indent="0">
+              <a:buFontTx/>
+              <a:buNone/>
+              <a:defRPr/>
+            </a:lvl4pPr>
+            <a:lvl5pPr marL="1828800" indent="0">
+              <a:buFontTx/>
+              <a:buNone/>
+              <a:defRPr/>
+            </a:lvl5pPr>
+          </a:lstStyle>
+          <a:p>
+            <a:pPr lvl="0"/>
+            <a:r>
+              <a:rPr lang="en-US"/>
+              <a:t>Click to edit Master text styles</a:t>
+            </a:r>
+          </a:p>
+        </p:txBody>
+      </p:sp>
+      <p:sp>
+        <p:nvSpPr>
+          <p:cNvPr id="3" name="Text Placeholder 2"/>
+          <p:cNvSpPr>
+            <a:spLocks noGrp="1"/>
+          </p:cNvSpPr>
+          <p:nvPr>
+            <p:ph type="body" idx="1"/>
+          </p:nvPr>
+        </p:nvSpPr>
+        <p:spPr>
+          <a:xfrm>
+            <a:off x="677335" y="4527448"/>
+            <a:ext cx="8596668" cy="1513914"/>
+          </a:xfrm>
+        </p:spPr>
+        <p:txBody>
+          <a:bodyPr anchor="t">
+            <a:normAutofit/>
+          </a:bodyPr>
+          <a:lstStyle>
+            <a:lvl1pPr marL="0" indent="0" algn="l">
+              <a:buNone/>
+              <a:defRPr sz="1800">
+                <a:solidFill>
+                  <a:schemeClr val="tx1">
+                    <a:lumMod val="50000"/>
+                    <a:lumOff val="50000"/>
+                  </a:schemeClr>
+                </a:solidFill>
+              </a:defRPr>
+            </a:lvl1pPr>
+            <a:lvl2pPr marL="457200" indent="0">
+              <a:buNone/>
+              <a:defRPr sz="1800">
+                <a:solidFill>
+                  <a:schemeClr val="tx1">
+                    <a:tint val="75000"/>
+                  </a:schemeClr>
+                </a:solidFill>
+              </a:defRPr>
+            </a:lvl2pPr>
+            <a:lvl3pPr marL="914400" indent="0">
+              <a:buNone/>
+              <a:defRPr sz="1600">
+                <a:solidFill>
+                  <a:schemeClr val="tx1">
+                    <a:tint val="75000"/>
+                  </a:schemeClr>
+                </a:solidFill>
+              </a:defRPr>
+            </a:lvl3pPr>
+            <a:lvl4pPr marL="1371600" indent="0">
+              <a:buNone/>
+              <a:defRPr sz="1400">
+                <a:solidFill>
+                  <a:schemeClr val="tx1">
+                    <a:tint val="75000"/>
+                  </a:schemeClr>
+                </a:solidFill>
+              </a:defRPr>
+            </a:lvl4pPr>
+            <a:lvl5pPr marL="1828800" indent="0">
+              <a:buNone/>
+              <a:defRPr sz="1400">
+                <a:solidFill>
+                  <a:schemeClr val="tx1">
+                    <a:tint val="75000"/>
+                  </a:schemeClr>
+                </a:solidFill>
+              </a:defRPr>
+            </a:lvl5pPr>
+            <a:lvl6pPr marL="2286000" indent="0">
+              <a:buNone/>
+              <a:defRPr sz="1400">
+                <a:solidFill>
+                  <a:schemeClr val="tx1">
+                    <a:tint val="75000"/>
+                  </a:schemeClr>
+                </a:solidFill>
+              </a:defRPr>
+            </a:lvl6pPr>
+            <a:lvl7pPr marL="2743200" indent="0">
+              <a:buNone/>
+              <a:defRPr sz="1400">
+                <a:solidFill>
+                  <a:schemeClr val="tx1">
+                    <a:tint val="75000"/>
+                  </a:schemeClr>
+                </a:solidFill>
+              </a:defRPr>
+            </a:lvl7pPr>
+            <a:lvl8pPr marL="3200400" indent="0">
+              <a:buNone/>
+              <a:defRPr sz="1400">
+                <a:solidFill>
+                  <a:schemeClr val="tx1">
+                    <a:tint val="75000"/>
+                  </a:schemeClr>
+                </a:solidFill>
+              </a:defRPr>
+            </a:lvl8pPr>
+            <a:lvl9pPr marL="3657600" indent="0">
+              <a:buNone/>
+              <a:defRPr sz="1400">
+                <a:solidFill>
+                  <a:schemeClr val="tx1">
+                    <a:tint val="75000"/>
+                  </a:schemeClr>
+                </a:solidFill>
+              </a:defRPr>
+            </a:lvl9pPr>
+          </a:lstStyle>
+          <a:p>
+            <a:pPr lvl="0"/>
+            <a:r>
+              <a:rPr lang="en-US"/>
+              <a:t>Click to edit Master text styles</a:t>
+            </a:r>
+          </a:p>
+        </p:txBody>
+      </p:sp>
+      <p:sp>
+        <p:nvSpPr>
+          <p:cNvPr id="4" name="Date Placeholder 3"/>
+          <p:cNvSpPr>
+            <a:spLocks noGrp="1"/>
+          </p:cNvSpPr>
+          <p:nvPr>
+            <p:ph type="dt" sz="half" idx="10"/>
+          </p:nvPr>
+        </p:nvSpPr>
+        <p:spPr/>
+        <p:txBody>
+          <a:bodyPr/>
+          <a:lstStyle/>
+          <a:p>
+            <a:fld id="{D7466B5C-ADBE-4102-BACE-B76AE415BBFD}" type="datetimeFigureOut">
+              <a:rPr lang="en-US" smtClean="0"/>
+              <a:t>4/17/2023</a:t>
+            </a:fld>
+            <a:endParaRPr lang="en-US"/>
+          </a:p>
+        </p:txBody>
+      </p:sp>
+      <p:sp>
+        <p:nvSpPr>
+          <p:cNvPr id="5" name="Footer Placeholder 4"/>
+          <p:cNvSpPr>
+            <a:spLocks noGrp="1"/>
+          </p:cNvSpPr>
+          <p:nvPr>
+            <p:ph type="ftr" sz="quarter" idx="11"/>
+          </p:nvPr>
+        </p:nvSpPr>
+        <p:spPr/>
+        <p:txBody>
+          <a:bodyPr/>
+          <a:lstStyle/>
+          <a:p>
+            <a:endParaRPr lang="en-US"/>
+          </a:p>
+        </p:txBody>
+      </p:sp>
+      <p:sp>
+        <p:nvSpPr>
+          <p:cNvPr id="6" name="Slide Number Placeholder 5"/>
+          <p:cNvSpPr>
+            <a:spLocks noGrp="1"/>
+          </p:cNvSpPr>
+          <p:nvPr>
+            <p:ph type="sldNum" sz="quarter" idx="12"/>
+          </p:nvPr>
+        </p:nvSpPr>
+        <p:spPr/>
+        <p:txBody>
+          <a:bodyPr/>
+          <a:lstStyle/>
+          <a:p>
+            <a:fld id="{05C117B5-7E3E-461D-BCAD-3200F591841F}" type="slidenum">
+              <a:rPr lang="en-US" smtClean="0"/>
+              <a:t>‹#›</a:t>
+            </a:fld>
+            <a:endParaRPr lang="en-US"/>
+          </a:p>
+        </p:txBody>
+      </p:sp>
+    </p:spTree>
+    <p:extLst>
+      <p:ext uri="{BB962C8B-B14F-4D97-AF65-F5344CB8AC3E}">
+        <p14:creationId xmlns:p14="http://schemas.microsoft.com/office/powerpoint/2010/main" val="2829597089"/>
+      </p:ext>
+    </p:extLst>
+  </p:cSld>
+  <p:clrMapOvr>
+    <a:masterClrMapping/>
+  </p:clrMapOvr>
+</p:sldLayout>
+</file>
+
+<file path=ppt/slideLayouts/slideLayout15.xml><?xml version="1.0" encoding="utf-8"?>
 <p:sldLayout xmlns:a="http://schemas.openxmlformats.org/drawingml/2006/main" xmlns:r="http://schemas.openxmlformats.org/officeDocument/2006/relationships" xmlns:p="http://schemas.openxmlformats.org/presentationml/2006/main" type="vertTx" preserve="1">
   <p:cSld name="Title and Vertical Text">
     <p:spTree>
@@ -347,13 +2536,7 @@
       </p:grpSpPr>
       <p:sp>
         <p:nvSpPr>
-          <p:cNvPr id="2" name="Title 1">
-            <a:extLst>
-              <a:ext uri="{FF2B5EF4-FFF2-40B4-BE49-F238E27FC236}">
-                <a16:creationId xmlns:a16="http://schemas.microsoft.com/office/drawing/2014/main" id="{B5666C6D-EC6B-A197-BB57-DEAC09DB906F}"/>
-              </a:ext>
-            </a:extLst>
-          </p:cNvPr>
+          <p:cNvPr id="2" name="Title 1"/>
           <p:cNvSpPr>
             <a:spLocks noGrp="1"/>
           </p:cNvSpPr>
@@ -370,18 +2553,13 @@
               <a:rPr lang="en-US"/>
               <a:t>Click to edit Master title style</a:t>
             </a:r>
-          </a:p>
-        </p:txBody>
-      </p:sp>
-      <p:sp>
-        <p:nvSpPr>
-          <p:cNvPr id="3" name="Vertical Text Placeholder 2">
-            <a:extLst>
-              <a:ext uri="{FF2B5EF4-FFF2-40B4-BE49-F238E27FC236}">
-                <a16:creationId xmlns:a16="http://schemas.microsoft.com/office/drawing/2014/main" id="{D7E5A94F-5CC8-331B-6C8D-C9FF931DC53C}"/>
-              </a:ext>
-            </a:extLst>
-          </p:cNvPr>
+            <a:endParaRPr lang="en-US" dirty="0"/>
+          </a:p>
+        </p:txBody>
+      </p:sp>
+      <p:sp>
+        <p:nvSpPr>
+          <p:cNvPr id="3" name="Vertical Text Placeholder 2"/>
           <p:cNvSpPr>
             <a:spLocks noGrp="1"/>
           </p:cNvSpPr>
@@ -427,18 +2605,13 @@
               <a:rPr lang="en-US"/>
               <a:t>Fifth level</a:t>
             </a:r>
-          </a:p>
-        </p:txBody>
-      </p:sp>
-      <p:sp>
-        <p:nvSpPr>
-          <p:cNvPr id="4" name="Date Placeholder 3">
-            <a:extLst>
-              <a:ext uri="{FF2B5EF4-FFF2-40B4-BE49-F238E27FC236}">
-                <a16:creationId xmlns:a16="http://schemas.microsoft.com/office/drawing/2014/main" id="{55F9EE81-17F4-F6B0-5323-FC8DCAF3593B}"/>
-              </a:ext>
-            </a:extLst>
-          </p:cNvPr>
+            <a:endParaRPr lang="en-US" dirty="0"/>
+          </a:p>
+        </p:txBody>
+      </p:sp>
+      <p:sp>
+        <p:nvSpPr>
+          <p:cNvPr id="4" name="Date Placeholder 3"/>
           <p:cNvSpPr>
             <a:spLocks noGrp="1"/>
           </p:cNvSpPr>
@@ -453,7 +2626,7 @@
           <a:p>
             <a:fld id="{D7466B5C-ADBE-4102-BACE-B76AE415BBFD}" type="datetimeFigureOut">
               <a:rPr lang="en-US" smtClean="0"/>
-              <a:t>4/11/2023</a:t>
+              <a:t>4/17/2023</a:t>
             </a:fld>
             <a:endParaRPr lang="en-US"/>
           </a:p>
@@ -461,13 +2634,7 @@
       </p:sp>
       <p:sp>
         <p:nvSpPr>
-          <p:cNvPr id="5" name="Footer Placeholder 4">
-            <a:extLst>
-              <a:ext uri="{FF2B5EF4-FFF2-40B4-BE49-F238E27FC236}">
-                <a16:creationId xmlns:a16="http://schemas.microsoft.com/office/drawing/2014/main" id="{E29FBE5D-A3B5-17CB-F17E-44D3E0DC8A73}"/>
-              </a:ext>
-            </a:extLst>
-          </p:cNvPr>
+          <p:cNvPr id="5" name="Footer Placeholder 4"/>
           <p:cNvSpPr>
             <a:spLocks noGrp="1"/>
           </p:cNvSpPr>
@@ -486,13 +2653,7 @@
       </p:sp>
       <p:sp>
         <p:nvSpPr>
-          <p:cNvPr id="6" name="Slide Number Placeholder 5">
-            <a:extLst>
-              <a:ext uri="{FF2B5EF4-FFF2-40B4-BE49-F238E27FC236}">
-                <a16:creationId xmlns:a16="http://schemas.microsoft.com/office/drawing/2014/main" id="{3012F4FE-AD62-9634-871A-59ACA0A9BA41}"/>
-              </a:ext>
-            </a:extLst>
-          </p:cNvPr>
+          <p:cNvPr id="6" name="Slide Number Placeholder 5"/>
           <p:cNvSpPr>
             <a:spLocks noGrp="1"/>
           </p:cNvSpPr>
@@ -516,7 +2677,7 @@
     </p:spTree>
     <p:extLst>
       <p:ext uri="{BB962C8B-B14F-4D97-AF65-F5344CB8AC3E}">
-        <p14:creationId xmlns:p14="http://schemas.microsoft.com/office/powerpoint/2010/main" val="1181126459"/>
+        <p14:creationId xmlns:p14="http://schemas.microsoft.com/office/powerpoint/2010/main" val="2573262083"/>
       </p:ext>
     </p:extLst>
   </p:cSld>
@@ -526,7 +2687,7 @@
 </p:sldLayout>
 </file>
 
-<file path=ppt/slideLayouts/slideLayout11.xml><?xml version="1.0" encoding="utf-8"?>
+<file path=ppt/slideLayouts/slideLayout16.xml><?xml version="1.0" encoding="utf-8"?>
 <p:sldLayout xmlns:a="http://schemas.openxmlformats.org/drawingml/2006/main" xmlns:r="http://schemas.openxmlformats.org/officeDocument/2006/relationships" xmlns:p="http://schemas.openxmlformats.org/presentationml/2006/main" type="vertTitleAndTx" preserve="1">
   <p:cSld name="Vertical Title and Text">
     <p:spTree>
@@ -545,13 +2706,7 @@
       </p:grpSpPr>
       <p:sp>
         <p:nvSpPr>
-          <p:cNvPr id="2" name="Vertical Title 1">
-            <a:extLst>
-              <a:ext uri="{FF2B5EF4-FFF2-40B4-BE49-F238E27FC236}">
-                <a16:creationId xmlns:a16="http://schemas.microsoft.com/office/drawing/2014/main" id="{ED337D4E-39D0-E14C-56B5-986F8E3CC66C}"/>
-              </a:ext>
-            </a:extLst>
-          </p:cNvPr>
+          <p:cNvPr id="2" name="Vertical Title 1"/>
           <p:cNvSpPr>
             <a:spLocks noGrp="1"/>
           </p:cNvSpPr>
@@ -561,30 +2716,25 @@
         </p:nvSpPr>
         <p:spPr>
           <a:xfrm>
-            <a:off x="8724900" y="365125"/>
-            <a:ext cx="2628900" cy="5811838"/>
+            <a:off x="7967673" y="609599"/>
+            <a:ext cx="1304743" cy="5251451"/>
           </a:xfrm>
         </p:spPr>
         <p:txBody>
-          <a:bodyPr vert="eaVert"/>
+          <a:bodyPr vert="eaVert" anchor="ctr"/>
           <a:lstStyle/>
           <a:p>
             <a:r>
               <a:rPr lang="en-US"/>
               <a:t>Click to edit Master title style</a:t>
             </a:r>
-          </a:p>
-        </p:txBody>
-      </p:sp>
-      <p:sp>
-        <p:nvSpPr>
-          <p:cNvPr id="3" name="Vertical Text Placeholder 2">
-            <a:extLst>
-              <a:ext uri="{FF2B5EF4-FFF2-40B4-BE49-F238E27FC236}">
-                <a16:creationId xmlns:a16="http://schemas.microsoft.com/office/drawing/2014/main" id="{567AEB17-0096-60F7-5AF0-D07C908C2980}"/>
-              </a:ext>
-            </a:extLst>
-          </p:cNvPr>
+            <a:endParaRPr lang="en-US" dirty="0"/>
+          </a:p>
+        </p:txBody>
+      </p:sp>
+      <p:sp>
+        <p:nvSpPr>
+          <p:cNvPr id="3" name="Vertical Text Placeholder 2"/>
           <p:cNvSpPr>
             <a:spLocks noGrp="1"/>
           </p:cNvSpPr>
@@ -594,8 +2744,8 @@
         </p:nvSpPr>
         <p:spPr>
           <a:xfrm>
-            <a:off x="838200" y="365125"/>
-            <a:ext cx="7734300" cy="5811838"/>
+            <a:off x="677335" y="609600"/>
+            <a:ext cx="7060150" cy="5251450"/>
           </a:xfrm>
         </p:spPr>
         <p:txBody>
@@ -635,18 +2785,13 @@
               <a:rPr lang="en-US"/>
               <a:t>Fifth level</a:t>
             </a:r>
-          </a:p>
-        </p:txBody>
-      </p:sp>
-      <p:sp>
-        <p:nvSpPr>
-          <p:cNvPr id="4" name="Date Placeholder 3">
-            <a:extLst>
-              <a:ext uri="{FF2B5EF4-FFF2-40B4-BE49-F238E27FC236}">
-                <a16:creationId xmlns:a16="http://schemas.microsoft.com/office/drawing/2014/main" id="{172CCE17-0554-54A5-6D98-123B6D610E95}"/>
-              </a:ext>
-            </a:extLst>
-          </p:cNvPr>
+            <a:endParaRPr lang="en-US" dirty="0"/>
+          </a:p>
+        </p:txBody>
+      </p:sp>
+      <p:sp>
+        <p:nvSpPr>
+          <p:cNvPr id="4" name="Date Placeholder 3"/>
           <p:cNvSpPr>
             <a:spLocks noGrp="1"/>
           </p:cNvSpPr>
@@ -661,7 +2806,7 @@
           <a:p>
             <a:fld id="{D7466B5C-ADBE-4102-BACE-B76AE415BBFD}" type="datetimeFigureOut">
               <a:rPr lang="en-US" smtClean="0"/>
-              <a:t>4/11/2023</a:t>
+              <a:t>4/17/2023</a:t>
             </a:fld>
             <a:endParaRPr lang="en-US"/>
           </a:p>
@@ -669,13 +2814,7 @@
       </p:sp>
       <p:sp>
         <p:nvSpPr>
-          <p:cNvPr id="5" name="Footer Placeholder 4">
-            <a:extLst>
-              <a:ext uri="{FF2B5EF4-FFF2-40B4-BE49-F238E27FC236}">
-                <a16:creationId xmlns:a16="http://schemas.microsoft.com/office/drawing/2014/main" id="{F56B15EC-EE19-674F-6F9B-3A9304C6E122}"/>
-              </a:ext>
-            </a:extLst>
-          </p:cNvPr>
+          <p:cNvPr id="5" name="Footer Placeholder 4"/>
           <p:cNvSpPr>
             <a:spLocks noGrp="1"/>
           </p:cNvSpPr>
@@ -694,13 +2833,7 @@
       </p:sp>
       <p:sp>
         <p:nvSpPr>
-          <p:cNvPr id="6" name="Slide Number Placeholder 5">
-            <a:extLst>
-              <a:ext uri="{FF2B5EF4-FFF2-40B4-BE49-F238E27FC236}">
-                <a16:creationId xmlns:a16="http://schemas.microsoft.com/office/drawing/2014/main" id="{1EA9A754-05A8-2284-520D-47B79BD535D4}"/>
-              </a:ext>
-            </a:extLst>
-          </p:cNvPr>
+          <p:cNvPr id="6" name="Slide Number Placeholder 5"/>
           <p:cNvSpPr>
             <a:spLocks noGrp="1"/>
           </p:cNvSpPr>
@@ -724,7 +2857,7 @@
     </p:spTree>
     <p:extLst>
       <p:ext uri="{BB962C8B-B14F-4D97-AF65-F5344CB8AC3E}">
-        <p14:creationId xmlns:p14="http://schemas.microsoft.com/office/powerpoint/2010/main" val="1700691351"/>
+        <p14:creationId xmlns:p14="http://schemas.microsoft.com/office/powerpoint/2010/main" val="1704561279"/>
       </p:ext>
     </p:extLst>
   </p:cSld>
@@ -753,13 +2886,7 @@
       </p:grpSpPr>
       <p:sp>
         <p:nvSpPr>
-          <p:cNvPr id="2" name="Title 1">
-            <a:extLst>
-              <a:ext uri="{FF2B5EF4-FFF2-40B4-BE49-F238E27FC236}">
-                <a16:creationId xmlns:a16="http://schemas.microsoft.com/office/drawing/2014/main" id="{32F01BA4-4707-6423-83A7-5AC75DE11EA3}"/>
-              </a:ext>
-            </a:extLst>
-          </p:cNvPr>
+          <p:cNvPr id="2" name="Title 1"/>
           <p:cNvSpPr>
             <a:spLocks noGrp="1"/>
           </p:cNvSpPr>
@@ -769,25 +2896,26 @@
         </p:nvSpPr>
         <p:spPr/>
         <p:txBody>
-          <a:bodyPr/>
-          <a:lstStyle/>
+          <a:bodyPr>
+            <a:normAutofit/>
+          </a:bodyPr>
+          <a:lstStyle>
+            <a:lvl1pPr>
+              <a:defRPr sz="3600"/>
+            </a:lvl1pPr>
+          </a:lstStyle>
           <a:p>
             <a:r>
               <a:rPr lang="en-US"/>
               <a:t>Click to edit Master title style</a:t>
             </a:r>
-          </a:p>
-        </p:txBody>
-      </p:sp>
-      <p:sp>
-        <p:nvSpPr>
-          <p:cNvPr id="3" name="Content Placeholder 2">
-            <a:extLst>
-              <a:ext uri="{FF2B5EF4-FFF2-40B4-BE49-F238E27FC236}">
-                <a16:creationId xmlns:a16="http://schemas.microsoft.com/office/drawing/2014/main" id="{DD290B49-4E7A-7FF2-E834-81D2FD53B35B}"/>
-              </a:ext>
-            </a:extLst>
-          </p:cNvPr>
+            <a:endParaRPr lang="en-US" dirty="0"/>
+          </a:p>
+        </p:txBody>
+      </p:sp>
+      <p:sp>
+        <p:nvSpPr>
+          <p:cNvPr id="3" name="Content Placeholder 2"/>
           <p:cNvSpPr>
             <a:spLocks noGrp="1"/>
           </p:cNvSpPr>
@@ -833,18 +2961,13 @@
               <a:rPr lang="en-US"/>
               <a:t>Fifth level</a:t>
             </a:r>
-          </a:p>
-        </p:txBody>
-      </p:sp>
-      <p:sp>
-        <p:nvSpPr>
-          <p:cNvPr id="4" name="Date Placeholder 3">
-            <a:extLst>
-              <a:ext uri="{FF2B5EF4-FFF2-40B4-BE49-F238E27FC236}">
-                <a16:creationId xmlns:a16="http://schemas.microsoft.com/office/drawing/2014/main" id="{EB3F108C-14FC-23B7-4C32-58238AA0B459}"/>
-              </a:ext>
-            </a:extLst>
-          </p:cNvPr>
+            <a:endParaRPr lang="en-US" dirty="0"/>
+          </a:p>
+        </p:txBody>
+      </p:sp>
+      <p:sp>
+        <p:nvSpPr>
+          <p:cNvPr id="4" name="Date Placeholder 3"/>
           <p:cNvSpPr>
             <a:spLocks noGrp="1"/>
           </p:cNvSpPr>
@@ -859,7 +2982,7 @@
           <a:p>
             <a:fld id="{D7466B5C-ADBE-4102-BACE-B76AE415BBFD}" type="datetimeFigureOut">
               <a:rPr lang="en-US" smtClean="0"/>
-              <a:t>4/11/2023</a:t>
+              <a:t>4/17/2023</a:t>
             </a:fld>
             <a:endParaRPr lang="en-US"/>
           </a:p>
@@ -867,13 +2990,7 @@
       </p:sp>
       <p:sp>
         <p:nvSpPr>
-          <p:cNvPr id="5" name="Footer Placeholder 4">
-            <a:extLst>
-              <a:ext uri="{FF2B5EF4-FFF2-40B4-BE49-F238E27FC236}">
-                <a16:creationId xmlns:a16="http://schemas.microsoft.com/office/drawing/2014/main" id="{953699A3-B3DD-65B7-F428-05E71AAB4FF1}"/>
-              </a:ext>
-            </a:extLst>
-          </p:cNvPr>
+          <p:cNvPr id="5" name="Footer Placeholder 4"/>
           <p:cNvSpPr>
             <a:spLocks noGrp="1"/>
           </p:cNvSpPr>
@@ -892,13 +3009,7 @@
       </p:sp>
       <p:sp>
         <p:nvSpPr>
-          <p:cNvPr id="6" name="Slide Number Placeholder 5">
-            <a:extLst>
-              <a:ext uri="{FF2B5EF4-FFF2-40B4-BE49-F238E27FC236}">
-                <a16:creationId xmlns:a16="http://schemas.microsoft.com/office/drawing/2014/main" id="{37EF23E0-0E72-803D-BD66-0085821BABD2}"/>
-              </a:ext>
-            </a:extLst>
-          </p:cNvPr>
+          <p:cNvPr id="6" name="Slide Number Placeholder 5"/>
           <p:cNvSpPr>
             <a:spLocks noGrp="1"/>
           </p:cNvSpPr>
@@ -922,7 +3033,7 @@
     </p:spTree>
     <p:extLst>
       <p:ext uri="{BB962C8B-B14F-4D97-AF65-F5344CB8AC3E}">
-        <p14:creationId xmlns:p14="http://schemas.microsoft.com/office/powerpoint/2010/main" val="1937306599"/>
+        <p14:creationId xmlns:p14="http://schemas.microsoft.com/office/powerpoint/2010/main" val="1612214572"/>
       </p:ext>
     </p:extLst>
   </p:cSld>
@@ -951,13 +3062,7 @@
       </p:grpSpPr>
       <p:sp>
         <p:nvSpPr>
-          <p:cNvPr id="2" name="Title 1">
-            <a:extLst>
-              <a:ext uri="{FF2B5EF4-FFF2-40B4-BE49-F238E27FC236}">
-                <a16:creationId xmlns:a16="http://schemas.microsoft.com/office/drawing/2014/main" id="{3E9BDA81-BF87-3169-BFA4-08B72954F53E}"/>
-              </a:ext>
-            </a:extLst>
-          </p:cNvPr>
+          <p:cNvPr id="2" name="Title 1"/>
           <p:cNvSpPr>
             <a:spLocks noGrp="1"/>
           </p:cNvSpPr>
@@ -967,15 +3072,15 @@
         </p:nvSpPr>
         <p:spPr>
           <a:xfrm>
-            <a:off x="831850" y="1709738"/>
-            <a:ext cx="10515600" cy="2852737"/>
+            <a:off x="677335" y="2700867"/>
+            <a:ext cx="8596668" cy="1826581"/>
           </a:xfrm>
         </p:spPr>
         <p:txBody>
           <a:bodyPr anchor="b"/>
           <a:lstStyle>
-            <a:lvl1pPr>
-              <a:defRPr sz="6000"/>
+            <a:lvl1pPr algn="l">
+              <a:defRPr sz="4000" b="0" cap="none"/>
             </a:lvl1pPr>
           </a:lstStyle>
           <a:p>
@@ -983,18 +3088,13 @@
               <a:rPr lang="en-US"/>
               <a:t>Click to edit Master title style</a:t>
             </a:r>
-          </a:p>
-        </p:txBody>
-      </p:sp>
-      <p:sp>
-        <p:nvSpPr>
-          <p:cNvPr id="3" name="Text Placeholder 2">
-            <a:extLst>
-              <a:ext uri="{FF2B5EF4-FFF2-40B4-BE49-F238E27FC236}">
-                <a16:creationId xmlns:a16="http://schemas.microsoft.com/office/drawing/2014/main" id="{0A0AB9EE-3BC2-518F-989D-7E165F6B61E1}"/>
-              </a:ext>
-            </a:extLst>
-          </p:cNvPr>
+            <a:endParaRPr lang="en-US" dirty="0"/>
+          </a:p>
+        </p:txBody>
+      </p:sp>
+      <p:sp>
+        <p:nvSpPr>
+          <p:cNvPr id="3" name="Text Placeholder 2"/>
           <p:cNvSpPr>
             <a:spLocks noGrp="1"/>
           </p:cNvSpPr>
@@ -1004,102 +3104,103 @@
         </p:nvSpPr>
         <p:spPr>
           <a:xfrm>
-            <a:off x="831850" y="4589463"/>
-            <a:ext cx="10515600" cy="1500187"/>
+            <a:off x="677335" y="4527448"/>
+            <a:ext cx="8596668" cy="860400"/>
           </a:xfrm>
         </p:spPr>
         <p:txBody>
-          <a:bodyPr/>
+          <a:bodyPr anchor="t"/>
           <a:lstStyle>
-            <a:lvl1pPr marL="0" indent="0">
-              <a:buNone/>
-              <a:defRPr sz="2400">
+            <a:lvl1pPr marL="0" indent="0" algn="l">
+              <a:buNone/>
+              <a:defRPr sz="2000">
+                <a:solidFill>
+                  <a:schemeClr val="tx1">
+                    <a:lumMod val="50000"/>
+                    <a:lumOff val="50000"/>
+                  </a:schemeClr>
+                </a:solidFill>
+              </a:defRPr>
+            </a:lvl1pPr>
+            <a:lvl2pPr marL="457200" indent="0">
+              <a:buNone/>
+              <a:defRPr sz="1800">
                 <a:solidFill>
                   <a:schemeClr val="tx1">
                     <a:tint val="75000"/>
                   </a:schemeClr>
                 </a:solidFill>
               </a:defRPr>
-            </a:lvl1pPr>
-            <a:lvl2pPr marL="457200" indent="0">
-              <a:buNone/>
-              <a:defRPr sz="2000">
+            </a:lvl2pPr>
+            <a:lvl3pPr marL="914400" indent="0">
+              <a:buNone/>
+              <a:defRPr sz="1600">
                 <a:solidFill>
                   <a:schemeClr val="tx1">
                     <a:tint val="75000"/>
                   </a:schemeClr>
                 </a:solidFill>
               </a:defRPr>
-            </a:lvl2pPr>
-            <a:lvl3pPr marL="914400" indent="0">
-              <a:buNone/>
-              <a:defRPr sz="1800">
+            </a:lvl3pPr>
+            <a:lvl4pPr marL="1371600" indent="0">
+              <a:buNone/>
+              <a:defRPr sz="1400">
                 <a:solidFill>
                   <a:schemeClr val="tx1">
                     <a:tint val="75000"/>
                   </a:schemeClr>
                 </a:solidFill>
               </a:defRPr>
-            </a:lvl3pPr>
-            <a:lvl4pPr marL="1371600" indent="0">
-              <a:buNone/>
-              <a:defRPr sz="1600">
+            </a:lvl4pPr>
+            <a:lvl5pPr marL="1828800" indent="0">
+              <a:buNone/>
+              <a:defRPr sz="1400">
                 <a:solidFill>
                   <a:schemeClr val="tx1">
                     <a:tint val="75000"/>
                   </a:schemeClr>
                 </a:solidFill>
               </a:defRPr>
-            </a:lvl4pPr>
-            <a:lvl5pPr marL="1828800" indent="0">
-              <a:buNone/>
-              <a:defRPr sz="1600">
+            </a:lvl5pPr>
+            <a:lvl6pPr marL="2286000" indent="0">
+              <a:buNone/>
+              <a:defRPr sz="1400">
                 <a:solidFill>
                   <a:schemeClr val="tx1">
                     <a:tint val="75000"/>
                   </a:schemeClr>
                 </a:solidFill>
               </a:defRPr>
-            </a:lvl5pPr>
-            <a:lvl6pPr marL="2286000" indent="0">
-              <a:buNone/>
-              <a:defRPr sz="1600">
+            </a:lvl6pPr>
+            <a:lvl7pPr marL="2743200" indent="0">
+              <a:buNone/>
+              <a:defRPr sz="1400">
                 <a:solidFill>
                   <a:schemeClr val="tx1">
                     <a:tint val="75000"/>
                   </a:schemeClr>
                 </a:solidFill>
               </a:defRPr>
-            </a:lvl6pPr>
-            <a:lvl7pPr marL="2743200" indent="0">
-              <a:buNone/>
-              <a:defRPr sz="1600">
+            </a:lvl7pPr>
+            <a:lvl8pPr marL="3200400" indent="0">
+              <a:buNone/>
+              <a:defRPr sz="1400">
                 <a:solidFill>
                   <a:schemeClr val="tx1">
                     <a:tint val="75000"/>
                   </a:schemeClr>
                 </a:solidFill>
               </a:defRPr>
-            </a:lvl7pPr>
-            <a:lvl8pPr marL="3200400" indent="0">
-              <a:buNone/>
-              <a:defRPr sz="1600">
+            </a:lvl8pPr>
+            <a:lvl9pPr marL="3657600" indent="0">
+              <a:buNone/>
+              <a:defRPr sz="1400">
                 <a:solidFill>
                   <a:schemeClr val="tx1">
                     <a:tint val="75000"/>
                   </a:schemeClr>
                 </a:solidFill>
               </a:defRPr>
-            </a:lvl8pPr>
-            <a:lvl9pPr marL="3657600" indent="0">
-              <a:buNone/>
-              <a:defRPr sz="1600">
-                <a:solidFill>
-                  <a:schemeClr val="tx1">
-                    <a:tint val="75000"/>
-                  </a:schemeClr>
-                </a:solidFill>
-              </a:defRPr>
             </a:lvl9pPr>
           </a:lstStyle>
           <a:p>
@@ -1113,13 +3214,7 @@
       </p:sp>
       <p:sp>
         <p:nvSpPr>
-          <p:cNvPr id="4" name="Date Placeholder 3">
-            <a:extLst>
-              <a:ext uri="{FF2B5EF4-FFF2-40B4-BE49-F238E27FC236}">
-                <a16:creationId xmlns:a16="http://schemas.microsoft.com/office/drawing/2014/main" id="{797F5255-4814-8CEE-97E7-F7F7B214B7C5}"/>
-              </a:ext>
-            </a:extLst>
-          </p:cNvPr>
+          <p:cNvPr id="4" name="Date Placeholder 3"/>
           <p:cNvSpPr>
             <a:spLocks noGrp="1"/>
           </p:cNvSpPr>
@@ -1134,7 +3229,7 @@
           <a:p>
             <a:fld id="{D7466B5C-ADBE-4102-BACE-B76AE415BBFD}" type="datetimeFigureOut">
               <a:rPr lang="en-US" smtClean="0"/>
-              <a:t>4/11/2023</a:t>
+              <a:t>4/17/2023</a:t>
             </a:fld>
             <a:endParaRPr lang="en-US"/>
           </a:p>
@@ -1142,13 +3237,7 @@
       </p:sp>
       <p:sp>
         <p:nvSpPr>
-          <p:cNvPr id="5" name="Footer Placeholder 4">
-            <a:extLst>
-              <a:ext uri="{FF2B5EF4-FFF2-40B4-BE49-F238E27FC236}">
-                <a16:creationId xmlns:a16="http://schemas.microsoft.com/office/drawing/2014/main" id="{2E5A750F-AFC6-7C43-1541-B027DF9A8FF2}"/>
-              </a:ext>
-            </a:extLst>
-          </p:cNvPr>
+          <p:cNvPr id="5" name="Footer Placeholder 4"/>
           <p:cNvSpPr>
             <a:spLocks noGrp="1"/>
           </p:cNvSpPr>
@@ -1167,13 +3256,7 @@
       </p:sp>
       <p:sp>
         <p:nvSpPr>
-          <p:cNvPr id="6" name="Slide Number Placeholder 5">
-            <a:extLst>
-              <a:ext uri="{FF2B5EF4-FFF2-40B4-BE49-F238E27FC236}">
-                <a16:creationId xmlns:a16="http://schemas.microsoft.com/office/drawing/2014/main" id="{9277D426-C85E-9889-96E6-0B5C22AE1776}"/>
-              </a:ext>
-            </a:extLst>
-          </p:cNvPr>
+          <p:cNvPr id="6" name="Slide Number Placeholder 5"/>
           <p:cNvSpPr>
             <a:spLocks noGrp="1"/>
           </p:cNvSpPr>
@@ -1197,7 +3280,7 @@
     </p:spTree>
     <p:extLst>
       <p:ext uri="{BB962C8B-B14F-4D97-AF65-F5344CB8AC3E}">
-        <p14:creationId xmlns:p14="http://schemas.microsoft.com/office/powerpoint/2010/main" val="1472432561"/>
+        <p14:creationId xmlns:p14="http://schemas.microsoft.com/office/powerpoint/2010/main" val="512931986"/>
       </p:ext>
     </p:extLst>
   </p:cSld>
@@ -1226,13 +3309,7 @@
       </p:grpSpPr>
       <p:sp>
         <p:nvSpPr>
-          <p:cNvPr id="2" name="Title 1">
-            <a:extLst>
-              <a:ext uri="{FF2B5EF4-FFF2-40B4-BE49-F238E27FC236}">
-                <a16:creationId xmlns:a16="http://schemas.microsoft.com/office/drawing/2014/main" id="{F8AB52E6-A09E-EDF0-6C3A-E88D3F4EFACB}"/>
-              </a:ext>
-            </a:extLst>
-          </p:cNvPr>
+          <p:cNvPr id="2" name="Title 1"/>
           <p:cNvSpPr>
             <a:spLocks noGrp="1"/>
           </p:cNvSpPr>
@@ -1249,18 +3326,13 @@
               <a:rPr lang="en-US"/>
               <a:t>Click to edit Master title style</a:t>
             </a:r>
-          </a:p>
-        </p:txBody>
-      </p:sp>
-      <p:sp>
-        <p:nvSpPr>
-          <p:cNvPr id="3" name="Content Placeholder 2">
-            <a:extLst>
-              <a:ext uri="{FF2B5EF4-FFF2-40B4-BE49-F238E27FC236}">
-                <a16:creationId xmlns:a16="http://schemas.microsoft.com/office/drawing/2014/main" id="{580C2214-22C0-7960-B950-39168F28E6B9}"/>
-              </a:ext>
-            </a:extLst>
-          </p:cNvPr>
+            <a:endParaRPr lang="en-US" dirty="0"/>
+          </a:p>
+        </p:txBody>
+      </p:sp>
+      <p:sp>
+        <p:nvSpPr>
+          <p:cNvPr id="3" name="Content Placeholder 2"/>
           <p:cNvSpPr>
             <a:spLocks noGrp="1"/>
           </p:cNvSpPr>
@@ -1270,8 +3342,8 @@
         </p:nvSpPr>
         <p:spPr>
           <a:xfrm>
-            <a:off x="838200" y="1825625"/>
-            <a:ext cx="5181600" cy="4351338"/>
+            <a:off x="677334" y="2160589"/>
+            <a:ext cx="4184035" cy="3880772"/>
           </a:xfrm>
         </p:spPr>
         <p:txBody>
@@ -1311,18 +3383,13 @@
               <a:rPr lang="en-US"/>
               <a:t>Fifth level</a:t>
             </a:r>
-          </a:p>
-        </p:txBody>
-      </p:sp>
-      <p:sp>
-        <p:nvSpPr>
-          <p:cNvPr id="4" name="Content Placeholder 3">
-            <a:extLst>
-              <a:ext uri="{FF2B5EF4-FFF2-40B4-BE49-F238E27FC236}">
-                <a16:creationId xmlns:a16="http://schemas.microsoft.com/office/drawing/2014/main" id="{7FECD033-D895-D029-C3ED-3220D1381AAE}"/>
-              </a:ext>
-            </a:extLst>
-          </p:cNvPr>
+            <a:endParaRPr lang="en-US" dirty="0"/>
+          </a:p>
+        </p:txBody>
+      </p:sp>
+      <p:sp>
+        <p:nvSpPr>
+          <p:cNvPr id="4" name="Content Placeholder 3"/>
           <p:cNvSpPr>
             <a:spLocks noGrp="1"/>
           </p:cNvSpPr>
@@ -1332,8 +3399,8 @@
         </p:nvSpPr>
         <p:spPr>
           <a:xfrm>
-            <a:off x="6172200" y="1825625"/>
-            <a:ext cx="5181600" cy="4351338"/>
+            <a:off x="5089970" y="2160589"/>
+            <a:ext cx="4184034" cy="3880773"/>
           </a:xfrm>
         </p:spPr>
         <p:txBody>
@@ -1373,18 +3440,13 @@
               <a:rPr lang="en-US"/>
               <a:t>Fifth level</a:t>
             </a:r>
-          </a:p>
-        </p:txBody>
-      </p:sp>
-      <p:sp>
-        <p:nvSpPr>
-          <p:cNvPr id="5" name="Date Placeholder 4">
-            <a:extLst>
-              <a:ext uri="{FF2B5EF4-FFF2-40B4-BE49-F238E27FC236}">
-                <a16:creationId xmlns:a16="http://schemas.microsoft.com/office/drawing/2014/main" id="{0447E5BE-26C0-EB15-C072-7D9E39CE4CA2}"/>
-              </a:ext>
-            </a:extLst>
-          </p:cNvPr>
+            <a:endParaRPr lang="en-US" dirty="0"/>
+          </a:p>
+        </p:txBody>
+      </p:sp>
+      <p:sp>
+        <p:nvSpPr>
+          <p:cNvPr id="5" name="Date Placeholder 4"/>
           <p:cNvSpPr>
             <a:spLocks noGrp="1"/>
           </p:cNvSpPr>
@@ -1399,7 +3461,7 @@
           <a:p>
             <a:fld id="{D7466B5C-ADBE-4102-BACE-B76AE415BBFD}" type="datetimeFigureOut">
               <a:rPr lang="en-US" smtClean="0"/>
-              <a:t>4/11/2023</a:t>
+              <a:t>4/17/2023</a:t>
             </a:fld>
             <a:endParaRPr lang="en-US"/>
           </a:p>
@@ -1407,13 +3469,7 @@
       </p:sp>
       <p:sp>
         <p:nvSpPr>
-          <p:cNvPr id="6" name="Footer Placeholder 5">
-            <a:extLst>
-              <a:ext uri="{FF2B5EF4-FFF2-40B4-BE49-F238E27FC236}">
-                <a16:creationId xmlns:a16="http://schemas.microsoft.com/office/drawing/2014/main" id="{8026EF7B-496A-ED11-4C08-DB6CA4BD11F7}"/>
-              </a:ext>
-            </a:extLst>
-          </p:cNvPr>
+          <p:cNvPr id="6" name="Footer Placeholder 5"/>
           <p:cNvSpPr>
             <a:spLocks noGrp="1"/>
           </p:cNvSpPr>
@@ -1432,13 +3488,7 @@
       </p:sp>
       <p:sp>
         <p:nvSpPr>
-          <p:cNvPr id="7" name="Slide Number Placeholder 6">
-            <a:extLst>
-              <a:ext uri="{FF2B5EF4-FFF2-40B4-BE49-F238E27FC236}">
-                <a16:creationId xmlns:a16="http://schemas.microsoft.com/office/drawing/2014/main" id="{64192FE5-4B24-A5A0-147C-E40F38ED6124}"/>
-              </a:ext>
-            </a:extLst>
-          </p:cNvPr>
+          <p:cNvPr id="7" name="Slide Number Placeholder 6"/>
           <p:cNvSpPr>
             <a:spLocks noGrp="1"/>
           </p:cNvSpPr>
@@ -1462,7 +3512,7 @@
     </p:spTree>
     <p:extLst>
       <p:ext uri="{BB962C8B-B14F-4D97-AF65-F5344CB8AC3E}">
-        <p14:creationId xmlns:p14="http://schemas.microsoft.com/office/powerpoint/2010/main" val="2576180445"/>
+        <p14:creationId xmlns:p14="http://schemas.microsoft.com/office/powerpoint/2010/main" val="2344091369"/>
       </p:ext>
     </p:extLst>
   </p:cSld>
@@ -1491,65 +3541,55 @@
       </p:grpSpPr>
       <p:sp>
         <p:nvSpPr>
-          <p:cNvPr id="2" name="Title 1">
-            <a:extLst>
-              <a:ext uri="{FF2B5EF4-FFF2-40B4-BE49-F238E27FC236}">
-                <a16:creationId xmlns:a16="http://schemas.microsoft.com/office/drawing/2014/main" id="{43C0312A-AE56-FD8B-85F5-42B52833DD91}"/>
-              </a:ext>
-            </a:extLst>
-          </p:cNvPr>
+          <p:cNvPr id="2" name="Title 1"/>
           <p:cNvSpPr>
             <a:spLocks noGrp="1"/>
           </p:cNvSpPr>
           <p:nvPr>
             <p:ph type="title"/>
+          </p:nvPr>
+        </p:nvSpPr>
+        <p:spPr/>
+        <p:txBody>
+          <a:bodyPr/>
+          <a:lstStyle>
+            <a:lvl1pPr>
+              <a:defRPr/>
+            </a:lvl1pPr>
+          </a:lstStyle>
+          <a:p>
+            <a:r>
+              <a:rPr lang="en-US"/>
+              <a:t>Click to edit Master title style</a:t>
+            </a:r>
+            <a:endParaRPr lang="en-US" dirty="0"/>
+          </a:p>
+        </p:txBody>
+      </p:sp>
+      <p:sp>
+        <p:nvSpPr>
+          <p:cNvPr id="3" name="Text Placeholder 2"/>
+          <p:cNvSpPr>
+            <a:spLocks noGrp="1"/>
+          </p:cNvSpPr>
+          <p:nvPr>
+            <p:ph type="body" idx="1"/>
           </p:nvPr>
         </p:nvSpPr>
         <p:spPr>
           <a:xfrm>
-            <a:off x="839788" y="365125"/>
-            <a:ext cx="10515600" cy="1325563"/>
+            <a:off x="675745" y="2160983"/>
+            <a:ext cx="4185623" cy="576262"/>
           </a:xfrm>
         </p:spPr>
         <p:txBody>
-          <a:bodyPr/>
-          <a:lstStyle/>
-          <a:p>
-            <a:r>
-              <a:rPr lang="en-US"/>
-              <a:t>Click to edit Master title style</a:t>
-            </a:r>
-          </a:p>
-        </p:txBody>
-      </p:sp>
-      <p:sp>
-        <p:nvSpPr>
-          <p:cNvPr id="3" name="Text Placeholder 2">
-            <a:extLst>
-              <a:ext uri="{FF2B5EF4-FFF2-40B4-BE49-F238E27FC236}">
-                <a16:creationId xmlns:a16="http://schemas.microsoft.com/office/drawing/2014/main" id="{E19FD577-2C97-1BF6-BFC6-ED945CEADE64}"/>
-              </a:ext>
-            </a:extLst>
-          </p:cNvPr>
-          <p:cNvSpPr>
-            <a:spLocks noGrp="1"/>
-          </p:cNvSpPr>
-          <p:nvPr>
-            <p:ph type="body" idx="1"/>
-          </p:nvPr>
-        </p:nvSpPr>
-        <p:spPr>
-          <a:xfrm>
-            <a:off x="839788" y="1681163"/>
-            <a:ext cx="5157787" cy="823912"/>
-          </a:xfrm>
-        </p:spPr>
-        <p:txBody>
-          <a:bodyPr anchor="b"/>
+          <a:bodyPr anchor="b">
+            <a:noAutofit/>
+          </a:bodyPr>
           <a:lstStyle>
             <a:lvl1pPr marL="0" indent="0">
               <a:buNone/>
-              <a:defRPr sz="2400" b="1"/>
+              <a:defRPr sz="2400" b="0"/>
             </a:lvl1pPr>
             <a:lvl2pPr marL="457200" indent="0">
               <a:buNone/>
@@ -1595,13 +3635,7 @@
       </p:sp>
       <p:sp>
         <p:nvSpPr>
-          <p:cNvPr id="4" name="Content Placeholder 3">
-            <a:extLst>
-              <a:ext uri="{FF2B5EF4-FFF2-40B4-BE49-F238E27FC236}">
-                <a16:creationId xmlns:a16="http://schemas.microsoft.com/office/drawing/2014/main" id="{AFE5B3E7-BE5F-FEFC-F3CC-B6773EC1D7F8}"/>
-              </a:ext>
-            </a:extLst>
-          </p:cNvPr>
+          <p:cNvPr id="4" name="Content Placeholder 3"/>
           <p:cNvSpPr>
             <a:spLocks noGrp="1"/>
           </p:cNvSpPr>
@@ -1611,12 +3645,14 @@
         </p:nvSpPr>
         <p:spPr>
           <a:xfrm>
-            <a:off x="839788" y="2505075"/>
-            <a:ext cx="5157787" cy="3684588"/>
+            <a:off x="675745" y="2737245"/>
+            <a:ext cx="4185623" cy="3304117"/>
           </a:xfrm>
         </p:spPr>
         <p:txBody>
-          <a:bodyPr/>
+          <a:bodyPr>
+            <a:normAutofit/>
+          </a:bodyPr>
           <a:lstStyle/>
           <a:p>
             <a:pPr lvl="0"/>
@@ -1652,18 +3688,13 @@
               <a:rPr lang="en-US"/>
               <a:t>Fifth level</a:t>
             </a:r>
-          </a:p>
-        </p:txBody>
-      </p:sp>
-      <p:sp>
-        <p:nvSpPr>
-          <p:cNvPr id="5" name="Text Placeholder 4">
-            <a:extLst>
-              <a:ext uri="{FF2B5EF4-FFF2-40B4-BE49-F238E27FC236}">
-                <a16:creationId xmlns:a16="http://schemas.microsoft.com/office/drawing/2014/main" id="{B9A9EEFA-6367-0A59-D332-5C54C0C938F6}"/>
-              </a:ext>
-            </a:extLst>
-          </p:cNvPr>
+            <a:endParaRPr lang="en-US" dirty="0"/>
+          </a:p>
+        </p:txBody>
+      </p:sp>
+      <p:sp>
+        <p:nvSpPr>
+          <p:cNvPr id="5" name="Text Placeholder 4"/>
           <p:cNvSpPr>
             <a:spLocks noGrp="1"/>
           </p:cNvSpPr>
@@ -1673,16 +3704,18 @@
         </p:nvSpPr>
         <p:spPr>
           <a:xfrm>
-            <a:off x="6172200" y="1681163"/>
-            <a:ext cx="5183188" cy="823912"/>
+            <a:off x="5088383" y="2160983"/>
+            <a:ext cx="4185618" cy="576262"/>
           </a:xfrm>
         </p:spPr>
         <p:txBody>
-          <a:bodyPr anchor="b"/>
+          <a:bodyPr anchor="b">
+            <a:noAutofit/>
+          </a:bodyPr>
           <a:lstStyle>
             <a:lvl1pPr marL="0" indent="0">
               <a:buNone/>
-              <a:defRPr sz="2400" b="1"/>
+              <a:defRPr sz="2400" b="0"/>
             </a:lvl1pPr>
             <a:lvl2pPr marL="457200" indent="0">
               <a:buNone/>
@@ -1728,13 +3761,7 @@
       </p:sp>
       <p:sp>
         <p:nvSpPr>
-          <p:cNvPr id="6" name="Content Placeholder 5">
-            <a:extLst>
-              <a:ext uri="{FF2B5EF4-FFF2-40B4-BE49-F238E27FC236}">
-                <a16:creationId xmlns:a16="http://schemas.microsoft.com/office/drawing/2014/main" id="{C2018422-3606-E55E-7913-AEC9893A63E9}"/>
-              </a:ext>
-            </a:extLst>
-          </p:cNvPr>
+          <p:cNvPr id="6" name="Content Placeholder 5"/>
           <p:cNvSpPr>
             <a:spLocks noGrp="1"/>
           </p:cNvSpPr>
@@ -1744,12 +3771,14 @@
         </p:nvSpPr>
         <p:spPr>
           <a:xfrm>
-            <a:off x="6172200" y="2505075"/>
-            <a:ext cx="5183188" cy="3684588"/>
+            <a:off x="5088384" y="2737245"/>
+            <a:ext cx="4185617" cy="3304117"/>
           </a:xfrm>
         </p:spPr>
         <p:txBody>
-          <a:bodyPr/>
+          <a:bodyPr>
+            <a:normAutofit/>
+          </a:bodyPr>
           <a:lstStyle/>
           <a:p>
             <a:pPr lvl="0"/>
@@ -1785,18 +3814,13 @@
               <a:rPr lang="en-US"/>
               <a:t>Fifth level</a:t>
             </a:r>
-          </a:p>
-        </p:txBody>
-      </p:sp>
-      <p:sp>
-        <p:nvSpPr>
-          <p:cNvPr id="7" name="Date Placeholder 6">
-            <a:extLst>
-              <a:ext uri="{FF2B5EF4-FFF2-40B4-BE49-F238E27FC236}">
-                <a16:creationId xmlns:a16="http://schemas.microsoft.com/office/drawing/2014/main" id="{28A2C922-EE08-8BFB-1417-B1FC8C943DF8}"/>
-              </a:ext>
-            </a:extLst>
-          </p:cNvPr>
+            <a:endParaRPr lang="en-US" dirty="0"/>
+          </a:p>
+        </p:txBody>
+      </p:sp>
+      <p:sp>
+        <p:nvSpPr>
+          <p:cNvPr id="7" name="Date Placeholder 6"/>
           <p:cNvSpPr>
             <a:spLocks noGrp="1"/>
           </p:cNvSpPr>
@@ -1811,7 +3835,7 @@
           <a:p>
             <a:fld id="{D7466B5C-ADBE-4102-BACE-B76AE415BBFD}" type="datetimeFigureOut">
               <a:rPr lang="en-US" smtClean="0"/>
-              <a:t>4/11/2023</a:t>
+              <a:t>4/17/2023</a:t>
             </a:fld>
             <a:endParaRPr lang="en-US"/>
           </a:p>
@@ -1819,13 +3843,7 @@
       </p:sp>
       <p:sp>
         <p:nvSpPr>
-          <p:cNvPr id="8" name="Footer Placeholder 7">
-            <a:extLst>
-              <a:ext uri="{FF2B5EF4-FFF2-40B4-BE49-F238E27FC236}">
-                <a16:creationId xmlns:a16="http://schemas.microsoft.com/office/drawing/2014/main" id="{BB2C201F-6F6F-565E-1F4F-9AC1321F3618}"/>
-              </a:ext>
-            </a:extLst>
-          </p:cNvPr>
+          <p:cNvPr id="8" name="Footer Placeholder 7"/>
           <p:cNvSpPr>
             <a:spLocks noGrp="1"/>
           </p:cNvSpPr>
@@ -1844,13 +3862,7 @@
       </p:sp>
       <p:sp>
         <p:nvSpPr>
-          <p:cNvPr id="9" name="Slide Number Placeholder 8">
-            <a:extLst>
-              <a:ext uri="{FF2B5EF4-FFF2-40B4-BE49-F238E27FC236}">
-                <a16:creationId xmlns:a16="http://schemas.microsoft.com/office/drawing/2014/main" id="{BA8563D1-E283-56DC-CE2B-AEE4CBCE4F51}"/>
-              </a:ext>
-            </a:extLst>
-          </p:cNvPr>
+          <p:cNvPr id="9" name="Slide Number Placeholder 8"/>
           <p:cNvSpPr>
             <a:spLocks noGrp="1"/>
           </p:cNvSpPr>
@@ -1874,7 +3886,7 @@
     </p:spTree>
     <p:extLst>
       <p:ext uri="{BB962C8B-B14F-4D97-AF65-F5344CB8AC3E}">
-        <p14:creationId xmlns:p14="http://schemas.microsoft.com/office/powerpoint/2010/main" val="4263106632"/>
+        <p14:creationId xmlns:p14="http://schemas.microsoft.com/office/powerpoint/2010/main" val="218814045"/>
       </p:ext>
     </p:extLst>
   </p:cSld>
@@ -1903,13 +3915,7 @@
       </p:grpSpPr>
       <p:sp>
         <p:nvSpPr>
-          <p:cNvPr id="2" name="Title 1">
-            <a:extLst>
-              <a:ext uri="{FF2B5EF4-FFF2-40B4-BE49-F238E27FC236}">
-                <a16:creationId xmlns:a16="http://schemas.microsoft.com/office/drawing/2014/main" id="{FB185A13-0677-C5AD-44E0-28457C592010}"/>
-              </a:ext>
-            </a:extLst>
-          </p:cNvPr>
+          <p:cNvPr id="2" name="Title 1"/>
           <p:cNvSpPr>
             <a:spLocks noGrp="1"/>
           </p:cNvSpPr>
@@ -1917,7 +3923,12 @@
             <p:ph type="title"/>
           </p:nvPr>
         </p:nvSpPr>
-        <p:spPr/>
+        <p:spPr>
+          <a:xfrm>
+            <a:off x="677334" y="609600"/>
+            <a:ext cx="8596668" cy="1320800"/>
+          </a:xfrm>
+        </p:spPr>
         <p:txBody>
           <a:bodyPr/>
           <a:lstStyle/>
@@ -1926,18 +3937,13 @@
               <a:rPr lang="en-US"/>
               <a:t>Click to edit Master title style</a:t>
             </a:r>
-          </a:p>
-        </p:txBody>
-      </p:sp>
-      <p:sp>
-        <p:nvSpPr>
-          <p:cNvPr id="3" name="Date Placeholder 2">
-            <a:extLst>
-              <a:ext uri="{FF2B5EF4-FFF2-40B4-BE49-F238E27FC236}">
-                <a16:creationId xmlns:a16="http://schemas.microsoft.com/office/drawing/2014/main" id="{99790830-5515-8725-23D6-A7F46839E5AF}"/>
-              </a:ext>
-            </a:extLst>
-          </p:cNvPr>
+            <a:endParaRPr lang="en-US" dirty="0"/>
+          </a:p>
+        </p:txBody>
+      </p:sp>
+      <p:sp>
+        <p:nvSpPr>
+          <p:cNvPr id="3" name="Date Placeholder 2"/>
           <p:cNvSpPr>
             <a:spLocks noGrp="1"/>
           </p:cNvSpPr>
@@ -1952,7 +3958,7 @@
           <a:p>
             <a:fld id="{D7466B5C-ADBE-4102-BACE-B76AE415BBFD}" type="datetimeFigureOut">
               <a:rPr lang="en-US" smtClean="0"/>
-              <a:t>4/11/2023</a:t>
+              <a:t>4/17/2023</a:t>
             </a:fld>
             <a:endParaRPr lang="en-US"/>
           </a:p>
@@ -1960,13 +3966,7 @@
       </p:sp>
       <p:sp>
         <p:nvSpPr>
-          <p:cNvPr id="4" name="Footer Placeholder 3">
-            <a:extLst>
-              <a:ext uri="{FF2B5EF4-FFF2-40B4-BE49-F238E27FC236}">
-                <a16:creationId xmlns:a16="http://schemas.microsoft.com/office/drawing/2014/main" id="{3D310DEF-644A-593F-DA13-E6C9135810CD}"/>
-              </a:ext>
-            </a:extLst>
-          </p:cNvPr>
+          <p:cNvPr id="4" name="Footer Placeholder 3"/>
           <p:cNvSpPr>
             <a:spLocks noGrp="1"/>
           </p:cNvSpPr>
@@ -1985,13 +3985,7 @@
       </p:sp>
       <p:sp>
         <p:nvSpPr>
-          <p:cNvPr id="5" name="Slide Number Placeholder 4">
-            <a:extLst>
-              <a:ext uri="{FF2B5EF4-FFF2-40B4-BE49-F238E27FC236}">
-                <a16:creationId xmlns:a16="http://schemas.microsoft.com/office/drawing/2014/main" id="{FBEE17AD-B02E-3F7F-C18E-7DBEEC1ED5A7}"/>
-              </a:ext>
-            </a:extLst>
-          </p:cNvPr>
+          <p:cNvPr id="5" name="Slide Number Placeholder 4"/>
           <p:cNvSpPr>
             <a:spLocks noGrp="1"/>
           </p:cNvSpPr>
@@ -2015,7 +4009,7 @@
     </p:spTree>
     <p:extLst>
       <p:ext uri="{BB962C8B-B14F-4D97-AF65-F5344CB8AC3E}">
-        <p14:creationId xmlns:p14="http://schemas.microsoft.com/office/powerpoint/2010/main" val="2667930846"/>
+        <p14:creationId xmlns:p14="http://schemas.microsoft.com/office/powerpoint/2010/main" val="2460547603"/>
       </p:ext>
     </p:extLst>
   </p:cSld>
@@ -2044,13 +4038,7 @@
       </p:grpSpPr>
       <p:sp>
         <p:nvSpPr>
-          <p:cNvPr id="2" name="Date Placeholder 1">
-            <a:extLst>
-              <a:ext uri="{FF2B5EF4-FFF2-40B4-BE49-F238E27FC236}">
-                <a16:creationId xmlns:a16="http://schemas.microsoft.com/office/drawing/2014/main" id="{72CF77FB-2137-B27F-549C-6BAE3BD1DE2B}"/>
-              </a:ext>
-            </a:extLst>
-          </p:cNvPr>
+          <p:cNvPr id="2" name="Date Placeholder 1"/>
           <p:cNvSpPr>
             <a:spLocks noGrp="1"/>
           </p:cNvSpPr>
@@ -2065,7 +4053,7 @@
           <a:p>
             <a:fld id="{D7466B5C-ADBE-4102-BACE-B76AE415BBFD}" type="datetimeFigureOut">
               <a:rPr lang="en-US" smtClean="0"/>
-              <a:t>4/11/2023</a:t>
+              <a:t>4/17/2023</a:t>
             </a:fld>
             <a:endParaRPr lang="en-US"/>
           </a:p>
@@ -2073,13 +4061,7 @@
       </p:sp>
       <p:sp>
         <p:nvSpPr>
-          <p:cNvPr id="3" name="Footer Placeholder 2">
-            <a:extLst>
-              <a:ext uri="{FF2B5EF4-FFF2-40B4-BE49-F238E27FC236}">
-                <a16:creationId xmlns:a16="http://schemas.microsoft.com/office/drawing/2014/main" id="{CE779BB3-A107-A98C-2237-8F10A0B020C1}"/>
-              </a:ext>
-            </a:extLst>
-          </p:cNvPr>
+          <p:cNvPr id="3" name="Footer Placeholder 2"/>
           <p:cNvSpPr>
             <a:spLocks noGrp="1"/>
           </p:cNvSpPr>
@@ -2098,13 +4080,7 @@
       </p:sp>
       <p:sp>
         <p:nvSpPr>
-          <p:cNvPr id="4" name="Slide Number Placeholder 3">
-            <a:extLst>
-              <a:ext uri="{FF2B5EF4-FFF2-40B4-BE49-F238E27FC236}">
-                <a16:creationId xmlns:a16="http://schemas.microsoft.com/office/drawing/2014/main" id="{0FE39714-F545-062C-C1C7-7B2FDC47E953}"/>
-              </a:ext>
-            </a:extLst>
-          </p:cNvPr>
+          <p:cNvPr id="4" name="Slide Number Placeholder 3"/>
           <p:cNvSpPr>
             <a:spLocks noGrp="1"/>
           </p:cNvSpPr>
@@ -2128,7 +4104,7 @@
     </p:spTree>
     <p:extLst>
       <p:ext uri="{BB962C8B-B14F-4D97-AF65-F5344CB8AC3E}">
-        <p14:creationId xmlns:p14="http://schemas.microsoft.com/office/powerpoint/2010/main" val="1957787360"/>
+        <p14:creationId xmlns:p14="http://schemas.microsoft.com/office/powerpoint/2010/main" val="3576325920"/>
       </p:ext>
     </p:extLst>
   </p:cSld>
@@ -2157,13 +4133,7 @@
       </p:grpSpPr>
       <p:sp>
         <p:nvSpPr>
-          <p:cNvPr id="2" name="Title 1">
-            <a:extLst>
-              <a:ext uri="{FF2B5EF4-FFF2-40B4-BE49-F238E27FC236}">
-                <a16:creationId xmlns:a16="http://schemas.microsoft.com/office/drawing/2014/main" id="{FC0A6457-BED5-4ABC-93BB-3344897C12E7}"/>
-              </a:ext>
-            </a:extLst>
-          </p:cNvPr>
+          <p:cNvPr id="2" name="Title 1"/>
           <p:cNvSpPr>
             <a:spLocks noGrp="1"/>
           </p:cNvSpPr>
@@ -2173,15 +4143,17 @@
         </p:nvSpPr>
         <p:spPr>
           <a:xfrm>
-            <a:off x="839788" y="457200"/>
-            <a:ext cx="3932237" cy="1600200"/>
+            <a:off x="677334" y="1498604"/>
+            <a:ext cx="3854528" cy="1278466"/>
           </a:xfrm>
         </p:spPr>
         <p:txBody>
-          <a:bodyPr anchor="b"/>
+          <a:bodyPr anchor="b">
+            <a:normAutofit/>
+          </a:bodyPr>
           <a:lstStyle>
             <a:lvl1pPr>
-              <a:defRPr sz="3200"/>
+              <a:defRPr sz="2000"/>
             </a:lvl1pPr>
           </a:lstStyle>
           <a:p>
@@ -2189,18 +4161,13 @@
               <a:rPr lang="en-US"/>
               <a:t>Click to edit Master title style</a:t>
             </a:r>
-          </a:p>
-        </p:txBody>
-      </p:sp>
-      <p:sp>
-        <p:nvSpPr>
-          <p:cNvPr id="3" name="Content Placeholder 2">
-            <a:extLst>
-              <a:ext uri="{FF2B5EF4-FFF2-40B4-BE49-F238E27FC236}">
-                <a16:creationId xmlns:a16="http://schemas.microsoft.com/office/drawing/2014/main" id="{CD5A75FD-0AE5-1358-06A1-62AE0B4064E7}"/>
-              </a:ext>
-            </a:extLst>
-          </p:cNvPr>
+            <a:endParaRPr lang="en-US" dirty="0"/>
+          </a:p>
+        </p:txBody>
+      </p:sp>
+      <p:sp>
+        <p:nvSpPr>
+          <p:cNvPr id="3" name="Content Placeholder 2"/>
           <p:cNvSpPr>
             <a:spLocks noGrp="1"/>
           </p:cNvSpPr>
@@ -2210,41 +4177,15 @@
         </p:nvSpPr>
         <p:spPr>
           <a:xfrm>
-            <a:off x="5183188" y="987425"/>
-            <a:ext cx="6172200" cy="4873625"/>
+            <a:off x="4760461" y="514924"/>
+            <a:ext cx="4513541" cy="5526437"/>
           </a:xfrm>
         </p:spPr>
         <p:txBody>
-          <a:bodyPr/>
-          <a:lstStyle>
-            <a:lvl1pPr>
-              <a:defRPr sz="3200"/>
-            </a:lvl1pPr>
-            <a:lvl2pPr>
-              <a:defRPr sz="2800"/>
-            </a:lvl2pPr>
-            <a:lvl3pPr>
-              <a:defRPr sz="2400"/>
-            </a:lvl3pPr>
-            <a:lvl4pPr>
-              <a:defRPr sz="2000"/>
-            </a:lvl4pPr>
-            <a:lvl5pPr>
-              <a:defRPr sz="2000"/>
-            </a:lvl5pPr>
-            <a:lvl6pPr>
-              <a:defRPr sz="2000"/>
-            </a:lvl6pPr>
-            <a:lvl7pPr>
-              <a:defRPr sz="2000"/>
-            </a:lvl7pPr>
-            <a:lvl8pPr>
-              <a:defRPr sz="2000"/>
-            </a:lvl8pPr>
-            <a:lvl9pPr>
-              <a:defRPr sz="2000"/>
-            </a:lvl9pPr>
-          </a:lstStyle>
+          <a:bodyPr>
+            <a:normAutofit/>
+          </a:bodyPr>
+          <a:lstStyle/>
           <a:p>
             <a:pPr lvl="0"/>
             <a:r>
@@ -2279,18 +4220,13 @@
               <a:rPr lang="en-US"/>
               <a:t>Fifth level</a:t>
             </a:r>
-          </a:p>
-        </p:txBody>
-      </p:sp>
-      <p:sp>
-        <p:nvSpPr>
-          <p:cNvPr id="4" name="Text Placeholder 3">
-            <a:extLst>
-              <a:ext uri="{FF2B5EF4-FFF2-40B4-BE49-F238E27FC236}">
-                <a16:creationId xmlns:a16="http://schemas.microsoft.com/office/drawing/2014/main" id="{851EBAC2-C5D6-DAE6-1272-AE0495A7D5D7}"/>
-              </a:ext>
-            </a:extLst>
-          </p:cNvPr>
+            <a:endParaRPr lang="en-US" dirty="0"/>
+          </a:p>
+        </p:txBody>
+      </p:sp>
+      <p:sp>
+        <p:nvSpPr>
+          <p:cNvPr id="4" name="Text Placeholder 3"/>
           <p:cNvSpPr>
             <a:spLocks noGrp="1"/>
           </p:cNvSpPr>
@@ -2300,46 +4236,48 @@
         </p:nvSpPr>
         <p:spPr>
           <a:xfrm>
-            <a:off x="839788" y="2057400"/>
-            <a:ext cx="3932237" cy="3811588"/>
+            <a:off x="677334" y="2777069"/>
+            <a:ext cx="3854528" cy="2584449"/>
           </a:xfrm>
         </p:spPr>
         <p:txBody>
-          <a:bodyPr/>
+          <a:bodyPr>
+            <a:normAutofit/>
+          </a:bodyPr>
           <a:lstStyle>
             <a:lvl1pPr marL="0" indent="0">
               <a:buNone/>
-              <a:defRPr sz="1600"/>
+              <a:defRPr sz="1400"/>
             </a:lvl1pPr>
-            <a:lvl2pPr marL="457200" indent="0">
+            <a:lvl2pPr marL="457063" indent="0">
               <a:buNone/>
               <a:defRPr sz="1400"/>
             </a:lvl2pPr>
-            <a:lvl3pPr marL="914400" indent="0">
+            <a:lvl3pPr marL="914126" indent="0">
               <a:buNone/>
               <a:defRPr sz="1200"/>
             </a:lvl3pPr>
-            <a:lvl4pPr marL="1371600" indent="0">
+            <a:lvl4pPr marL="1371189" indent="0">
               <a:buNone/>
               <a:defRPr sz="1000"/>
             </a:lvl4pPr>
-            <a:lvl5pPr marL="1828800" indent="0">
+            <a:lvl5pPr marL="1828251" indent="0">
               <a:buNone/>
               <a:defRPr sz="1000"/>
             </a:lvl5pPr>
-            <a:lvl6pPr marL="2286000" indent="0">
+            <a:lvl6pPr marL="2285314" indent="0">
               <a:buNone/>
               <a:defRPr sz="1000"/>
             </a:lvl6pPr>
-            <a:lvl7pPr marL="2743200" indent="0">
+            <a:lvl7pPr marL="2742377" indent="0">
               <a:buNone/>
               <a:defRPr sz="1000"/>
             </a:lvl7pPr>
-            <a:lvl8pPr marL="3200400" indent="0">
+            <a:lvl8pPr marL="3199440" indent="0">
               <a:buNone/>
               <a:defRPr sz="1000"/>
             </a:lvl8pPr>
-            <a:lvl9pPr marL="3657600" indent="0">
+            <a:lvl9pPr marL="3656503" indent="0">
               <a:buNone/>
               <a:defRPr sz="1000"/>
             </a:lvl9pPr>
@@ -2355,13 +4293,7 @@
       </p:sp>
       <p:sp>
         <p:nvSpPr>
-          <p:cNvPr id="5" name="Date Placeholder 4">
-            <a:extLst>
-              <a:ext uri="{FF2B5EF4-FFF2-40B4-BE49-F238E27FC236}">
-                <a16:creationId xmlns:a16="http://schemas.microsoft.com/office/drawing/2014/main" id="{81F1C8B1-7E16-9186-06E8-0586BDDCFC84}"/>
-              </a:ext>
-            </a:extLst>
-          </p:cNvPr>
+          <p:cNvPr id="5" name="Date Placeholder 4"/>
           <p:cNvSpPr>
             <a:spLocks noGrp="1"/>
           </p:cNvSpPr>
@@ -2376,7 +4308,7 @@
           <a:p>
             <a:fld id="{D7466B5C-ADBE-4102-BACE-B76AE415BBFD}" type="datetimeFigureOut">
               <a:rPr lang="en-US" smtClean="0"/>
-              <a:t>4/11/2023</a:t>
+              <a:t>4/17/2023</a:t>
             </a:fld>
             <a:endParaRPr lang="en-US"/>
           </a:p>
@@ -2384,13 +4316,7 @@
       </p:sp>
       <p:sp>
         <p:nvSpPr>
-          <p:cNvPr id="6" name="Footer Placeholder 5">
-            <a:extLst>
-              <a:ext uri="{FF2B5EF4-FFF2-40B4-BE49-F238E27FC236}">
-                <a16:creationId xmlns:a16="http://schemas.microsoft.com/office/drawing/2014/main" id="{A9A01BD2-9966-4EFD-D7B2-820AD98224F3}"/>
-              </a:ext>
-            </a:extLst>
-          </p:cNvPr>
+          <p:cNvPr id="6" name="Footer Placeholder 5"/>
           <p:cNvSpPr>
             <a:spLocks noGrp="1"/>
           </p:cNvSpPr>
@@ -2409,13 +4335,7 @@
       </p:sp>
       <p:sp>
         <p:nvSpPr>
-          <p:cNvPr id="7" name="Slide Number Placeholder 6">
-            <a:extLst>
-              <a:ext uri="{FF2B5EF4-FFF2-40B4-BE49-F238E27FC236}">
-                <a16:creationId xmlns:a16="http://schemas.microsoft.com/office/drawing/2014/main" id="{5717C0E2-C2B2-83C1-BEE7-91DE2017E07E}"/>
-              </a:ext>
-            </a:extLst>
-          </p:cNvPr>
+          <p:cNvPr id="7" name="Slide Number Placeholder 6"/>
           <p:cNvSpPr>
             <a:spLocks noGrp="1"/>
           </p:cNvSpPr>
@@ -2439,7 +4359,7 @@
     </p:spTree>
     <p:extLst>
       <p:ext uri="{BB962C8B-B14F-4D97-AF65-F5344CB8AC3E}">
-        <p14:creationId xmlns:p14="http://schemas.microsoft.com/office/powerpoint/2010/main" val="1988998602"/>
+        <p14:creationId xmlns:p14="http://schemas.microsoft.com/office/powerpoint/2010/main" val="4045798458"/>
       </p:ext>
     </p:extLst>
   </p:cSld>
@@ -2468,13 +4388,7 @@
       </p:grpSpPr>
       <p:sp>
         <p:nvSpPr>
-          <p:cNvPr id="2" name="Title 1">
-            <a:extLst>
-              <a:ext uri="{FF2B5EF4-FFF2-40B4-BE49-F238E27FC236}">
-                <a16:creationId xmlns:a16="http://schemas.microsoft.com/office/drawing/2014/main" id="{6A873568-DF8D-A485-36BF-C2F9EC4A7BE2}"/>
-              </a:ext>
-            </a:extLst>
-          </p:cNvPr>
+          <p:cNvPr id="2" name="Title 1"/>
           <p:cNvSpPr>
             <a:spLocks noGrp="1"/>
           </p:cNvSpPr>
@@ -2484,15 +4398,17 @@
         </p:nvSpPr>
         <p:spPr>
           <a:xfrm>
-            <a:off x="839788" y="457200"/>
-            <a:ext cx="3932237" cy="1600200"/>
+            <a:off x="677334" y="4800600"/>
+            <a:ext cx="8596667" cy="566738"/>
           </a:xfrm>
         </p:spPr>
         <p:txBody>
-          <a:bodyPr anchor="b"/>
+          <a:bodyPr anchor="b">
+            <a:normAutofit/>
+          </a:bodyPr>
           <a:lstStyle>
-            <a:lvl1pPr>
-              <a:defRPr sz="3200"/>
+            <a:lvl1pPr algn="l">
+              <a:defRPr sz="2400" b="0"/>
             </a:lvl1pPr>
           </a:lstStyle>
           <a:p>
@@ -2500,20 +4416,15 @@
               <a:rPr lang="en-US"/>
               <a:t>Click to edit Master title style</a:t>
             </a:r>
-          </a:p>
-        </p:txBody>
-      </p:sp>
-      <p:sp>
-        <p:nvSpPr>
-          <p:cNvPr id="3" name="Picture Placeholder 2">
-            <a:extLst>
-              <a:ext uri="{FF2B5EF4-FFF2-40B4-BE49-F238E27FC236}">
-                <a16:creationId xmlns:a16="http://schemas.microsoft.com/office/drawing/2014/main" id="{C5B33FF3-978F-EDFB-AAF6-9F28D02138E7}"/>
-              </a:ext>
-            </a:extLst>
-          </p:cNvPr>
-          <p:cNvSpPr>
-            <a:spLocks noGrp="1"/>
+            <a:endParaRPr lang="en-US" dirty="0"/>
+          </a:p>
+        </p:txBody>
+      </p:sp>
+      <p:sp>
+        <p:nvSpPr>
+          <p:cNvPr id="3" name="Picture Placeholder 2"/>
+          <p:cNvSpPr>
+            <a:spLocks noGrp="1" noChangeAspect="1"/>
           </p:cNvSpPr>
           <p:nvPr>
             <p:ph type="pic" idx="1"/>
@@ -2521,118 +4432,120 @@
         </p:nvSpPr>
         <p:spPr>
           <a:xfrm>
-            <a:off x="5183188" y="987425"/>
-            <a:ext cx="6172200" cy="4873625"/>
+            <a:off x="677334" y="609600"/>
+            <a:ext cx="8596668" cy="3845718"/>
           </a:xfrm>
         </p:spPr>
         <p:txBody>
-          <a:bodyPr/>
+          <a:bodyPr anchor="t">
+            <a:normAutofit/>
+          </a:bodyPr>
           <a:lstStyle>
-            <a:lvl1pPr marL="0" indent="0">
-              <a:buNone/>
-              <a:defRPr sz="3200"/>
-            </a:lvl1pPr>
-            <a:lvl2pPr marL="457200" indent="0">
-              <a:buNone/>
-              <a:defRPr sz="2800"/>
-            </a:lvl2pPr>
-            <a:lvl3pPr marL="914400" indent="0">
-              <a:buNone/>
-              <a:defRPr sz="2400"/>
-            </a:lvl3pPr>
-            <a:lvl4pPr marL="1371600" indent="0">
-              <a:buNone/>
-              <a:defRPr sz="2000"/>
-            </a:lvl4pPr>
-            <a:lvl5pPr marL="1828800" indent="0">
-              <a:buNone/>
-              <a:defRPr sz="2000"/>
-            </a:lvl5pPr>
-            <a:lvl6pPr marL="2286000" indent="0">
-              <a:buNone/>
-              <a:defRPr sz="2000"/>
-            </a:lvl6pPr>
-            <a:lvl7pPr marL="2743200" indent="0">
-              <a:buNone/>
-              <a:defRPr sz="2000"/>
-            </a:lvl7pPr>
-            <a:lvl8pPr marL="3200400" indent="0">
-              <a:buNone/>
-              <a:defRPr sz="2000"/>
-            </a:lvl8pPr>
-            <a:lvl9pPr marL="3657600" indent="0">
-              <a:buNone/>
-              <a:defRPr sz="2000"/>
-            </a:lvl9pPr>
-          </a:lstStyle>
-          <a:p>
-            <a:endParaRPr lang="en-US"/>
-          </a:p>
-        </p:txBody>
-      </p:sp>
-      <p:sp>
-        <p:nvSpPr>
-          <p:cNvPr id="4" name="Text Placeholder 3">
-            <a:extLst>
-              <a:ext uri="{FF2B5EF4-FFF2-40B4-BE49-F238E27FC236}">
-                <a16:creationId xmlns:a16="http://schemas.microsoft.com/office/drawing/2014/main" id="{0320FABC-EB1A-0C33-22B2-C4CE19262792}"/>
-              </a:ext>
-            </a:extLst>
-          </p:cNvPr>
-          <p:cNvSpPr>
-            <a:spLocks noGrp="1"/>
-          </p:cNvSpPr>
-          <p:nvPr>
-            <p:ph type="body" sz="half" idx="2"/>
-          </p:nvPr>
-        </p:nvSpPr>
-        <p:spPr>
-          <a:xfrm>
-            <a:off x="839788" y="2057400"/>
-            <a:ext cx="3932237" cy="3811588"/>
-          </a:xfrm>
-        </p:spPr>
-        <p:txBody>
-          <a:bodyPr/>
-          <a:lstStyle>
-            <a:lvl1pPr marL="0" indent="0">
+            <a:lvl1pPr marL="0" indent="0" algn="ctr">
               <a:buNone/>
               <a:defRPr sz="1600"/>
             </a:lvl1pPr>
             <a:lvl2pPr marL="457200" indent="0">
               <a:buNone/>
-              <a:defRPr sz="1400"/>
+              <a:defRPr sz="1600"/>
             </a:lvl2pPr>
             <a:lvl3pPr marL="914400" indent="0">
               <a:buNone/>
-              <a:defRPr sz="1200"/>
+              <a:defRPr sz="1600"/>
             </a:lvl3pPr>
             <a:lvl4pPr marL="1371600" indent="0">
               <a:buNone/>
-              <a:defRPr sz="1000"/>
+              <a:defRPr sz="1600"/>
             </a:lvl4pPr>
             <a:lvl5pPr marL="1828800" indent="0">
               <a:buNone/>
-              <a:defRPr sz="1000"/>
+              <a:defRPr sz="1600"/>
             </a:lvl5pPr>
             <a:lvl6pPr marL="2286000" indent="0">
               <a:buNone/>
-              <a:defRPr sz="1000"/>
+              <a:defRPr sz="1600"/>
             </a:lvl6pPr>
             <a:lvl7pPr marL="2743200" indent="0">
               <a:buNone/>
-              <a:defRPr sz="1000"/>
+              <a:defRPr sz="1600"/>
             </a:lvl7pPr>
             <a:lvl8pPr marL="3200400" indent="0">
               <a:buNone/>
-              <a:defRPr sz="1000"/>
+              <a:defRPr sz="1600"/>
             </a:lvl8pPr>
             <a:lvl9pPr marL="3657600" indent="0">
               <a:buNone/>
-              <a:defRPr sz="1000"/>
+              <a:defRPr sz="1600"/>
             </a:lvl9pPr>
           </a:lstStyle>
           <a:p>
+            <a:r>
+              <a:rPr lang="en-US"/>
+              <a:t>Click icon to add picture</a:t>
+            </a:r>
+            <a:endParaRPr lang="en-US" dirty="0"/>
+          </a:p>
+        </p:txBody>
+      </p:sp>
+      <p:sp>
+        <p:nvSpPr>
+          <p:cNvPr id="4" name="Text Placeholder 3"/>
+          <p:cNvSpPr>
+            <a:spLocks noGrp="1"/>
+          </p:cNvSpPr>
+          <p:nvPr>
+            <p:ph type="body" sz="half" idx="2"/>
+          </p:nvPr>
+        </p:nvSpPr>
+        <p:spPr>
+          <a:xfrm>
+            <a:off x="677334" y="5367338"/>
+            <a:ext cx="8596667" cy="674024"/>
+          </a:xfrm>
+        </p:spPr>
+        <p:txBody>
+          <a:bodyPr>
+            <a:normAutofit/>
+          </a:bodyPr>
+          <a:lstStyle>
+            <a:lvl1pPr marL="0" indent="0">
+              <a:buNone/>
+              <a:defRPr sz="1200"/>
+            </a:lvl1pPr>
+            <a:lvl2pPr marL="457200" indent="0">
+              <a:buNone/>
+              <a:defRPr sz="1200"/>
+            </a:lvl2pPr>
+            <a:lvl3pPr marL="914400" indent="0">
+              <a:buNone/>
+              <a:defRPr sz="1000"/>
+            </a:lvl3pPr>
+            <a:lvl4pPr marL="1371600" indent="0">
+              <a:buNone/>
+              <a:defRPr sz="900"/>
+            </a:lvl4pPr>
+            <a:lvl5pPr marL="1828800" indent="0">
+              <a:buNone/>
+              <a:defRPr sz="900"/>
+            </a:lvl5pPr>
+            <a:lvl6pPr marL="2286000" indent="0">
+              <a:buNone/>
+              <a:defRPr sz="900"/>
+            </a:lvl6pPr>
+            <a:lvl7pPr marL="2743200" indent="0">
+              <a:buNone/>
+              <a:defRPr sz="900"/>
+            </a:lvl7pPr>
+            <a:lvl8pPr marL="3200400" indent="0">
+              <a:buNone/>
+              <a:defRPr sz="900"/>
+            </a:lvl8pPr>
+            <a:lvl9pPr marL="3657600" indent="0">
+              <a:buNone/>
+              <a:defRPr sz="900"/>
+            </a:lvl9pPr>
+          </a:lstStyle>
+          <a:p>
             <a:pPr lvl="0"/>
             <a:r>
               <a:rPr lang="en-US"/>
@@ -2643,13 +4556,7 @@
       </p:sp>
       <p:sp>
         <p:nvSpPr>
-          <p:cNvPr id="5" name="Date Placeholder 4">
-            <a:extLst>
-              <a:ext uri="{FF2B5EF4-FFF2-40B4-BE49-F238E27FC236}">
-                <a16:creationId xmlns:a16="http://schemas.microsoft.com/office/drawing/2014/main" id="{95AE39FE-ACF9-61E7-0165-882E3A757E69}"/>
-              </a:ext>
-            </a:extLst>
-          </p:cNvPr>
+          <p:cNvPr id="5" name="Date Placeholder 4"/>
           <p:cNvSpPr>
             <a:spLocks noGrp="1"/>
           </p:cNvSpPr>
@@ -2664,7 +4571,7 @@
           <a:p>
             <a:fld id="{D7466B5C-ADBE-4102-BACE-B76AE415BBFD}" type="datetimeFigureOut">
               <a:rPr lang="en-US" smtClean="0"/>
-              <a:t>4/11/2023</a:t>
+              <a:t>4/17/2023</a:t>
             </a:fld>
             <a:endParaRPr lang="en-US"/>
           </a:p>
@@ -2672,13 +4579,7 @@
       </p:sp>
       <p:sp>
         <p:nvSpPr>
-          <p:cNvPr id="6" name="Footer Placeholder 5">
-            <a:extLst>
-              <a:ext uri="{FF2B5EF4-FFF2-40B4-BE49-F238E27FC236}">
-                <a16:creationId xmlns:a16="http://schemas.microsoft.com/office/drawing/2014/main" id="{C90BFE17-5287-1762-C2DE-453CDD282857}"/>
-              </a:ext>
-            </a:extLst>
-          </p:cNvPr>
+          <p:cNvPr id="6" name="Footer Placeholder 5"/>
           <p:cNvSpPr>
             <a:spLocks noGrp="1"/>
           </p:cNvSpPr>
@@ -2697,13 +4598,7 @@
       </p:sp>
       <p:sp>
         <p:nvSpPr>
-          <p:cNvPr id="7" name="Slide Number Placeholder 6">
-            <a:extLst>
-              <a:ext uri="{FF2B5EF4-FFF2-40B4-BE49-F238E27FC236}">
-                <a16:creationId xmlns:a16="http://schemas.microsoft.com/office/drawing/2014/main" id="{079008EA-5281-D763-D31D-E1F79FE07BE4}"/>
-              </a:ext>
-            </a:extLst>
-          </p:cNvPr>
+          <p:cNvPr id="7" name="Slide Number Placeholder 6"/>
           <p:cNvSpPr>
             <a:spLocks noGrp="1"/>
           </p:cNvSpPr>
@@ -2727,7 +4622,7 @@
     </p:spTree>
     <p:extLst>
       <p:ext uri="{BB962C8B-B14F-4D97-AF65-F5344CB8AC3E}">
-        <p14:creationId xmlns:p14="http://schemas.microsoft.com/office/powerpoint/2010/main" val="807625927"/>
+        <p14:creationId xmlns:p14="http://schemas.microsoft.com/office/powerpoint/2010/main" val="3243623431"/>
       </p:ext>
     </p:extLst>
   </p:cSld>
@@ -2759,15 +4654,539 @@
           <a:chExt cx="0" cy="0"/>
         </a:xfrm>
       </p:grpSpPr>
-      <p:sp>
-        <p:nvSpPr>
-          <p:cNvPr id="2" name="Title Placeholder 1">
-            <a:extLst>
-              <a:ext uri="{FF2B5EF4-FFF2-40B4-BE49-F238E27FC236}">
-                <a16:creationId xmlns:a16="http://schemas.microsoft.com/office/drawing/2014/main" id="{B78E5307-2EFF-09BD-825D-D248C603EC72}"/>
-              </a:ext>
-            </a:extLst>
-          </p:cNvPr>
+      <p:grpSp>
+        <p:nvGrpSpPr>
+          <p:cNvPr id="7" name="Group 6"/>
+          <p:cNvGrpSpPr/>
+          <p:nvPr/>
+        </p:nvGrpSpPr>
+        <p:grpSpPr>
+          <a:xfrm>
+            <a:off x="0" y="-8467"/>
+            <a:ext cx="12192000" cy="6866467"/>
+            <a:chOff x="0" y="-8467"/>
+            <a:chExt cx="12192000" cy="6866467"/>
+          </a:xfrm>
+        </p:grpSpPr>
+        <p:cxnSp>
+          <p:nvCxnSpPr>
+            <p:cNvPr id="20" name="Straight Connector 19"/>
+            <p:cNvCxnSpPr/>
+            <p:nvPr/>
+          </p:nvCxnSpPr>
+          <p:spPr>
+            <a:xfrm>
+              <a:off x="9371012" y="0"/>
+              <a:ext cx="1219200" cy="6858000"/>
+            </a:xfrm>
+            <a:prstGeom prst="line">
+              <a:avLst/>
+            </a:prstGeom>
+            <a:ln w="9525">
+              <a:solidFill>
+                <a:schemeClr val="bg1">
+                  <a:lumMod val="75000"/>
+                </a:schemeClr>
+              </a:solidFill>
+            </a:ln>
+          </p:spPr>
+          <p:style>
+            <a:lnRef idx="2">
+              <a:schemeClr val="accent1"/>
+            </a:lnRef>
+            <a:fillRef idx="0">
+              <a:schemeClr val="accent1"/>
+            </a:fillRef>
+            <a:effectRef idx="1">
+              <a:schemeClr val="accent1"/>
+            </a:effectRef>
+            <a:fontRef idx="minor">
+              <a:schemeClr val="tx1"/>
+            </a:fontRef>
+          </p:style>
+        </p:cxnSp>
+        <p:cxnSp>
+          <p:nvCxnSpPr>
+            <p:cNvPr id="21" name="Straight Connector 20"/>
+            <p:cNvCxnSpPr/>
+            <p:nvPr/>
+          </p:nvCxnSpPr>
+          <p:spPr>
+            <a:xfrm flipH="1">
+              <a:off x="7425267" y="3681413"/>
+              <a:ext cx="4763558" cy="3176587"/>
+            </a:xfrm>
+            <a:prstGeom prst="line">
+              <a:avLst/>
+            </a:prstGeom>
+            <a:ln w="9525">
+              <a:solidFill>
+                <a:schemeClr val="bg1">
+                  <a:lumMod val="85000"/>
+                </a:schemeClr>
+              </a:solidFill>
+            </a:ln>
+          </p:spPr>
+          <p:style>
+            <a:lnRef idx="2">
+              <a:schemeClr val="accent1"/>
+            </a:lnRef>
+            <a:fillRef idx="0">
+              <a:schemeClr val="accent1"/>
+            </a:fillRef>
+            <a:effectRef idx="1">
+              <a:schemeClr val="accent1"/>
+            </a:effectRef>
+            <a:fontRef idx="minor">
+              <a:schemeClr val="tx1"/>
+            </a:fontRef>
+          </p:style>
+        </p:cxnSp>
+        <p:sp>
+          <p:nvSpPr>
+            <p:cNvPr id="22" name="Rectangle 23"/>
+            <p:cNvSpPr/>
+            <p:nvPr/>
+          </p:nvSpPr>
+          <p:spPr>
+            <a:xfrm>
+              <a:off x="9181476" y="-8467"/>
+              <a:ext cx="3007349" cy="6866467"/>
+            </a:xfrm>
+            <a:custGeom>
+              <a:avLst/>
+              <a:gdLst/>
+              <a:ahLst/>
+              <a:cxnLst/>
+              <a:rect l="l" t="t" r="r" b="b"/>
+              <a:pathLst>
+                <a:path w="3007349" h="6866467">
+                  <a:moveTo>
+                    <a:pt x="2045532" y="0"/>
+                  </a:moveTo>
+                  <a:lnTo>
+                    <a:pt x="3007349" y="0"/>
+                  </a:lnTo>
+                  <a:lnTo>
+                    <a:pt x="3007349" y="6866467"/>
+                  </a:lnTo>
+                  <a:lnTo>
+                    <a:pt x="0" y="6866467"/>
+                  </a:lnTo>
+                  <a:lnTo>
+                    <a:pt x="2045532" y="0"/>
+                  </a:lnTo>
+                  <a:close/>
+                </a:path>
+              </a:pathLst>
+            </a:custGeom>
+            <a:solidFill>
+              <a:schemeClr val="accent1">
+                <a:alpha val="30000"/>
+              </a:schemeClr>
+            </a:solidFill>
+            <a:ln>
+              <a:noFill/>
+            </a:ln>
+            <a:effectLst/>
+          </p:spPr>
+          <p:style>
+            <a:lnRef idx="1">
+              <a:schemeClr val="accent1"/>
+            </a:lnRef>
+            <a:fillRef idx="3">
+              <a:schemeClr val="accent1"/>
+            </a:fillRef>
+            <a:effectRef idx="2">
+              <a:schemeClr val="accent1"/>
+            </a:effectRef>
+            <a:fontRef idx="minor">
+              <a:schemeClr val="lt1"/>
+            </a:fontRef>
+          </p:style>
+        </p:sp>
+        <p:sp>
+          <p:nvSpPr>
+            <p:cNvPr id="23" name="Rectangle 25"/>
+            <p:cNvSpPr/>
+            <p:nvPr/>
+          </p:nvSpPr>
+          <p:spPr>
+            <a:xfrm>
+              <a:off x="9603442" y="-8467"/>
+              <a:ext cx="2588558" cy="6866467"/>
+            </a:xfrm>
+            <a:custGeom>
+              <a:avLst/>
+              <a:gdLst/>
+              <a:ahLst/>
+              <a:cxnLst/>
+              <a:rect l="l" t="t" r="r" b="b"/>
+              <a:pathLst>
+                <a:path w="2573311" h="6866467">
+                  <a:moveTo>
+                    <a:pt x="0" y="0"/>
+                  </a:moveTo>
+                  <a:lnTo>
+                    <a:pt x="2573311" y="0"/>
+                  </a:lnTo>
+                  <a:lnTo>
+                    <a:pt x="2573311" y="6866467"/>
+                  </a:lnTo>
+                  <a:lnTo>
+                    <a:pt x="1202336" y="6866467"/>
+                  </a:lnTo>
+                  <a:lnTo>
+                    <a:pt x="0" y="0"/>
+                  </a:lnTo>
+                  <a:close/>
+                </a:path>
+              </a:pathLst>
+            </a:custGeom>
+            <a:solidFill>
+              <a:schemeClr val="accent1">
+                <a:alpha val="20000"/>
+              </a:schemeClr>
+            </a:solidFill>
+            <a:ln>
+              <a:noFill/>
+            </a:ln>
+            <a:effectLst/>
+          </p:spPr>
+          <p:style>
+            <a:lnRef idx="1">
+              <a:schemeClr val="accent1"/>
+            </a:lnRef>
+            <a:fillRef idx="3">
+              <a:schemeClr val="accent1"/>
+            </a:fillRef>
+            <a:effectRef idx="2">
+              <a:schemeClr val="accent1"/>
+            </a:effectRef>
+            <a:fontRef idx="minor">
+              <a:schemeClr val="lt1"/>
+            </a:fontRef>
+          </p:style>
+        </p:sp>
+        <p:sp>
+          <p:nvSpPr>
+            <p:cNvPr id="24" name="Isosceles Triangle 23"/>
+            <p:cNvSpPr/>
+            <p:nvPr/>
+          </p:nvSpPr>
+          <p:spPr>
+            <a:xfrm>
+              <a:off x="8932333" y="3048000"/>
+              <a:ext cx="3259667" cy="3810000"/>
+            </a:xfrm>
+            <a:prstGeom prst="triangle">
+              <a:avLst>
+                <a:gd name="adj" fmla="val 100000"/>
+              </a:avLst>
+            </a:prstGeom>
+            <a:solidFill>
+              <a:schemeClr val="accent2">
+                <a:alpha val="72000"/>
+              </a:schemeClr>
+            </a:solidFill>
+            <a:ln>
+              <a:noFill/>
+            </a:ln>
+            <a:effectLst/>
+          </p:spPr>
+          <p:style>
+            <a:lnRef idx="1">
+              <a:schemeClr val="accent1"/>
+            </a:lnRef>
+            <a:fillRef idx="3">
+              <a:schemeClr val="accent1"/>
+            </a:fillRef>
+            <a:effectRef idx="2">
+              <a:schemeClr val="accent1"/>
+            </a:effectRef>
+            <a:fontRef idx="minor">
+              <a:schemeClr val="lt1"/>
+            </a:fontRef>
+          </p:style>
+        </p:sp>
+        <p:sp>
+          <p:nvSpPr>
+            <p:cNvPr id="25" name="Rectangle 27"/>
+            <p:cNvSpPr/>
+            <p:nvPr/>
+          </p:nvSpPr>
+          <p:spPr>
+            <a:xfrm>
+              <a:off x="9334500" y="-8467"/>
+              <a:ext cx="2854326" cy="6866467"/>
+            </a:xfrm>
+            <a:custGeom>
+              <a:avLst/>
+              <a:gdLst/>
+              <a:ahLst/>
+              <a:cxnLst/>
+              <a:rect l="l" t="t" r="r" b="b"/>
+              <a:pathLst>
+                <a:path w="2858013" h="6866467">
+                  <a:moveTo>
+                    <a:pt x="0" y="0"/>
+                  </a:moveTo>
+                  <a:lnTo>
+                    <a:pt x="2858013" y="0"/>
+                  </a:lnTo>
+                  <a:lnTo>
+                    <a:pt x="2858013" y="6866467"/>
+                  </a:lnTo>
+                  <a:lnTo>
+                    <a:pt x="2473942" y="6866467"/>
+                  </a:lnTo>
+                  <a:lnTo>
+                    <a:pt x="0" y="0"/>
+                  </a:lnTo>
+                  <a:close/>
+                </a:path>
+              </a:pathLst>
+            </a:custGeom>
+            <a:solidFill>
+              <a:schemeClr val="accent2">
+                <a:lumMod val="75000"/>
+                <a:alpha val="70000"/>
+              </a:schemeClr>
+            </a:solidFill>
+            <a:ln>
+              <a:noFill/>
+            </a:ln>
+            <a:effectLst/>
+          </p:spPr>
+          <p:style>
+            <a:lnRef idx="1">
+              <a:schemeClr val="accent1"/>
+            </a:lnRef>
+            <a:fillRef idx="3">
+              <a:schemeClr val="accent1"/>
+            </a:fillRef>
+            <a:effectRef idx="2">
+              <a:schemeClr val="accent1"/>
+            </a:effectRef>
+            <a:fontRef idx="minor">
+              <a:schemeClr val="lt1"/>
+            </a:fontRef>
+          </p:style>
+        </p:sp>
+        <p:sp>
+          <p:nvSpPr>
+            <p:cNvPr id="26" name="Rectangle 28"/>
+            <p:cNvSpPr/>
+            <p:nvPr/>
+          </p:nvSpPr>
+          <p:spPr>
+            <a:xfrm>
+              <a:off x="10898730" y="-8467"/>
+              <a:ext cx="1290094" cy="6866467"/>
+            </a:xfrm>
+            <a:custGeom>
+              <a:avLst/>
+              <a:gdLst/>
+              <a:ahLst/>
+              <a:cxnLst/>
+              <a:rect l="l" t="t" r="r" b="b"/>
+              <a:pathLst>
+                <a:path w="1290094" h="6858000">
+                  <a:moveTo>
+                    <a:pt x="1019735" y="0"/>
+                  </a:moveTo>
+                  <a:lnTo>
+                    <a:pt x="1290094" y="0"/>
+                  </a:lnTo>
+                  <a:lnTo>
+                    <a:pt x="1290094" y="6858000"/>
+                  </a:lnTo>
+                  <a:lnTo>
+                    <a:pt x="0" y="6858000"/>
+                  </a:lnTo>
+                  <a:lnTo>
+                    <a:pt x="1019735" y="0"/>
+                  </a:lnTo>
+                  <a:close/>
+                </a:path>
+              </a:pathLst>
+            </a:custGeom>
+            <a:solidFill>
+              <a:schemeClr val="accent1">
+                <a:lumMod val="60000"/>
+                <a:lumOff val="40000"/>
+                <a:alpha val="70000"/>
+              </a:schemeClr>
+            </a:solidFill>
+            <a:ln>
+              <a:noFill/>
+            </a:ln>
+            <a:effectLst/>
+          </p:spPr>
+          <p:style>
+            <a:lnRef idx="1">
+              <a:schemeClr val="accent1"/>
+            </a:lnRef>
+            <a:fillRef idx="3">
+              <a:schemeClr val="accent1"/>
+            </a:fillRef>
+            <a:effectRef idx="2">
+              <a:schemeClr val="accent1"/>
+            </a:effectRef>
+            <a:fontRef idx="minor">
+              <a:schemeClr val="lt1"/>
+            </a:fontRef>
+          </p:style>
+        </p:sp>
+        <p:sp>
+          <p:nvSpPr>
+            <p:cNvPr id="27" name="Rectangle 29"/>
+            <p:cNvSpPr/>
+            <p:nvPr/>
+          </p:nvSpPr>
+          <p:spPr>
+            <a:xfrm>
+              <a:off x="10938999" y="-8467"/>
+              <a:ext cx="1249825" cy="6866467"/>
+            </a:xfrm>
+            <a:custGeom>
+              <a:avLst/>
+              <a:gdLst/>
+              <a:ahLst/>
+              <a:cxnLst/>
+              <a:rect l="l" t="t" r="r" b="b"/>
+              <a:pathLst>
+                <a:path w="1249825" h="6858000">
+                  <a:moveTo>
+                    <a:pt x="0" y="0"/>
+                  </a:moveTo>
+                  <a:lnTo>
+                    <a:pt x="1249825" y="0"/>
+                  </a:lnTo>
+                  <a:lnTo>
+                    <a:pt x="1249825" y="6858000"/>
+                  </a:lnTo>
+                  <a:lnTo>
+                    <a:pt x="1109382" y="6858000"/>
+                  </a:lnTo>
+                  <a:lnTo>
+                    <a:pt x="0" y="0"/>
+                  </a:lnTo>
+                  <a:close/>
+                </a:path>
+              </a:pathLst>
+            </a:custGeom>
+            <a:solidFill>
+              <a:schemeClr val="accent1">
+                <a:alpha val="65000"/>
+              </a:schemeClr>
+            </a:solidFill>
+            <a:ln>
+              <a:noFill/>
+            </a:ln>
+            <a:effectLst/>
+          </p:spPr>
+          <p:style>
+            <a:lnRef idx="1">
+              <a:schemeClr val="accent1"/>
+            </a:lnRef>
+            <a:fillRef idx="3">
+              <a:schemeClr val="accent1"/>
+            </a:fillRef>
+            <a:effectRef idx="2">
+              <a:schemeClr val="accent1"/>
+            </a:effectRef>
+            <a:fontRef idx="minor">
+              <a:schemeClr val="lt1"/>
+            </a:fontRef>
+          </p:style>
+        </p:sp>
+        <p:sp>
+          <p:nvSpPr>
+            <p:cNvPr id="28" name="Isosceles Triangle 27"/>
+            <p:cNvSpPr/>
+            <p:nvPr/>
+          </p:nvSpPr>
+          <p:spPr>
+            <a:xfrm>
+              <a:off x="10371666" y="3589867"/>
+              <a:ext cx="1817159" cy="3268133"/>
+            </a:xfrm>
+            <a:prstGeom prst="triangle">
+              <a:avLst>
+                <a:gd name="adj" fmla="val 100000"/>
+              </a:avLst>
+            </a:prstGeom>
+            <a:solidFill>
+              <a:schemeClr val="accent1">
+                <a:alpha val="80000"/>
+              </a:schemeClr>
+            </a:solidFill>
+            <a:ln>
+              <a:noFill/>
+            </a:ln>
+            <a:effectLst/>
+          </p:spPr>
+          <p:style>
+            <a:lnRef idx="1">
+              <a:schemeClr val="accent1"/>
+            </a:lnRef>
+            <a:fillRef idx="3">
+              <a:schemeClr val="accent1"/>
+            </a:fillRef>
+            <a:effectRef idx="2">
+              <a:schemeClr val="accent1"/>
+            </a:effectRef>
+            <a:fontRef idx="minor">
+              <a:schemeClr val="lt1"/>
+            </a:fontRef>
+          </p:style>
+        </p:sp>
+        <p:sp>
+          <p:nvSpPr>
+            <p:cNvPr id="29" name="Isosceles Triangle 28"/>
+            <p:cNvSpPr/>
+            <p:nvPr/>
+          </p:nvSpPr>
+          <p:spPr>
+            <a:xfrm>
+              <a:off x="0" y="4013200"/>
+              <a:ext cx="448733" cy="2844800"/>
+            </a:xfrm>
+            <a:prstGeom prst="triangle">
+              <a:avLst>
+                <a:gd name="adj" fmla="val 0"/>
+              </a:avLst>
+            </a:prstGeom>
+            <a:solidFill>
+              <a:schemeClr val="accent1">
+                <a:alpha val="85000"/>
+              </a:schemeClr>
+            </a:solidFill>
+            <a:ln>
+              <a:noFill/>
+            </a:ln>
+            <a:effectLst/>
+          </p:spPr>
+          <p:style>
+            <a:lnRef idx="1">
+              <a:schemeClr val="accent1"/>
+            </a:lnRef>
+            <a:fillRef idx="3">
+              <a:schemeClr val="accent1"/>
+            </a:fillRef>
+            <a:effectRef idx="2">
+              <a:schemeClr val="accent1"/>
+            </a:effectRef>
+            <a:fontRef idx="minor">
+              <a:schemeClr val="lt1"/>
+            </a:fontRef>
+          </p:style>
+        </p:sp>
+      </p:grpSp>
+      <p:sp>
+        <p:nvSpPr>
+          <p:cNvPr id="2" name="Title Placeholder 1"/>
           <p:cNvSpPr>
             <a:spLocks noGrp="1"/>
           </p:cNvSpPr>
@@ -2777,15 +5196,15 @@
         </p:nvSpPr>
         <p:spPr>
           <a:xfrm>
-            <a:off x="838200" y="365125"/>
-            <a:ext cx="10515600" cy="1325563"/>
+            <a:off x="677334" y="609600"/>
+            <a:ext cx="8596668" cy="1320800"/>
           </a:xfrm>
           <a:prstGeom prst="rect">
             <a:avLst/>
           </a:prstGeom>
         </p:spPr>
         <p:txBody>
-          <a:bodyPr vert="horz" lIns="91440" tIns="45720" rIns="91440" bIns="45720" rtlCol="0" anchor="ctr">
+          <a:bodyPr vert="horz" lIns="91440" tIns="45720" rIns="91440" bIns="45720" rtlCol="0" anchor="t">
             <a:normAutofit/>
           </a:bodyPr>
           <a:lstStyle/>
@@ -2794,18 +5213,13 @@
               <a:rPr lang="en-US"/>
               <a:t>Click to edit Master title style</a:t>
             </a:r>
-          </a:p>
-        </p:txBody>
-      </p:sp>
-      <p:sp>
-        <p:nvSpPr>
-          <p:cNvPr id="3" name="Text Placeholder 2">
-            <a:extLst>
-              <a:ext uri="{FF2B5EF4-FFF2-40B4-BE49-F238E27FC236}">
-                <a16:creationId xmlns:a16="http://schemas.microsoft.com/office/drawing/2014/main" id="{7FC54107-9426-4849-9106-130AC7BBB7E1}"/>
-              </a:ext>
-            </a:extLst>
-          </p:cNvPr>
+            <a:endParaRPr lang="en-US" dirty="0"/>
+          </a:p>
+        </p:txBody>
+      </p:sp>
+      <p:sp>
+        <p:nvSpPr>
+          <p:cNvPr id="3" name="Text Placeholder 2"/>
           <p:cNvSpPr>
             <a:spLocks noGrp="1"/>
           </p:cNvSpPr>
@@ -2815,8 +5229,8 @@
         </p:nvSpPr>
         <p:spPr>
           <a:xfrm>
-            <a:off x="838200" y="1825625"/>
-            <a:ext cx="10515600" cy="4351338"/>
+            <a:off x="677334" y="2160589"/>
+            <a:ext cx="8596668" cy="3880773"/>
           </a:xfrm>
           <a:prstGeom prst="rect">
             <a:avLst/>
@@ -2861,18 +5275,13 @@
               <a:rPr lang="en-US"/>
               <a:t>Fifth level</a:t>
             </a:r>
-          </a:p>
-        </p:txBody>
-      </p:sp>
-      <p:sp>
-        <p:nvSpPr>
-          <p:cNvPr id="4" name="Date Placeholder 3">
-            <a:extLst>
-              <a:ext uri="{FF2B5EF4-FFF2-40B4-BE49-F238E27FC236}">
-                <a16:creationId xmlns:a16="http://schemas.microsoft.com/office/drawing/2014/main" id="{578CC6A5-1230-1A66-4BF3-949C683349DE}"/>
-              </a:ext>
-            </a:extLst>
-          </p:cNvPr>
+            <a:endParaRPr lang="en-US" dirty="0"/>
+          </a:p>
+        </p:txBody>
+      </p:sp>
+      <p:sp>
+        <p:nvSpPr>
+          <p:cNvPr id="4" name="Date Placeholder 3"/>
           <p:cNvSpPr>
             <a:spLocks noGrp="1"/>
           </p:cNvSpPr>
@@ -2882,8 +5291,8 @@
         </p:nvSpPr>
         <p:spPr>
           <a:xfrm>
-            <a:off x="838200" y="6356350"/>
-            <a:ext cx="2743200" cy="365125"/>
+            <a:off x="7205133" y="6041362"/>
+            <a:ext cx="911939" cy="365125"/>
           </a:xfrm>
           <a:prstGeom prst="rect">
             <a:avLst/>
@@ -2892,8 +5301,8 @@
         <p:txBody>
           <a:bodyPr vert="horz" lIns="91440" tIns="45720" rIns="91440" bIns="45720" rtlCol="0" anchor="ctr"/>
           <a:lstStyle>
-            <a:lvl1pPr algn="l">
-              <a:defRPr sz="1200">
+            <a:lvl1pPr algn="r">
+              <a:defRPr sz="900">
                 <a:solidFill>
                   <a:schemeClr val="tx1">
                     <a:tint val="75000"/>
@@ -2905,7 +5314,7 @@
           <a:p>
             <a:fld id="{D7466B5C-ADBE-4102-BACE-B76AE415BBFD}" type="datetimeFigureOut">
               <a:rPr lang="en-US" smtClean="0"/>
-              <a:t>4/11/2023</a:t>
+              <a:t>4/17/2023</a:t>
             </a:fld>
             <a:endParaRPr lang="en-US"/>
           </a:p>
@@ -2913,13 +5322,7 @@
       </p:sp>
       <p:sp>
         <p:nvSpPr>
-          <p:cNvPr id="5" name="Footer Placeholder 4">
-            <a:extLst>
-              <a:ext uri="{FF2B5EF4-FFF2-40B4-BE49-F238E27FC236}">
-                <a16:creationId xmlns:a16="http://schemas.microsoft.com/office/drawing/2014/main" id="{9CF7EAF6-BD5F-FEB6-EDBD-CA4CC22C3DF1}"/>
-              </a:ext>
-            </a:extLst>
-          </p:cNvPr>
+          <p:cNvPr id="5" name="Footer Placeholder 4"/>
           <p:cNvSpPr>
             <a:spLocks noGrp="1"/>
           </p:cNvSpPr>
@@ -2929,8 +5332,8 @@
         </p:nvSpPr>
         <p:spPr>
           <a:xfrm>
-            <a:off x="4038600" y="6356350"/>
-            <a:ext cx="4114800" cy="365125"/>
+            <a:off x="677334" y="6041362"/>
+            <a:ext cx="6297612" cy="365125"/>
           </a:xfrm>
           <a:prstGeom prst="rect">
             <a:avLst/>
@@ -2939,8 +5342,8 @@
         <p:txBody>
           <a:bodyPr vert="horz" lIns="91440" tIns="45720" rIns="91440" bIns="45720" rtlCol="0" anchor="ctr"/>
           <a:lstStyle>
-            <a:lvl1pPr algn="ctr">
-              <a:defRPr sz="1200">
+            <a:lvl1pPr algn="l">
+              <a:defRPr sz="900">
                 <a:solidFill>
                   <a:schemeClr val="tx1">
                     <a:tint val="75000"/>
@@ -2956,13 +5359,7 @@
       </p:sp>
       <p:sp>
         <p:nvSpPr>
-          <p:cNvPr id="6" name="Slide Number Placeholder 5">
-            <a:extLst>
-              <a:ext uri="{FF2B5EF4-FFF2-40B4-BE49-F238E27FC236}">
-                <a16:creationId xmlns:a16="http://schemas.microsoft.com/office/drawing/2014/main" id="{F3A0B677-9478-4586-1311-BD9AED4D8688}"/>
-              </a:ext>
-            </a:extLst>
-          </p:cNvPr>
+          <p:cNvPr id="6" name="Slide Number Placeholder 5"/>
           <p:cNvSpPr>
             <a:spLocks noGrp="1"/>
           </p:cNvSpPr>
@@ -2972,8 +5369,8 @@
         </p:nvSpPr>
         <p:spPr>
           <a:xfrm>
-            <a:off x="8610600" y="6356350"/>
-            <a:ext cx="2743200" cy="365125"/>
+            <a:off x="8590663" y="6041362"/>
+            <a:ext cx="683339" cy="365125"/>
           </a:xfrm>
           <a:prstGeom prst="rect">
             <a:avLst/>
@@ -2983,11 +5380,9 @@
           <a:bodyPr vert="horz" lIns="91440" tIns="45720" rIns="91440" bIns="45720" rtlCol="0" anchor="ctr"/>
           <a:lstStyle>
             <a:lvl1pPr algn="r">
-              <a:defRPr sz="1200">
-                <a:solidFill>
-                  <a:schemeClr val="tx1">
-                    <a:tint val="75000"/>
-                  </a:schemeClr>
+              <a:defRPr sz="900">
+                <a:solidFill>
+                  <a:schemeClr val="accent1"/>
                 </a:solidFill>
               </a:defRPr>
             </a:lvl1pPr>
@@ -3004,201 +5399,322 @@
     </p:spTree>
     <p:extLst>
       <p:ext uri="{BB962C8B-B14F-4D97-AF65-F5344CB8AC3E}">
-        <p14:creationId xmlns:p14="http://schemas.microsoft.com/office/powerpoint/2010/main" val="1316438994"/>
+        <p14:creationId xmlns:p14="http://schemas.microsoft.com/office/powerpoint/2010/main" val="1956691933"/>
       </p:ext>
     </p:extLst>
   </p:cSld>
   <p:clrMap bg1="lt1" tx1="dk1" bg2="lt2" tx2="dk2" accent1="accent1" accent2="accent2" accent3="accent3" accent4="accent4" accent5="accent5" accent6="accent6" hlink="hlink" folHlink="folHlink"/>
   <p:sldLayoutIdLst>
-    <p:sldLayoutId id="2147483649" r:id="rId1"/>
-    <p:sldLayoutId id="2147483650" r:id="rId2"/>
-    <p:sldLayoutId id="2147483651" r:id="rId3"/>
-    <p:sldLayoutId id="2147483652" r:id="rId4"/>
-    <p:sldLayoutId id="2147483653" r:id="rId5"/>
-    <p:sldLayoutId id="2147483654" r:id="rId6"/>
-    <p:sldLayoutId id="2147483655" r:id="rId7"/>
-    <p:sldLayoutId id="2147483656" r:id="rId8"/>
-    <p:sldLayoutId id="2147483657" r:id="rId9"/>
-    <p:sldLayoutId id="2147483658" r:id="rId10"/>
-    <p:sldLayoutId id="2147483659" r:id="rId11"/>
+    <p:sldLayoutId id="2147483661" r:id="rId1"/>
+    <p:sldLayoutId id="2147483662" r:id="rId2"/>
+    <p:sldLayoutId id="2147483663" r:id="rId3"/>
+    <p:sldLayoutId id="2147483664" r:id="rId4"/>
+    <p:sldLayoutId id="2147483665" r:id="rId5"/>
+    <p:sldLayoutId id="2147483666" r:id="rId6"/>
+    <p:sldLayoutId id="2147483667" r:id="rId7"/>
+    <p:sldLayoutId id="2147483668" r:id="rId8"/>
+    <p:sldLayoutId id="2147483669" r:id="rId9"/>
+    <p:sldLayoutId id="2147483670" r:id="rId10"/>
+    <p:sldLayoutId id="2147483671" r:id="rId11"/>
+    <p:sldLayoutId id="2147483672" r:id="rId12"/>
+    <p:sldLayoutId id="2147483673" r:id="rId13"/>
+    <p:sldLayoutId id="2147483674" r:id="rId14"/>
+    <p:sldLayoutId id="2147483675" r:id="rId15"/>
+    <p:sldLayoutId id="2147483676" r:id="rId16"/>
   </p:sldLayoutIdLst>
   <p:txStyles>
     <p:titleStyle>
-      <a:lvl1pPr algn="l" defTabSz="914400" rtl="0" eaLnBrk="1" latinLnBrk="0" hangingPunct="1">
-        <a:lnSpc>
-          <a:spcPct val="90000"/>
-        </a:lnSpc>
+      <a:lvl1pPr algn="l" defTabSz="457200" rtl="0" eaLnBrk="1" latinLnBrk="0" hangingPunct="1">
         <a:spcBef>
           <a:spcPct val="0"/>
         </a:spcBef>
         <a:buNone/>
-        <a:defRPr sz="4400" kern="1200">
+        <a:defRPr sz="3600" kern="1200">
           <a:solidFill>
-            <a:schemeClr val="tx1"/>
+            <a:schemeClr val="accent1"/>
           </a:solidFill>
           <a:latin typeface="+mj-lt"/>
           <a:ea typeface="+mj-ea"/>
           <a:cs typeface="+mj-cs"/>
         </a:defRPr>
       </a:lvl1pPr>
+      <a:lvl2pPr eaLnBrk="1" hangingPunct="1">
+        <a:defRPr>
+          <a:solidFill>
+            <a:schemeClr val="tx2"/>
+          </a:solidFill>
+        </a:defRPr>
+      </a:lvl2pPr>
+      <a:lvl3pPr eaLnBrk="1" hangingPunct="1">
+        <a:defRPr>
+          <a:solidFill>
+            <a:schemeClr val="tx2"/>
+          </a:solidFill>
+        </a:defRPr>
+      </a:lvl3pPr>
+      <a:lvl4pPr eaLnBrk="1" hangingPunct="1">
+        <a:defRPr>
+          <a:solidFill>
+            <a:schemeClr val="tx2"/>
+          </a:solidFill>
+        </a:defRPr>
+      </a:lvl4pPr>
+      <a:lvl5pPr eaLnBrk="1" hangingPunct="1">
+        <a:defRPr>
+          <a:solidFill>
+            <a:schemeClr val="tx2"/>
+          </a:solidFill>
+        </a:defRPr>
+      </a:lvl5pPr>
+      <a:lvl6pPr eaLnBrk="1" hangingPunct="1">
+        <a:defRPr>
+          <a:solidFill>
+            <a:schemeClr val="tx2"/>
+          </a:solidFill>
+        </a:defRPr>
+      </a:lvl6pPr>
+      <a:lvl7pPr eaLnBrk="1" hangingPunct="1">
+        <a:defRPr>
+          <a:solidFill>
+            <a:schemeClr val="tx2"/>
+          </a:solidFill>
+        </a:defRPr>
+      </a:lvl7pPr>
+      <a:lvl8pPr eaLnBrk="1" hangingPunct="1">
+        <a:defRPr>
+          <a:solidFill>
+            <a:schemeClr val="tx2"/>
+          </a:solidFill>
+        </a:defRPr>
+      </a:lvl8pPr>
+      <a:lvl9pPr eaLnBrk="1" hangingPunct="1">
+        <a:defRPr>
+          <a:solidFill>
+            <a:schemeClr val="tx2"/>
+          </a:solidFill>
+        </a:defRPr>
+      </a:lvl9pPr>
     </p:titleStyle>
     <p:bodyStyle>
-      <a:lvl1pPr marL="228600" indent="-228600" algn="l" defTabSz="914400" rtl="0" eaLnBrk="1" latinLnBrk="0" hangingPunct="1">
-        <a:lnSpc>
-          <a:spcPct val="90000"/>
-        </a:lnSpc>
+      <a:lvl1pPr marL="342900" indent="-342900" algn="l" defTabSz="457200" rtl="0" eaLnBrk="1" latinLnBrk="0" hangingPunct="1">
         <a:spcBef>
           <a:spcPts val="1000"/>
         </a:spcBef>
-        <a:buFont typeface="Arial" panose="020B0604020202020204" pitchFamily="34" charset="0"/>
-        <a:buChar char="•"/>
-        <a:defRPr sz="2800" kern="1200">
+        <a:spcAft>
+          <a:spcPts val="0"/>
+        </a:spcAft>
+        <a:buClr>
+          <a:schemeClr val="accent1"/>
+        </a:buClr>
+        <a:buSzPct val="80000"/>
+        <a:buFont typeface="Wingdings 3" charset="2"/>
+        <a:buChar char=""/>
+        <a:defRPr sz="1800" kern="1200">
           <a:solidFill>
-            <a:schemeClr val="tx1"/>
+            <a:schemeClr val="tx1">
+              <a:lumMod val="75000"/>
+              <a:lumOff val="25000"/>
+            </a:schemeClr>
           </a:solidFill>
           <a:latin typeface="+mn-lt"/>
           <a:ea typeface="+mn-ea"/>
           <a:cs typeface="+mn-cs"/>
         </a:defRPr>
       </a:lvl1pPr>
-      <a:lvl2pPr marL="685800" indent="-228600" algn="l" defTabSz="914400" rtl="0" eaLnBrk="1" latinLnBrk="0" hangingPunct="1">
-        <a:lnSpc>
-          <a:spcPct val="90000"/>
-        </a:lnSpc>
+      <a:lvl2pPr marL="742950" indent="-285750" algn="l" defTabSz="457200" rtl="0" eaLnBrk="1" latinLnBrk="0" hangingPunct="1">
         <a:spcBef>
-          <a:spcPts val="500"/>
+          <a:spcPts val="1000"/>
         </a:spcBef>
-        <a:buFont typeface="Arial" panose="020B0604020202020204" pitchFamily="34" charset="0"/>
-        <a:buChar char="•"/>
-        <a:defRPr sz="2400" kern="1200">
+        <a:spcAft>
+          <a:spcPts val="0"/>
+        </a:spcAft>
+        <a:buClr>
+          <a:schemeClr val="accent1"/>
+        </a:buClr>
+        <a:buSzPct val="80000"/>
+        <a:buFont typeface="Wingdings 3" charset="2"/>
+        <a:buChar char=""/>
+        <a:defRPr sz="1600" kern="1200">
           <a:solidFill>
-            <a:schemeClr val="tx1"/>
+            <a:schemeClr val="tx1">
+              <a:lumMod val="75000"/>
+              <a:lumOff val="25000"/>
+            </a:schemeClr>
           </a:solidFill>
           <a:latin typeface="+mn-lt"/>
           <a:ea typeface="+mn-ea"/>
           <a:cs typeface="+mn-cs"/>
         </a:defRPr>
       </a:lvl2pPr>
-      <a:lvl3pPr marL="1143000" indent="-228600" algn="l" defTabSz="914400" rtl="0" eaLnBrk="1" latinLnBrk="0" hangingPunct="1">
-        <a:lnSpc>
-          <a:spcPct val="90000"/>
-        </a:lnSpc>
+      <a:lvl3pPr marL="1143000" indent="-228600" algn="l" defTabSz="457200" rtl="0" eaLnBrk="1" latinLnBrk="0" hangingPunct="1">
         <a:spcBef>
-          <a:spcPts val="500"/>
+          <a:spcPts val="1000"/>
         </a:spcBef>
-        <a:buFont typeface="Arial" panose="020B0604020202020204" pitchFamily="34" charset="0"/>
-        <a:buChar char="•"/>
-        <a:defRPr sz="2000" kern="1200">
+        <a:spcAft>
+          <a:spcPts val="0"/>
+        </a:spcAft>
+        <a:buClr>
+          <a:schemeClr val="accent1"/>
+        </a:buClr>
+        <a:buSzPct val="80000"/>
+        <a:buFont typeface="Wingdings 3" charset="2"/>
+        <a:buChar char=""/>
+        <a:defRPr sz="1400" kern="1200">
           <a:solidFill>
-            <a:schemeClr val="tx1"/>
+            <a:schemeClr val="tx1">
+              <a:lumMod val="75000"/>
+              <a:lumOff val="25000"/>
+            </a:schemeClr>
           </a:solidFill>
           <a:latin typeface="+mn-lt"/>
           <a:ea typeface="+mn-ea"/>
           <a:cs typeface="+mn-cs"/>
         </a:defRPr>
       </a:lvl3pPr>
-      <a:lvl4pPr marL="1600200" indent="-228600" algn="l" defTabSz="914400" rtl="0" eaLnBrk="1" latinLnBrk="0" hangingPunct="1">
-        <a:lnSpc>
-          <a:spcPct val="90000"/>
-        </a:lnSpc>
+      <a:lvl4pPr marL="1600200" indent="-228600" algn="l" defTabSz="457200" rtl="0" eaLnBrk="1" latinLnBrk="0" hangingPunct="1">
         <a:spcBef>
-          <a:spcPts val="500"/>
+          <a:spcPts val="1000"/>
         </a:spcBef>
-        <a:buFont typeface="Arial" panose="020B0604020202020204" pitchFamily="34" charset="0"/>
-        <a:buChar char="•"/>
-        <a:defRPr sz="1800" kern="1200">
+        <a:spcAft>
+          <a:spcPts val="0"/>
+        </a:spcAft>
+        <a:buClr>
+          <a:schemeClr val="accent1"/>
+        </a:buClr>
+        <a:buSzPct val="80000"/>
+        <a:buFont typeface="Wingdings 3" charset="2"/>
+        <a:buChar char=""/>
+        <a:defRPr sz="1200" kern="1200">
           <a:solidFill>
-            <a:schemeClr val="tx1"/>
+            <a:schemeClr val="tx1">
+              <a:lumMod val="75000"/>
+              <a:lumOff val="25000"/>
+            </a:schemeClr>
           </a:solidFill>
           <a:latin typeface="+mn-lt"/>
           <a:ea typeface="+mn-ea"/>
           <a:cs typeface="+mn-cs"/>
         </a:defRPr>
       </a:lvl4pPr>
-      <a:lvl5pPr marL="2057400" indent="-228600" algn="l" defTabSz="914400" rtl="0" eaLnBrk="1" latinLnBrk="0" hangingPunct="1">
-        <a:lnSpc>
-          <a:spcPct val="90000"/>
-        </a:lnSpc>
+      <a:lvl5pPr marL="2057400" indent="-228600" algn="l" defTabSz="457200" rtl="0" eaLnBrk="1" latinLnBrk="0" hangingPunct="1">
         <a:spcBef>
-          <a:spcPts val="500"/>
+          <a:spcPts val="1000"/>
         </a:spcBef>
-        <a:buFont typeface="Arial" panose="020B0604020202020204" pitchFamily="34" charset="0"/>
-        <a:buChar char="•"/>
-        <a:defRPr sz="1800" kern="1200">
+        <a:spcAft>
+          <a:spcPts val="0"/>
+        </a:spcAft>
+        <a:buClr>
+          <a:schemeClr val="accent1"/>
+        </a:buClr>
+        <a:buSzPct val="80000"/>
+        <a:buFont typeface="Wingdings 3" charset="2"/>
+        <a:buChar char=""/>
+        <a:defRPr sz="1200" kern="1200">
           <a:solidFill>
-            <a:schemeClr val="tx1"/>
+            <a:schemeClr val="tx1">
+              <a:lumMod val="75000"/>
+              <a:lumOff val="25000"/>
+            </a:schemeClr>
           </a:solidFill>
           <a:latin typeface="+mn-lt"/>
           <a:ea typeface="+mn-ea"/>
           <a:cs typeface="+mn-cs"/>
         </a:defRPr>
       </a:lvl5pPr>
-      <a:lvl6pPr marL="2514600" indent="-228600" algn="l" defTabSz="914400" rtl="0" eaLnBrk="1" latinLnBrk="0" hangingPunct="1">
-        <a:lnSpc>
-          <a:spcPct val="90000"/>
-        </a:lnSpc>
+      <a:lvl6pPr marL="2514600" indent="-228600" algn="l" defTabSz="457200" rtl="0" eaLnBrk="1" latinLnBrk="0" hangingPunct="1">
         <a:spcBef>
-          <a:spcPts val="500"/>
+          <a:spcPts val="1000"/>
         </a:spcBef>
-        <a:buFont typeface="Arial" panose="020B0604020202020204" pitchFamily="34" charset="0"/>
-        <a:buChar char="•"/>
-        <a:defRPr sz="1800" kern="1200">
+        <a:spcAft>
+          <a:spcPts val="0"/>
+        </a:spcAft>
+        <a:buClr>
+          <a:schemeClr val="accent1"/>
+        </a:buClr>
+        <a:buSzPct val="80000"/>
+        <a:buFont typeface="Wingdings 3" charset="2"/>
+        <a:buChar char=""/>
+        <a:defRPr sz="1200" kern="1200">
           <a:solidFill>
-            <a:schemeClr val="tx1"/>
+            <a:schemeClr val="tx1">
+              <a:lumMod val="75000"/>
+              <a:lumOff val="25000"/>
+            </a:schemeClr>
           </a:solidFill>
           <a:latin typeface="+mn-lt"/>
           <a:ea typeface="+mn-ea"/>
           <a:cs typeface="+mn-cs"/>
         </a:defRPr>
       </a:lvl6pPr>
-      <a:lvl7pPr marL="2971800" indent="-228600" algn="l" defTabSz="914400" rtl="0" eaLnBrk="1" latinLnBrk="0" hangingPunct="1">
-        <a:lnSpc>
-          <a:spcPct val="90000"/>
-        </a:lnSpc>
+      <a:lvl7pPr marL="2971800" indent="-228600" algn="l" defTabSz="457200" rtl="0" eaLnBrk="1" latinLnBrk="0" hangingPunct="1">
         <a:spcBef>
-          <a:spcPts val="500"/>
+          <a:spcPts val="1000"/>
         </a:spcBef>
-        <a:buFont typeface="Arial" panose="020B0604020202020204" pitchFamily="34" charset="0"/>
-        <a:buChar char="•"/>
-        <a:defRPr sz="1800" kern="1200">
+        <a:spcAft>
+          <a:spcPts val="0"/>
+        </a:spcAft>
+        <a:buClr>
+          <a:schemeClr val="accent1"/>
+        </a:buClr>
+        <a:buSzPct val="80000"/>
+        <a:buFont typeface="Wingdings 3" charset="2"/>
+        <a:buChar char=""/>
+        <a:defRPr sz="1200" kern="1200">
           <a:solidFill>
-            <a:schemeClr val="tx1"/>
+            <a:schemeClr val="tx1">
+              <a:lumMod val="75000"/>
+              <a:lumOff val="25000"/>
+            </a:schemeClr>
           </a:solidFill>
           <a:latin typeface="+mn-lt"/>
           <a:ea typeface="+mn-ea"/>
           <a:cs typeface="+mn-cs"/>
         </a:defRPr>
       </a:lvl7pPr>
-      <a:lvl8pPr marL="3429000" indent="-228600" algn="l" defTabSz="914400" rtl="0" eaLnBrk="1" latinLnBrk="0" hangingPunct="1">
-        <a:lnSpc>
-          <a:spcPct val="90000"/>
-        </a:lnSpc>
+      <a:lvl8pPr marL="3429000" indent="-228600" algn="l" defTabSz="457200" rtl="0" eaLnBrk="1" latinLnBrk="0" hangingPunct="1">
         <a:spcBef>
-          <a:spcPts val="500"/>
+          <a:spcPts val="1000"/>
         </a:spcBef>
-        <a:buFont typeface="Arial" panose="020B0604020202020204" pitchFamily="34" charset="0"/>
-        <a:buChar char="•"/>
-        <a:defRPr sz="1800" kern="1200">
+        <a:spcAft>
+          <a:spcPts val="0"/>
+        </a:spcAft>
+        <a:buClr>
+          <a:schemeClr val="accent1"/>
+        </a:buClr>
+        <a:buSzPct val="80000"/>
+        <a:buFont typeface="Wingdings 3" charset="2"/>
+        <a:buChar char=""/>
+        <a:defRPr sz="1200" kern="1200">
           <a:solidFill>
-            <a:schemeClr val="tx1"/>
+            <a:schemeClr val="tx1">
+              <a:lumMod val="75000"/>
+              <a:lumOff val="25000"/>
+            </a:schemeClr>
           </a:solidFill>
           <a:latin typeface="+mn-lt"/>
           <a:ea typeface="+mn-ea"/>
           <a:cs typeface="+mn-cs"/>
         </a:defRPr>
       </a:lvl8pPr>
-      <a:lvl9pPr marL="3886200" indent="-228600" algn="l" defTabSz="914400" rtl="0" eaLnBrk="1" latinLnBrk="0" hangingPunct="1">
-        <a:lnSpc>
-          <a:spcPct val="90000"/>
-        </a:lnSpc>
+      <a:lvl9pPr marL="3886200" indent="-228600" algn="l" defTabSz="457200" rtl="0" eaLnBrk="1" latinLnBrk="0" hangingPunct="1">
         <a:spcBef>
-          <a:spcPts val="500"/>
+          <a:spcPts val="1000"/>
         </a:spcBef>
-        <a:buFont typeface="Arial" panose="020B0604020202020204" pitchFamily="34" charset="0"/>
-        <a:buChar char="•"/>
-        <a:defRPr sz="1800" kern="1200">
+        <a:spcAft>
+          <a:spcPts val="0"/>
+        </a:spcAft>
+        <a:buClr>
+          <a:schemeClr val="accent1"/>
+        </a:buClr>
+        <a:buSzPct val="80000"/>
+        <a:buFont typeface="Wingdings 3" charset="2"/>
+        <a:buChar char=""/>
+        <a:defRPr sz="1200" kern="1200">
           <a:solidFill>
-            <a:schemeClr val="tx1"/>
+            <a:schemeClr val="tx1">
+              <a:lumMod val="75000"/>
+              <a:lumOff val="25000"/>
+            </a:schemeClr>
           </a:solidFill>
           <a:latin typeface="+mn-lt"/>
           <a:ea typeface="+mn-ea"/>
@@ -3210,7 +5726,7 @@
       <a:defPPr>
         <a:defRPr lang="en-US"/>
       </a:defPPr>
-      <a:lvl1pPr marL="0" algn="l" defTabSz="914400" rtl="0" eaLnBrk="1" latinLnBrk="0" hangingPunct="1">
+      <a:lvl1pPr marL="0" algn="l" defTabSz="457200" rtl="0" eaLnBrk="1" latinLnBrk="0" hangingPunct="1">
         <a:defRPr sz="1800" kern="1200">
           <a:solidFill>
             <a:schemeClr val="tx1"/>
@@ -3220,7 +5736,7 @@
           <a:cs typeface="+mn-cs"/>
         </a:defRPr>
       </a:lvl1pPr>
-      <a:lvl2pPr marL="457200" algn="l" defTabSz="914400" rtl="0" eaLnBrk="1" latinLnBrk="0" hangingPunct="1">
+      <a:lvl2pPr marL="457200" algn="l" defTabSz="457200" rtl="0" eaLnBrk="1" latinLnBrk="0" hangingPunct="1">
         <a:defRPr sz="1800" kern="1200">
           <a:solidFill>
             <a:schemeClr val="tx1"/>
@@ -3230,7 +5746,7 @@
           <a:cs typeface="+mn-cs"/>
         </a:defRPr>
       </a:lvl2pPr>
-      <a:lvl3pPr marL="914400" algn="l" defTabSz="914400" rtl="0" eaLnBrk="1" latinLnBrk="0" hangingPunct="1">
+      <a:lvl3pPr marL="914400" algn="l" defTabSz="457200" rtl="0" eaLnBrk="1" latinLnBrk="0" hangingPunct="1">
         <a:defRPr sz="1800" kern="1200">
           <a:solidFill>
             <a:schemeClr val="tx1"/>
@@ -3240,7 +5756,7 @@
           <a:cs typeface="+mn-cs"/>
         </a:defRPr>
       </a:lvl3pPr>
-      <a:lvl4pPr marL="1371600" algn="l" defTabSz="914400" rtl="0" eaLnBrk="1" latinLnBrk="0" hangingPunct="1">
+      <a:lvl4pPr marL="1371600" algn="l" defTabSz="457200" rtl="0" eaLnBrk="1" latinLnBrk="0" hangingPunct="1">
         <a:defRPr sz="1800" kern="1200">
           <a:solidFill>
             <a:schemeClr val="tx1"/>
@@ -3250,7 +5766,7 @@
           <a:cs typeface="+mn-cs"/>
         </a:defRPr>
       </a:lvl4pPr>
-      <a:lvl5pPr marL="1828800" algn="l" defTabSz="914400" rtl="0" eaLnBrk="1" latinLnBrk="0" hangingPunct="1">
+      <a:lvl5pPr marL="1828800" algn="l" defTabSz="457200" rtl="0" eaLnBrk="1" latinLnBrk="0" hangingPunct="1">
         <a:defRPr sz="1800" kern="1200">
           <a:solidFill>
             <a:schemeClr val="tx1"/>
@@ -3260,7 +5776,7 @@
           <a:cs typeface="+mn-cs"/>
         </a:defRPr>
       </a:lvl5pPr>
-      <a:lvl6pPr marL="2286000" algn="l" defTabSz="914400" rtl="0" eaLnBrk="1" latinLnBrk="0" hangingPunct="1">
+      <a:lvl6pPr marL="2286000" algn="l" defTabSz="457200" rtl="0" eaLnBrk="1" latinLnBrk="0" hangingPunct="1">
         <a:defRPr sz="1800" kern="1200">
           <a:solidFill>
             <a:schemeClr val="tx1"/>
@@ -3270,7 +5786,7 @@
           <a:cs typeface="+mn-cs"/>
         </a:defRPr>
       </a:lvl6pPr>
-      <a:lvl7pPr marL="2743200" algn="l" defTabSz="914400" rtl="0" eaLnBrk="1" latinLnBrk="0" hangingPunct="1">
+      <a:lvl7pPr marL="2743200" algn="l" defTabSz="457200" rtl="0" eaLnBrk="1" latinLnBrk="0" hangingPunct="1">
         <a:defRPr sz="1800" kern="1200">
           <a:solidFill>
             <a:schemeClr val="tx1"/>
@@ -3280,7 +5796,7 @@
           <a:cs typeface="+mn-cs"/>
         </a:defRPr>
       </a:lvl7pPr>
-      <a:lvl8pPr marL="3200400" algn="l" defTabSz="914400" rtl="0" eaLnBrk="1" latinLnBrk="0" hangingPunct="1">
+      <a:lvl8pPr marL="3200400" algn="l" defTabSz="457200" rtl="0" eaLnBrk="1" latinLnBrk="0" hangingPunct="1">
         <a:defRPr sz="1800" kern="1200">
           <a:solidFill>
             <a:schemeClr val="tx1"/>
@@ -3290,7 +5806,7 @@
           <a:cs typeface="+mn-cs"/>
         </a:defRPr>
       </a:lvl8pPr>
-      <a:lvl9pPr marL="3657600" algn="l" defTabSz="914400" rtl="0" eaLnBrk="1" latinLnBrk="0" hangingPunct="1">
+      <a:lvl9pPr marL="3657600" algn="l" defTabSz="457200" rtl="0" eaLnBrk="1" latinLnBrk="0" hangingPunct="1">
         <a:defRPr sz="1800" kern="1200">
           <a:solidFill>
             <a:schemeClr val="tx1"/>
@@ -3338,7 +5854,12 @@
             <p:ph type="ctrTitle"/>
           </p:nvPr>
         </p:nvSpPr>
-        <p:spPr/>
+        <p:spPr>
+          <a:xfrm>
+            <a:off x="900332" y="1378634"/>
+            <a:ext cx="6991643" cy="1927274"/>
+          </a:xfrm>
+        </p:spPr>
         <p:txBody>
           <a:bodyPr/>
           <a:lstStyle/>
@@ -3373,11 +5894,19 @@
           <a:p>
             <a:r>
               <a:rPr lang="en-US" dirty="0" err="1"/>
+              <a:t>Pipingrock</a:t>
+            </a:r>
+            <a:r>
+              <a:rPr lang="en-US" dirty="0"/>
+              <a:t> </a:t>
+            </a:r>
+            <a:r>
+              <a:rPr lang="en-US" dirty="0" err="1"/>
               <a:t>Emojitor</a:t>
             </a:r>
             <a:r>
               <a:rPr lang="en-US" dirty="0"/>
-              <a:t> network:</a:t>
+              <a:t> network</a:t>
             </a:r>
           </a:p>
         </p:txBody>
@@ -3386,6 +5915,253 @@
     <p:extLst>
       <p:ext uri="{BB962C8B-B14F-4D97-AF65-F5344CB8AC3E}">
         <p14:creationId xmlns:p14="http://schemas.microsoft.com/office/powerpoint/2010/main" val="1037411649"/>
+      </p:ext>
+    </p:extLst>
+  </p:cSld>
+  <p:clrMapOvr>
+    <a:masterClrMapping/>
+  </p:clrMapOvr>
+</p:sld>
+</file>
+
+<file path=ppt/slides/slide10.xml><?xml version="1.0" encoding="utf-8"?>
+<p:sld xmlns:a="http://schemas.openxmlformats.org/drawingml/2006/main" xmlns:r="http://schemas.openxmlformats.org/officeDocument/2006/relationships" xmlns:p="http://schemas.openxmlformats.org/presentationml/2006/main">
+  <p:cSld>
+    <p:spTree>
+      <p:nvGrpSpPr>
+        <p:cNvPr id="1" name=""/>
+        <p:cNvGrpSpPr/>
+        <p:nvPr/>
+      </p:nvGrpSpPr>
+      <p:grpSpPr>
+        <a:xfrm>
+          <a:off x="0" y="0"/>
+          <a:ext cx="0" cy="0"/>
+          <a:chOff x="0" y="0"/>
+          <a:chExt cx="0" cy="0"/>
+        </a:xfrm>
+      </p:grpSpPr>
+      <p:sp>
+        <p:nvSpPr>
+          <p:cNvPr id="2" name="Title 1">
+            <a:extLst>
+              <a:ext uri="{FF2B5EF4-FFF2-40B4-BE49-F238E27FC236}">
+                <a16:creationId xmlns:a16="http://schemas.microsoft.com/office/drawing/2014/main" id="{28A95C7A-F0B3-E88E-5CFB-EC0BE13EB3B1}"/>
+              </a:ext>
+            </a:extLst>
+          </p:cNvPr>
+          <p:cNvSpPr>
+            <a:spLocks noGrp="1"/>
+          </p:cNvSpPr>
+          <p:nvPr>
+            <p:ph type="title"/>
+          </p:nvPr>
+        </p:nvSpPr>
+        <p:spPr>
+          <a:xfrm>
+            <a:off x="677334" y="609600"/>
+            <a:ext cx="8596668" cy="834887"/>
+          </a:xfrm>
+        </p:spPr>
+        <p:txBody>
+          <a:bodyPr/>
+          <a:lstStyle/>
+          <a:p>
+            <a:r>
+              <a:rPr lang="en-US" dirty="0"/>
+              <a:t>Route 53</a:t>
+            </a:r>
+          </a:p>
+        </p:txBody>
+      </p:sp>
+      <p:sp>
+        <p:nvSpPr>
+          <p:cNvPr id="3" name="Content Placeholder 2">
+            <a:extLst>
+              <a:ext uri="{FF2B5EF4-FFF2-40B4-BE49-F238E27FC236}">
+                <a16:creationId xmlns:a16="http://schemas.microsoft.com/office/drawing/2014/main" id="{AD946B3F-38EC-B523-64CD-05B6BD4548E2}"/>
+              </a:ext>
+            </a:extLst>
+          </p:cNvPr>
+          <p:cNvSpPr>
+            <a:spLocks noGrp="1"/>
+          </p:cNvSpPr>
+          <p:nvPr>
+            <p:ph idx="1"/>
+          </p:nvPr>
+        </p:nvSpPr>
+        <p:spPr>
+          <a:xfrm>
+            <a:off x="677334" y="1444487"/>
+            <a:ext cx="8596668" cy="4596875"/>
+          </a:xfrm>
+        </p:spPr>
+        <p:txBody>
+          <a:bodyPr/>
+          <a:lstStyle/>
+          <a:p>
+            <a:pPr algn="l">
+              <a:buFont typeface="Arial" panose="020B0604020202020204" pitchFamily="34" charset="0"/>
+              <a:buChar char="•"/>
+            </a:pPr>
+            <a:r>
+              <a:rPr lang="en-US" b="0" i="0" dirty="0">
+                <a:solidFill>
+                  <a:srgbClr val="172B4D"/>
+                </a:solidFill>
+                <a:effectLst/>
+                <a:latin typeface="-apple-system"/>
+              </a:rPr>
+              <a:t>Translates website names into IP addresses using </a:t>
+            </a:r>
+          </a:p>
+          <a:p>
+            <a:pPr marL="742950" lvl="1" indent="-285750" algn="l">
+              <a:buFont typeface="Arial" panose="020B0604020202020204" pitchFamily="34" charset="0"/>
+              <a:buChar char="•"/>
+            </a:pPr>
+            <a:r>
+              <a:rPr lang="en-US" b="0" i="0" dirty="0">
+                <a:solidFill>
+                  <a:srgbClr val="172B4D"/>
+                </a:solidFill>
+                <a:effectLst/>
+                <a:latin typeface="-apple-system"/>
+              </a:rPr>
+              <a:t>Can also buy and manage domain names</a:t>
+            </a:r>
+          </a:p>
+          <a:p>
+            <a:pPr algn="l">
+              <a:buFont typeface="Arial" panose="020B0604020202020204" pitchFamily="34" charset="0"/>
+              <a:buChar char="•"/>
+            </a:pPr>
+            <a:r>
+              <a:rPr lang="en-US" b="0" i="0" dirty="0">
+                <a:solidFill>
+                  <a:srgbClr val="172B4D"/>
+                </a:solidFill>
+                <a:effectLst/>
+                <a:latin typeface="-apple-system"/>
+              </a:rPr>
+              <a:t>Routing policies that include:</a:t>
+            </a:r>
+          </a:p>
+          <a:p>
+            <a:pPr marL="742950" lvl="1" indent="-285750" algn="l">
+              <a:buFont typeface="Arial" panose="020B0604020202020204" pitchFamily="34" charset="0"/>
+              <a:buChar char="•"/>
+            </a:pPr>
+            <a:r>
+              <a:rPr lang="en-US" b="0" i="0" dirty="0">
+                <a:solidFill>
+                  <a:srgbClr val="172B4D"/>
+                </a:solidFill>
+                <a:effectLst/>
+                <a:latin typeface="-apple-system"/>
+              </a:rPr>
+              <a:t>Latency-based routing</a:t>
+            </a:r>
+          </a:p>
+          <a:p>
+            <a:pPr marL="742950" lvl="1" indent="-285750" algn="l">
+              <a:buFont typeface="Arial" panose="020B0604020202020204" pitchFamily="34" charset="0"/>
+              <a:buChar char="•"/>
+            </a:pPr>
+            <a:r>
+              <a:rPr lang="en-US" b="0" i="0" dirty="0">
+                <a:solidFill>
+                  <a:srgbClr val="172B4D"/>
+                </a:solidFill>
+                <a:effectLst/>
+                <a:latin typeface="-apple-system"/>
+              </a:rPr>
+              <a:t>Geolocation DNS</a:t>
+            </a:r>
+          </a:p>
+          <a:p>
+            <a:pPr marL="1143000" lvl="2" indent="-228600" algn="l">
+              <a:buFont typeface="Arial" panose="020B0604020202020204" pitchFamily="34" charset="0"/>
+              <a:buChar char="•"/>
+            </a:pPr>
+            <a:r>
+              <a:rPr lang="en-US" b="0" i="0" dirty="0">
+                <a:solidFill>
+                  <a:srgbClr val="172B4D"/>
+                </a:solidFill>
+                <a:effectLst/>
+                <a:latin typeface="-apple-system"/>
+              </a:rPr>
+              <a:t>Traffic is routed to the region closest to their geographical location</a:t>
+            </a:r>
+          </a:p>
+          <a:p>
+            <a:pPr marL="742950" lvl="1" indent="-285750" algn="l">
+              <a:buFont typeface="Arial" panose="020B0604020202020204" pitchFamily="34" charset="0"/>
+              <a:buChar char="•"/>
+            </a:pPr>
+            <a:r>
+              <a:rPr lang="en-US" b="0" i="0" dirty="0" err="1">
+                <a:solidFill>
+                  <a:srgbClr val="172B4D"/>
+                </a:solidFill>
+                <a:effectLst/>
+                <a:latin typeface="-apple-system"/>
+              </a:rPr>
+              <a:t>Geoproximity</a:t>
+            </a:r>
+            <a:r>
+              <a:rPr lang="en-US" b="0" i="0" dirty="0">
+                <a:solidFill>
+                  <a:srgbClr val="172B4D"/>
+                </a:solidFill>
+                <a:effectLst/>
+                <a:latin typeface="-apple-system"/>
+              </a:rPr>
+              <a:t> routing</a:t>
+            </a:r>
+          </a:p>
+          <a:p>
+            <a:pPr marL="742950" lvl="1" indent="-285750" algn="l">
+              <a:buFont typeface="Arial" panose="020B0604020202020204" pitchFamily="34" charset="0"/>
+              <a:buChar char="•"/>
+            </a:pPr>
+            <a:r>
+              <a:rPr lang="en-US" b="0" i="0" dirty="0">
+                <a:solidFill>
+                  <a:srgbClr val="172B4D"/>
+                </a:solidFill>
+                <a:effectLst/>
+                <a:latin typeface="-apple-system"/>
+              </a:rPr>
+              <a:t>Weighted round robin</a:t>
+            </a:r>
+          </a:p>
+          <a:p>
+            <a:pPr algn="l">
+              <a:buFont typeface="Arial" panose="020B0604020202020204" pitchFamily="34" charset="0"/>
+              <a:buChar char="•"/>
+            </a:pPr>
+            <a:r>
+              <a:rPr lang="en-US" b="0" i="0" dirty="0">
+                <a:solidFill>
+                  <a:srgbClr val="172B4D"/>
+                </a:solidFill>
+                <a:effectLst/>
+                <a:latin typeface="-apple-system"/>
+              </a:rPr>
+              <a:t>Works with CloudFront (CDN) to deliver edge content to the nearest edge location to the user</a:t>
+            </a:r>
+          </a:p>
+          <a:p>
+            <a:endParaRPr lang="en-US" dirty="0"/>
+          </a:p>
+        </p:txBody>
+      </p:sp>
+    </p:spTree>
+    <p:extLst>
+      <p:ext uri="{BB962C8B-B14F-4D97-AF65-F5344CB8AC3E}">
+        <p14:creationId xmlns:p14="http://schemas.microsoft.com/office/powerpoint/2010/main" val="3800952908"/>
       </p:ext>
     </p:extLst>
   </p:cSld>
@@ -3430,56 +6206,41 @@
         </p:nvSpPr>
         <p:spPr>
           <a:xfrm>
-            <a:off x="838200" y="424070"/>
-            <a:ext cx="10515600" cy="5752893"/>
+            <a:off x="1020416" y="1311965"/>
+            <a:ext cx="10333383" cy="4864998"/>
           </a:xfrm>
         </p:spPr>
         <p:txBody>
           <a:bodyPr>
-            <a:normAutofit fontScale="62500" lnSpcReduction="20000"/>
+            <a:normAutofit/>
           </a:bodyPr>
           <a:lstStyle/>
           <a:p>
+            <a:endParaRPr lang="en-US" dirty="0"/>
+          </a:p>
+          <a:p>
             <a:r>
               <a:rPr lang="en-US" dirty="0"/>
-              <a:t>Limitations:</a:t>
-            </a:r>
-          </a:p>
-          <a:p>
-            <a:endParaRPr lang="en-US" dirty="0"/>
+              <a:t>Reading of new Records (messages) more often than old records (messages)</a:t>
+            </a:r>
           </a:p>
           <a:p>
             <a:r>
               <a:rPr lang="en-US" dirty="0"/>
-              <a:t>Celebrities with the number of followers up to 100K</a:t>
+              <a:t>Hit rate on Cache: 10%</a:t>
             </a:r>
           </a:p>
           <a:p>
             <a:r>
               <a:rPr lang="en-US" dirty="0"/>
-              <a:t>Regular users: up to 5K followers</a:t>
+              <a:t>Timeline: 300k request per second</a:t>
             </a:r>
           </a:p>
           <a:p>
             <a:r>
               <a:rPr lang="en-US" dirty="0"/>
-              <a:t>Limitation for the number of users to follow per on person: 5K</a:t>
-            </a:r>
-          </a:p>
-          <a:p>
-            <a:endParaRPr lang="en-US" dirty="0"/>
-          </a:p>
-          <a:p>
-            <a:r>
-              <a:rPr lang="en-US" dirty="0"/>
-              <a:t>1M of users, 10M writes, 100M reads, 1:10 ratio</a:t>
-            </a:r>
-          </a:p>
-          <a:p>
-            <a:endParaRPr lang="en-US" dirty="0"/>
-          </a:p>
-          <a:p>
-            <a:endParaRPr lang="en-US" dirty="0"/>
+              <a:t>System load: 1M of users, 10M writes, 100M reads, 1:10 ratio</a:t>
+            </a:r>
           </a:p>
           <a:p>
             <a:r>
@@ -3491,40 +6252,40 @@
             <a:endParaRPr lang="en-US" dirty="0"/>
           </a:p>
           <a:p>
+            <a:endParaRPr lang="en-US" dirty="0"/>
+          </a:p>
+        </p:txBody>
+      </p:sp>
+      <p:sp>
+        <p:nvSpPr>
+          <p:cNvPr id="2" name="Title 1">
+            <a:extLst>
+              <a:ext uri="{FF2B5EF4-FFF2-40B4-BE49-F238E27FC236}">
+                <a16:creationId xmlns:a16="http://schemas.microsoft.com/office/drawing/2014/main" id="{B4D9BDF7-9297-0ACD-705D-DC35F412C219}"/>
+              </a:ext>
+            </a:extLst>
+          </p:cNvPr>
+          <p:cNvSpPr>
+            <a:spLocks noGrp="1"/>
+          </p:cNvSpPr>
+          <p:nvPr>
+            <p:ph type="title"/>
+          </p:nvPr>
+        </p:nvSpPr>
+        <p:spPr>
+          <a:xfrm>
+            <a:off x="677334" y="609600"/>
+            <a:ext cx="8596668" cy="1320800"/>
+          </a:xfrm>
+        </p:spPr>
+        <p:txBody>
+          <a:bodyPr/>
+          <a:lstStyle/>
+          <a:p>
             <a:r>
               <a:rPr lang="en-US" dirty="0"/>
-              <a:t>Reading of new Records (messages) more often than old records (messages)</a:t>
-            </a:r>
-          </a:p>
-          <a:p>
-            <a:endParaRPr lang="en-US" dirty="0"/>
-          </a:p>
-          <a:p>
-            <a:r>
-              <a:rPr lang="en-US" dirty="0"/>
-              <a:t>Reliability</a:t>
-            </a:r>
-          </a:p>
-          <a:p>
-            <a:endParaRPr lang="en-US" dirty="0"/>
-          </a:p>
-          <a:p>
-            <a:r>
-              <a:rPr lang="en-US" dirty="0"/>
-              <a:t>Scalability</a:t>
-            </a:r>
-          </a:p>
-          <a:p>
-            <a:endParaRPr lang="en-US" dirty="0"/>
-          </a:p>
-          <a:p>
-            <a:r>
-              <a:rPr lang="en-US" dirty="0"/>
-              <a:t>Maintainability</a:t>
-            </a:r>
-          </a:p>
-          <a:p>
-            <a:endParaRPr lang="en-US" dirty="0"/>
+              <a:t>Features</a:t>
+            </a:r>
           </a:p>
         </p:txBody>
       </p:sp>
@@ -3541,10 +6302,1351 @@
 </p:sld>
 </file>
 
+<file path=ppt/slides/slide3.xml><?xml version="1.0" encoding="utf-8"?>
+<p:sld xmlns:a="http://schemas.openxmlformats.org/drawingml/2006/main" xmlns:r="http://schemas.openxmlformats.org/officeDocument/2006/relationships" xmlns:p="http://schemas.openxmlformats.org/presentationml/2006/main">
+  <p:cSld>
+    <p:spTree>
+      <p:nvGrpSpPr>
+        <p:cNvPr id="1" name=""/>
+        <p:cNvGrpSpPr/>
+        <p:nvPr/>
+      </p:nvGrpSpPr>
+      <p:grpSpPr>
+        <a:xfrm>
+          <a:off x="0" y="0"/>
+          <a:ext cx="0" cy="0"/>
+          <a:chOff x="0" y="0"/>
+          <a:chExt cx="0" cy="0"/>
+        </a:xfrm>
+      </p:grpSpPr>
+      <p:sp>
+        <p:nvSpPr>
+          <p:cNvPr id="2" name="Title 1">
+            <a:extLst>
+              <a:ext uri="{FF2B5EF4-FFF2-40B4-BE49-F238E27FC236}">
+                <a16:creationId xmlns:a16="http://schemas.microsoft.com/office/drawing/2014/main" id="{3F211FBF-4140-E143-E462-7F0AD1CC68C7}"/>
+              </a:ext>
+            </a:extLst>
+          </p:cNvPr>
+          <p:cNvSpPr>
+            <a:spLocks noGrp="1"/>
+          </p:cNvSpPr>
+          <p:nvPr>
+            <p:ph type="title"/>
+          </p:nvPr>
+        </p:nvSpPr>
+        <p:spPr/>
+        <p:txBody>
+          <a:bodyPr/>
+          <a:lstStyle/>
+          <a:p>
+            <a:r>
+              <a:rPr lang="en-US" dirty="0"/>
+              <a:t>Limitations</a:t>
+            </a:r>
+          </a:p>
+        </p:txBody>
+      </p:sp>
+      <p:sp>
+        <p:nvSpPr>
+          <p:cNvPr id="3" name="Content Placeholder 2">
+            <a:extLst>
+              <a:ext uri="{FF2B5EF4-FFF2-40B4-BE49-F238E27FC236}">
+                <a16:creationId xmlns:a16="http://schemas.microsoft.com/office/drawing/2014/main" id="{326D1A73-9C1C-A266-E9EE-F92B102BEEC1}"/>
+              </a:ext>
+            </a:extLst>
+          </p:cNvPr>
+          <p:cNvSpPr>
+            <a:spLocks noGrp="1"/>
+          </p:cNvSpPr>
+          <p:nvPr>
+            <p:ph idx="1"/>
+          </p:nvPr>
+        </p:nvSpPr>
+        <p:spPr>
+          <a:xfrm>
+            <a:off x="677334" y="1519311"/>
+            <a:ext cx="8596668" cy="4522051"/>
+          </a:xfrm>
+        </p:spPr>
+        <p:txBody>
+          <a:bodyPr/>
+          <a:lstStyle/>
+          <a:p>
+            <a:pPr lvl="1"/>
+            <a:r>
+              <a:rPr lang="en-US" sz="2400" dirty="0"/>
+              <a:t>Celebrities with the number of followers up to 100K</a:t>
+            </a:r>
+          </a:p>
+          <a:p>
+            <a:pPr lvl="1"/>
+            <a:r>
+              <a:rPr lang="en-US" sz="2400" dirty="0"/>
+              <a:t>Regular users: up to 5K followers</a:t>
+            </a:r>
+          </a:p>
+          <a:p>
+            <a:pPr lvl="1"/>
+            <a:r>
+              <a:rPr lang="en-US" sz="2400" dirty="0"/>
+              <a:t>Limitation for the number of users to follow per on person: 5K</a:t>
+            </a:r>
+          </a:p>
+          <a:p>
+            <a:pPr lvl="1"/>
+            <a:endParaRPr lang="en-US" sz="2400" dirty="0"/>
+          </a:p>
+          <a:p>
+            <a:endParaRPr lang="en-US" dirty="0"/>
+          </a:p>
+        </p:txBody>
+      </p:sp>
+    </p:spTree>
+    <p:extLst>
+      <p:ext uri="{BB962C8B-B14F-4D97-AF65-F5344CB8AC3E}">
+        <p14:creationId xmlns:p14="http://schemas.microsoft.com/office/powerpoint/2010/main" val="3780445874"/>
+      </p:ext>
+    </p:extLst>
+  </p:cSld>
+  <p:clrMapOvr>
+    <a:masterClrMapping/>
+  </p:clrMapOvr>
+</p:sld>
+</file>
+
+<file path=ppt/slides/slide4.xml><?xml version="1.0" encoding="utf-8"?>
+<p:sld xmlns:a="http://schemas.openxmlformats.org/drawingml/2006/main" xmlns:r="http://schemas.openxmlformats.org/officeDocument/2006/relationships" xmlns:p="http://schemas.openxmlformats.org/presentationml/2006/main">
+  <p:cSld>
+    <p:spTree>
+      <p:nvGrpSpPr>
+        <p:cNvPr id="1" name=""/>
+        <p:cNvGrpSpPr/>
+        <p:nvPr/>
+      </p:nvGrpSpPr>
+      <p:grpSpPr>
+        <a:xfrm>
+          <a:off x="0" y="0"/>
+          <a:ext cx="0" cy="0"/>
+          <a:chOff x="0" y="0"/>
+          <a:chExt cx="0" cy="0"/>
+        </a:xfrm>
+      </p:grpSpPr>
+      <p:sp>
+        <p:nvSpPr>
+          <p:cNvPr id="2" name="Title 1">
+            <a:extLst>
+              <a:ext uri="{FF2B5EF4-FFF2-40B4-BE49-F238E27FC236}">
+                <a16:creationId xmlns:a16="http://schemas.microsoft.com/office/drawing/2014/main" id="{F2F200E6-48FF-2017-F0B9-114BD7336C3B}"/>
+              </a:ext>
+            </a:extLst>
+          </p:cNvPr>
+          <p:cNvSpPr>
+            <a:spLocks noGrp="1"/>
+          </p:cNvSpPr>
+          <p:nvPr>
+            <p:ph type="title"/>
+          </p:nvPr>
+        </p:nvSpPr>
+        <p:spPr/>
+        <p:txBody>
+          <a:bodyPr/>
+          <a:lstStyle/>
+          <a:p>
+            <a:r>
+              <a:rPr lang="en-US" dirty="0"/>
+              <a:t>Reliability</a:t>
+            </a:r>
+            <a:br>
+              <a:rPr lang="en-US" dirty="0"/>
+            </a:br>
+            <a:endParaRPr lang="en-US" dirty="0"/>
+          </a:p>
+        </p:txBody>
+      </p:sp>
+      <p:sp>
+        <p:nvSpPr>
+          <p:cNvPr id="3" name="Content Placeholder 2">
+            <a:extLst>
+              <a:ext uri="{FF2B5EF4-FFF2-40B4-BE49-F238E27FC236}">
+                <a16:creationId xmlns:a16="http://schemas.microsoft.com/office/drawing/2014/main" id="{11E4F67F-B202-268A-6D4B-57B5C6E55C61}"/>
+              </a:ext>
+            </a:extLst>
+          </p:cNvPr>
+          <p:cNvSpPr>
+            <a:spLocks noGrp="1"/>
+          </p:cNvSpPr>
+          <p:nvPr>
+            <p:ph idx="1"/>
+          </p:nvPr>
+        </p:nvSpPr>
+        <p:spPr>
+          <a:xfrm>
+            <a:off x="1205948" y="1524000"/>
+            <a:ext cx="8596668" cy="4652964"/>
+          </a:xfrm>
+        </p:spPr>
+        <p:txBody>
+          <a:bodyPr/>
+          <a:lstStyle/>
+          <a:p>
+            <a:r>
+              <a:rPr lang="en-US" dirty="0"/>
+              <a:t>Hardware/Software faults  - AWS Architecture (Cloud)</a:t>
+            </a:r>
+          </a:p>
+          <a:p>
+            <a:r>
+              <a:rPr lang="en-US" dirty="0"/>
+              <a:t>Human error tolerance (adversity)</a:t>
+            </a:r>
+          </a:p>
+          <a:p>
+            <a:r>
+              <a:rPr lang="en-US" dirty="0"/>
+              <a:t>Fault tolerance, Algorithm in case of Global System failure</a:t>
+            </a:r>
+          </a:p>
+          <a:p>
+            <a:r>
+              <a:rPr lang="en-US" dirty="0"/>
+              <a:t>Chaos Monkey by Netflix</a:t>
+            </a:r>
+          </a:p>
+          <a:p>
+            <a:r>
+              <a:rPr lang="en-US" dirty="0"/>
+              <a:t>RAID Configuration</a:t>
+            </a:r>
+          </a:p>
+          <a:p>
+            <a:r>
+              <a:rPr lang="en-US" dirty="0"/>
+              <a:t>Software faults: Testing; Cascade denial; Process Isolation; Monitoring and Analysis (alerts </a:t>
+            </a:r>
+            <a:r>
+              <a:rPr lang="en-US" dirty="0" err="1"/>
+              <a:t>etc</a:t>
+            </a:r>
+            <a:r>
+              <a:rPr lang="en-US" dirty="0"/>
+              <a:t>). Release process schedule.</a:t>
+            </a:r>
+          </a:p>
+          <a:p>
+            <a:r>
+              <a:rPr lang="en-US" dirty="0"/>
+              <a:t>Sandbox environment</a:t>
+            </a:r>
+          </a:p>
+          <a:p>
+            <a:r>
+              <a:rPr lang="en-US" dirty="0"/>
+              <a:t>Security Update checks</a:t>
+            </a:r>
+          </a:p>
+          <a:p>
+            <a:endParaRPr lang="en-US" dirty="0"/>
+          </a:p>
+          <a:p>
+            <a:endParaRPr lang="en-US" dirty="0"/>
+          </a:p>
+        </p:txBody>
+      </p:sp>
+    </p:spTree>
+    <p:extLst>
+      <p:ext uri="{BB962C8B-B14F-4D97-AF65-F5344CB8AC3E}">
+        <p14:creationId xmlns:p14="http://schemas.microsoft.com/office/powerpoint/2010/main" val="3803920011"/>
+      </p:ext>
+    </p:extLst>
+  </p:cSld>
+  <p:clrMapOvr>
+    <a:masterClrMapping/>
+  </p:clrMapOvr>
+</p:sld>
+</file>
+
+<file path=ppt/slides/slide5.xml><?xml version="1.0" encoding="utf-8"?>
+<p:sld xmlns:a="http://schemas.openxmlformats.org/drawingml/2006/main" xmlns:r="http://schemas.openxmlformats.org/officeDocument/2006/relationships" xmlns:p="http://schemas.openxmlformats.org/presentationml/2006/main">
+  <p:cSld>
+    <p:spTree>
+      <p:nvGrpSpPr>
+        <p:cNvPr id="1" name=""/>
+        <p:cNvGrpSpPr/>
+        <p:nvPr/>
+      </p:nvGrpSpPr>
+      <p:grpSpPr>
+        <a:xfrm>
+          <a:off x="0" y="0"/>
+          <a:ext cx="0" cy="0"/>
+          <a:chOff x="0" y="0"/>
+          <a:chExt cx="0" cy="0"/>
+        </a:xfrm>
+      </p:grpSpPr>
+      <p:sp>
+        <p:nvSpPr>
+          <p:cNvPr id="2" name="Title 1">
+            <a:extLst>
+              <a:ext uri="{FF2B5EF4-FFF2-40B4-BE49-F238E27FC236}">
+                <a16:creationId xmlns:a16="http://schemas.microsoft.com/office/drawing/2014/main" id="{E0FB3CE1-F637-0C5F-50A4-57893593E307}"/>
+              </a:ext>
+            </a:extLst>
+          </p:cNvPr>
+          <p:cNvSpPr>
+            <a:spLocks noGrp="1"/>
+          </p:cNvSpPr>
+          <p:nvPr>
+            <p:ph type="title"/>
+          </p:nvPr>
+        </p:nvSpPr>
+        <p:spPr/>
+        <p:txBody>
+          <a:bodyPr/>
+          <a:lstStyle/>
+          <a:p>
+            <a:r>
+              <a:rPr lang="en-US" dirty="0"/>
+              <a:t>Scalability</a:t>
+            </a:r>
+          </a:p>
+        </p:txBody>
+      </p:sp>
+      <p:sp>
+        <p:nvSpPr>
+          <p:cNvPr id="3" name="Content Placeholder 2">
+            <a:extLst>
+              <a:ext uri="{FF2B5EF4-FFF2-40B4-BE49-F238E27FC236}">
+                <a16:creationId xmlns:a16="http://schemas.microsoft.com/office/drawing/2014/main" id="{3D4CD5FB-5AB9-3AA2-8E9E-A6AD95E4C9DE}"/>
+              </a:ext>
+            </a:extLst>
+          </p:cNvPr>
+          <p:cNvSpPr>
+            <a:spLocks noGrp="1"/>
+          </p:cNvSpPr>
+          <p:nvPr>
+            <p:ph idx="1"/>
+          </p:nvPr>
+        </p:nvSpPr>
+        <p:spPr>
+          <a:xfrm>
+            <a:off x="677334" y="1828801"/>
+            <a:ext cx="8596668" cy="4212562"/>
+          </a:xfrm>
+        </p:spPr>
+        <p:txBody>
+          <a:bodyPr/>
+          <a:lstStyle/>
+          <a:p>
+            <a:r>
+              <a:rPr lang="en-US" dirty="0"/>
+              <a:t>Possibility to work under increasing load and increasing system demands</a:t>
+            </a:r>
+          </a:p>
+          <a:p>
+            <a:r>
+              <a:rPr lang="en-US" b="0" i="0" dirty="0">
+                <a:solidFill>
+                  <a:srgbClr val="172B4D"/>
+                </a:solidFill>
+                <a:effectLst/>
+                <a:latin typeface="+mj-lt"/>
+              </a:rPr>
+              <a:t>Vertical scaling - making an instance bigger or smaller</a:t>
+            </a:r>
+          </a:p>
+          <a:p>
+            <a:r>
+              <a:rPr lang="en-US" dirty="0"/>
+              <a:t>Allocate resources for growth: </a:t>
+            </a:r>
+            <a:r>
+              <a:rPr lang="en-US" sz="1800" dirty="0"/>
+              <a:t>pastes/s write, pastes/s read, 50% per year</a:t>
+            </a:r>
+          </a:p>
+          <a:p>
+            <a:r>
+              <a:rPr lang="en-US" dirty="0"/>
+              <a:t>Online users: Allocate resources for 50% growth</a:t>
+            </a:r>
+          </a:p>
+          <a:p>
+            <a:r>
+              <a:rPr lang="en-US" dirty="0"/>
+              <a:t>Percentile: p95</a:t>
+            </a:r>
+          </a:p>
+          <a:p>
+            <a:endParaRPr lang="en-US" dirty="0"/>
+          </a:p>
+          <a:p>
+            <a:endParaRPr lang="en-US" sz="1800" dirty="0"/>
+          </a:p>
+          <a:p>
+            <a:endParaRPr lang="en-US" sz="1800" dirty="0"/>
+          </a:p>
+          <a:p>
+            <a:endParaRPr lang="en-US" b="0" i="0" dirty="0">
+              <a:solidFill>
+                <a:srgbClr val="172B4D"/>
+              </a:solidFill>
+              <a:effectLst/>
+              <a:latin typeface="+mj-lt"/>
+            </a:endParaRPr>
+          </a:p>
+          <a:p>
+            <a:endParaRPr lang="en-US" b="0" i="0" dirty="0">
+              <a:solidFill>
+                <a:srgbClr val="172B4D"/>
+              </a:solidFill>
+              <a:effectLst/>
+              <a:latin typeface="+mj-lt"/>
+            </a:endParaRPr>
+          </a:p>
+          <a:p>
+            <a:endParaRPr lang="en-US" dirty="0"/>
+          </a:p>
+        </p:txBody>
+      </p:sp>
+    </p:spTree>
+    <p:extLst>
+      <p:ext uri="{BB962C8B-B14F-4D97-AF65-F5344CB8AC3E}">
+        <p14:creationId xmlns:p14="http://schemas.microsoft.com/office/powerpoint/2010/main" val="3393939123"/>
+      </p:ext>
+    </p:extLst>
+  </p:cSld>
+  <p:clrMapOvr>
+    <a:masterClrMapping/>
+  </p:clrMapOvr>
+</p:sld>
+</file>
+
+<file path=ppt/slides/slide6.xml><?xml version="1.0" encoding="utf-8"?>
+<p:sld xmlns:a="http://schemas.openxmlformats.org/drawingml/2006/main" xmlns:r="http://schemas.openxmlformats.org/officeDocument/2006/relationships" xmlns:p="http://schemas.openxmlformats.org/presentationml/2006/main">
+  <p:cSld>
+    <p:spTree>
+      <p:nvGrpSpPr>
+        <p:cNvPr id="1" name=""/>
+        <p:cNvGrpSpPr/>
+        <p:nvPr/>
+      </p:nvGrpSpPr>
+      <p:grpSpPr>
+        <a:xfrm>
+          <a:off x="0" y="0"/>
+          <a:ext cx="0" cy="0"/>
+          <a:chOff x="0" y="0"/>
+          <a:chExt cx="0" cy="0"/>
+        </a:xfrm>
+      </p:grpSpPr>
+      <p:sp>
+        <p:nvSpPr>
+          <p:cNvPr id="2" name="Title 1">
+            <a:extLst>
+              <a:ext uri="{FF2B5EF4-FFF2-40B4-BE49-F238E27FC236}">
+                <a16:creationId xmlns:a16="http://schemas.microsoft.com/office/drawing/2014/main" id="{D8FA7686-2967-3552-B06B-45E295F252E1}"/>
+              </a:ext>
+            </a:extLst>
+          </p:cNvPr>
+          <p:cNvSpPr>
+            <a:spLocks noGrp="1"/>
+          </p:cNvSpPr>
+          <p:nvPr>
+            <p:ph type="title"/>
+          </p:nvPr>
+        </p:nvSpPr>
+        <p:spPr/>
+        <p:txBody>
+          <a:bodyPr/>
+          <a:lstStyle/>
+          <a:p>
+            <a:r>
+              <a:rPr lang="en-US" dirty="0"/>
+              <a:t>Maintainability</a:t>
+            </a:r>
+          </a:p>
+        </p:txBody>
+      </p:sp>
+      <p:sp>
+        <p:nvSpPr>
+          <p:cNvPr id="3" name="Content Placeholder 2">
+            <a:extLst>
+              <a:ext uri="{FF2B5EF4-FFF2-40B4-BE49-F238E27FC236}">
+                <a16:creationId xmlns:a16="http://schemas.microsoft.com/office/drawing/2014/main" id="{0F6FA041-51F9-2CF6-F173-509C58596537}"/>
+              </a:ext>
+            </a:extLst>
+          </p:cNvPr>
+          <p:cNvSpPr>
+            <a:spLocks noGrp="1"/>
+          </p:cNvSpPr>
+          <p:nvPr>
+            <p:ph idx="1"/>
+          </p:nvPr>
+        </p:nvSpPr>
+        <p:spPr/>
+        <p:txBody>
+          <a:bodyPr/>
+          <a:lstStyle/>
+          <a:p>
+            <a:r>
+              <a:rPr lang="en-US" dirty="0"/>
+              <a:t>Operability /users can be assigned a different status</a:t>
+            </a:r>
+          </a:p>
+          <a:p>
+            <a:r>
+              <a:rPr lang="en-US" dirty="0"/>
+              <a:t>Simplicity</a:t>
+            </a:r>
+          </a:p>
+          <a:p>
+            <a:r>
+              <a:rPr lang="en-US" dirty="0"/>
+              <a:t>Evolvability</a:t>
+            </a:r>
+          </a:p>
+          <a:p>
+            <a:r>
+              <a:rPr lang="en-US" dirty="0"/>
+              <a:t>Costs 70% development / 30% support: licenses, software, hardware, salaries</a:t>
+            </a:r>
+          </a:p>
+          <a:p>
+            <a:r>
+              <a:rPr lang="en-US" dirty="0"/>
+              <a:t>Perfective updates</a:t>
+            </a:r>
+          </a:p>
+          <a:p>
+            <a:r>
+              <a:rPr lang="en-US" dirty="0"/>
+              <a:t>Business logic change</a:t>
+            </a:r>
+          </a:p>
+          <a:p>
+            <a:r>
+              <a:rPr lang="en-US" dirty="0"/>
+              <a:t>Perfective updates</a:t>
+            </a:r>
+          </a:p>
+          <a:p>
+            <a:r>
+              <a:rPr lang="en-US" dirty="0"/>
+              <a:t>Refactoring</a:t>
+            </a:r>
+          </a:p>
+          <a:p>
+            <a:pPr marL="0" indent="0">
+              <a:buNone/>
+            </a:pPr>
+            <a:endParaRPr lang="en-US" dirty="0"/>
+          </a:p>
+          <a:p>
+            <a:endParaRPr lang="en-US" dirty="0"/>
+          </a:p>
+        </p:txBody>
+      </p:sp>
+    </p:spTree>
+    <p:extLst>
+      <p:ext uri="{BB962C8B-B14F-4D97-AF65-F5344CB8AC3E}">
+        <p14:creationId xmlns:p14="http://schemas.microsoft.com/office/powerpoint/2010/main" val="2333960392"/>
+      </p:ext>
+    </p:extLst>
+  </p:cSld>
+  <p:clrMapOvr>
+    <a:masterClrMapping/>
+  </p:clrMapOvr>
+</p:sld>
+</file>
+
+<file path=ppt/slides/slide7.xml><?xml version="1.0" encoding="utf-8"?>
+<p:sld xmlns:a="http://schemas.openxmlformats.org/drawingml/2006/main" xmlns:r="http://schemas.openxmlformats.org/officeDocument/2006/relationships" xmlns:p="http://schemas.openxmlformats.org/presentationml/2006/main">
+  <p:cSld>
+    <p:spTree>
+      <p:nvGrpSpPr>
+        <p:cNvPr id="1" name=""/>
+        <p:cNvGrpSpPr/>
+        <p:nvPr/>
+      </p:nvGrpSpPr>
+      <p:grpSpPr>
+        <a:xfrm>
+          <a:off x="0" y="0"/>
+          <a:ext cx="0" cy="0"/>
+          <a:chOff x="0" y="0"/>
+          <a:chExt cx="0" cy="0"/>
+        </a:xfrm>
+      </p:grpSpPr>
+      <p:sp>
+        <p:nvSpPr>
+          <p:cNvPr id="2" name="Title 1">
+            <a:extLst>
+              <a:ext uri="{FF2B5EF4-FFF2-40B4-BE49-F238E27FC236}">
+                <a16:creationId xmlns:a16="http://schemas.microsoft.com/office/drawing/2014/main" id="{29E88299-A411-7F92-8596-441A93C65CBB}"/>
+              </a:ext>
+            </a:extLst>
+          </p:cNvPr>
+          <p:cNvSpPr>
+            <a:spLocks noGrp="1"/>
+          </p:cNvSpPr>
+          <p:nvPr>
+            <p:ph type="title"/>
+          </p:nvPr>
+        </p:nvSpPr>
+        <p:spPr/>
+        <p:txBody>
+          <a:bodyPr/>
+          <a:lstStyle/>
+          <a:p>
+            <a:r>
+              <a:rPr lang="en-US" dirty="0"/>
+              <a:t>Virtual Machine Instances in use</a:t>
+            </a:r>
+          </a:p>
+        </p:txBody>
+      </p:sp>
+      <p:sp>
+        <p:nvSpPr>
+          <p:cNvPr id="3" name="Content Placeholder 2">
+            <a:extLst>
+              <a:ext uri="{FF2B5EF4-FFF2-40B4-BE49-F238E27FC236}">
+                <a16:creationId xmlns:a16="http://schemas.microsoft.com/office/drawing/2014/main" id="{21ED34A4-9AF9-C4EF-39EF-91530DD6E9BB}"/>
+              </a:ext>
+            </a:extLst>
+          </p:cNvPr>
+          <p:cNvSpPr>
+            <a:spLocks noGrp="1"/>
+          </p:cNvSpPr>
+          <p:nvPr>
+            <p:ph idx="1"/>
+          </p:nvPr>
+        </p:nvSpPr>
+        <p:spPr>
+          <a:xfrm>
+            <a:off x="677334" y="1444487"/>
+            <a:ext cx="8596668" cy="4596875"/>
+          </a:xfrm>
+        </p:spPr>
+        <p:txBody>
+          <a:bodyPr/>
+          <a:lstStyle/>
+          <a:p>
+            <a:pPr algn="l">
+              <a:buFont typeface="Arial" panose="020B0604020202020204" pitchFamily="34" charset="0"/>
+              <a:buChar char="•"/>
+            </a:pPr>
+            <a:r>
+              <a:rPr lang="en-US" b="0" i="0" dirty="0">
+                <a:solidFill>
+                  <a:srgbClr val="172B4D"/>
+                </a:solidFill>
+                <a:effectLst/>
+                <a:latin typeface="-apple-system"/>
+              </a:rPr>
+              <a:t>General Purpose</a:t>
+            </a:r>
+          </a:p>
+          <a:p>
+            <a:pPr marL="742950" lvl="1" indent="-285750" algn="l">
+              <a:buFont typeface="Arial" panose="020B0604020202020204" pitchFamily="34" charset="0"/>
+              <a:buChar char="•"/>
+            </a:pPr>
+            <a:r>
+              <a:rPr lang="en-US" b="0" i="0" dirty="0">
+                <a:solidFill>
+                  <a:srgbClr val="172B4D"/>
+                </a:solidFill>
+                <a:effectLst/>
+                <a:latin typeface="-apple-system"/>
+              </a:rPr>
+              <a:t>Web servers, code repositories, etc.</a:t>
+            </a:r>
+          </a:p>
+          <a:p>
+            <a:pPr algn="l">
+              <a:buFont typeface="Arial" panose="020B0604020202020204" pitchFamily="34" charset="0"/>
+              <a:buChar char="•"/>
+            </a:pPr>
+            <a:r>
+              <a:rPr lang="en-US" b="0" i="0" dirty="0">
+                <a:solidFill>
+                  <a:srgbClr val="172B4D"/>
+                </a:solidFill>
+                <a:effectLst/>
+                <a:latin typeface="-apple-system"/>
+              </a:rPr>
+              <a:t>Compute optimized</a:t>
+            </a:r>
+          </a:p>
+          <a:p>
+            <a:pPr marL="742950" lvl="1" indent="-285750" algn="l">
+              <a:buFont typeface="Arial" panose="020B0604020202020204" pitchFamily="34" charset="0"/>
+              <a:buChar char="•"/>
+            </a:pPr>
+            <a:r>
+              <a:rPr lang="en-US" b="0" i="0" dirty="0">
+                <a:solidFill>
+                  <a:srgbClr val="172B4D"/>
+                </a:solidFill>
+                <a:effectLst/>
+                <a:latin typeface="-apple-system"/>
+              </a:rPr>
+              <a:t>Gaming servers, high performance computing, etc.</a:t>
+            </a:r>
+          </a:p>
+          <a:p>
+            <a:pPr algn="l">
+              <a:buFont typeface="Arial" panose="020B0604020202020204" pitchFamily="34" charset="0"/>
+              <a:buChar char="•"/>
+            </a:pPr>
+            <a:r>
+              <a:rPr lang="en-US" b="0" i="0" dirty="0">
+                <a:solidFill>
+                  <a:srgbClr val="172B4D"/>
+                </a:solidFill>
+                <a:effectLst/>
+                <a:latin typeface="-apple-system"/>
+              </a:rPr>
+              <a:t>Memory optimized</a:t>
+            </a:r>
+          </a:p>
+          <a:p>
+            <a:pPr marL="742950" lvl="1" indent="-285750" algn="l">
+              <a:buFont typeface="Arial" panose="020B0604020202020204" pitchFamily="34" charset="0"/>
+              <a:buChar char="•"/>
+            </a:pPr>
+            <a:r>
+              <a:rPr lang="en-US" b="0" i="0" dirty="0">
+                <a:solidFill>
+                  <a:srgbClr val="172B4D"/>
+                </a:solidFill>
+                <a:effectLst/>
+                <a:latin typeface="-apple-system"/>
+              </a:rPr>
+              <a:t>Memory intensive processes</a:t>
+            </a:r>
+          </a:p>
+          <a:p>
+            <a:pPr algn="l">
+              <a:buFont typeface="Arial" panose="020B0604020202020204" pitchFamily="34" charset="0"/>
+              <a:buChar char="•"/>
+            </a:pPr>
+            <a:r>
+              <a:rPr lang="en-US" b="0" i="0" dirty="0">
+                <a:solidFill>
+                  <a:srgbClr val="172B4D"/>
+                </a:solidFill>
+                <a:effectLst/>
+                <a:latin typeface="-apple-system"/>
+              </a:rPr>
+              <a:t>Accelerated computing</a:t>
+            </a:r>
+          </a:p>
+          <a:p>
+            <a:pPr marL="742950" lvl="1" indent="-285750" algn="l">
+              <a:buFont typeface="Arial" panose="020B0604020202020204" pitchFamily="34" charset="0"/>
+              <a:buChar char="•"/>
+            </a:pPr>
+            <a:r>
+              <a:rPr lang="en-US" b="0" i="0" dirty="0">
+                <a:solidFill>
+                  <a:srgbClr val="172B4D"/>
+                </a:solidFill>
+                <a:effectLst/>
+                <a:latin typeface="-apple-system"/>
+              </a:rPr>
+              <a:t>Graphics processing, floating point number calculations, etc.</a:t>
+            </a:r>
+          </a:p>
+          <a:p>
+            <a:pPr algn="l">
+              <a:buFont typeface="Arial" panose="020B0604020202020204" pitchFamily="34" charset="0"/>
+              <a:buChar char="•"/>
+            </a:pPr>
+            <a:r>
+              <a:rPr lang="en-US" b="0" i="0" dirty="0">
+                <a:solidFill>
+                  <a:srgbClr val="172B4D"/>
+                </a:solidFill>
+                <a:effectLst/>
+                <a:latin typeface="-apple-system"/>
+              </a:rPr>
+              <a:t>Storage optimized</a:t>
+            </a:r>
+          </a:p>
+          <a:p>
+            <a:pPr marL="742950" lvl="1" indent="-285750" algn="l">
+              <a:buFont typeface="Arial" panose="020B0604020202020204" pitchFamily="34" charset="0"/>
+              <a:buChar char="•"/>
+            </a:pPr>
+            <a:r>
+              <a:rPr lang="en-US" b="0" i="0" dirty="0">
+                <a:solidFill>
+                  <a:srgbClr val="172B4D"/>
+                </a:solidFill>
+                <a:effectLst/>
+                <a:latin typeface="-apple-system"/>
+              </a:rPr>
+              <a:t>High performance locally stored data</a:t>
+            </a:r>
+          </a:p>
+          <a:p>
+            <a:endParaRPr lang="en-US" dirty="0"/>
+          </a:p>
+        </p:txBody>
+      </p:sp>
+    </p:spTree>
+    <p:extLst>
+      <p:ext uri="{BB962C8B-B14F-4D97-AF65-F5344CB8AC3E}">
+        <p14:creationId xmlns:p14="http://schemas.microsoft.com/office/powerpoint/2010/main" val="672522484"/>
+      </p:ext>
+    </p:extLst>
+  </p:cSld>
+  <p:clrMapOvr>
+    <a:masterClrMapping/>
+  </p:clrMapOvr>
+</p:sld>
+</file>
+
+<file path=ppt/slides/slide8.xml><?xml version="1.0" encoding="utf-8"?>
+<p:sld xmlns:a="http://schemas.openxmlformats.org/drawingml/2006/main" xmlns:r="http://schemas.openxmlformats.org/officeDocument/2006/relationships" xmlns:p="http://schemas.openxmlformats.org/presentationml/2006/main">
+  <p:cSld>
+    <p:spTree>
+      <p:nvGrpSpPr>
+        <p:cNvPr id="1" name=""/>
+        <p:cNvGrpSpPr/>
+        <p:nvPr/>
+      </p:nvGrpSpPr>
+      <p:grpSpPr>
+        <a:xfrm>
+          <a:off x="0" y="0"/>
+          <a:ext cx="0" cy="0"/>
+          <a:chOff x="0" y="0"/>
+          <a:chExt cx="0" cy="0"/>
+        </a:xfrm>
+      </p:grpSpPr>
+      <p:sp>
+        <p:nvSpPr>
+          <p:cNvPr id="2" name="Title 1">
+            <a:extLst>
+              <a:ext uri="{FF2B5EF4-FFF2-40B4-BE49-F238E27FC236}">
+                <a16:creationId xmlns:a16="http://schemas.microsoft.com/office/drawing/2014/main" id="{3F7DF2F9-C60E-0BDD-E44A-4B19738DF0BB}"/>
+              </a:ext>
+            </a:extLst>
+          </p:cNvPr>
+          <p:cNvSpPr>
+            <a:spLocks noGrp="1"/>
+          </p:cNvSpPr>
+          <p:nvPr>
+            <p:ph type="title"/>
+          </p:nvPr>
+        </p:nvSpPr>
+        <p:spPr/>
+        <p:txBody>
+          <a:bodyPr/>
+          <a:lstStyle/>
+          <a:p>
+            <a:r>
+              <a:rPr lang="en-US" dirty="0"/>
+              <a:t>Elastic Load Balancing (ELB)</a:t>
+            </a:r>
+          </a:p>
+        </p:txBody>
+      </p:sp>
+      <p:sp>
+        <p:nvSpPr>
+          <p:cNvPr id="3" name="Content Placeholder 2">
+            <a:extLst>
+              <a:ext uri="{FF2B5EF4-FFF2-40B4-BE49-F238E27FC236}">
+                <a16:creationId xmlns:a16="http://schemas.microsoft.com/office/drawing/2014/main" id="{587DE883-D0E3-C445-CDEA-308395CB0F8A}"/>
+              </a:ext>
+            </a:extLst>
+          </p:cNvPr>
+          <p:cNvSpPr>
+            <a:spLocks noGrp="1"/>
+          </p:cNvSpPr>
+          <p:nvPr>
+            <p:ph idx="1"/>
+          </p:nvPr>
+        </p:nvSpPr>
+        <p:spPr>
+          <a:xfrm>
+            <a:off x="677334" y="1470991"/>
+            <a:ext cx="8596668" cy="4570371"/>
+          </a:xfrm>
+        </p:spPr>
+        <p:txBody>
+          <a:bodyPr>
+            <a:normAutofit/>
+          </a:bodyPr>
+          <a:lstStyle/>
+          <a:p>
+            <a:pPr algn="l">
+              <a:buFont typeface="Arial" panose="020B0604020202020204" pitchFamily="34" charset="0"/>
+              <a:buChar char="•"/>
+            </a:pPr>
+            <a:r>
+              <a:rPr lang="en-US" b="0" i="0" dirty="0">
+                <a:solidFill>
+                  <a:srgbClr val="172B4D"/>
+                </a:solidFill>
+                <a:effectLst/>
+                <a:latin typeface="-apple-system"/>
+              </a:rPr>
+              <a:t>Routes incoming requests to multiple instances</a:t>
+            </a:r>
+          </a:p>
+          <a:p>
+            <a:pPr algn="l">
+              <a:buFont typeface="Arial" panose="020B0604020202020204" pitchFamily="34" charset="0"/>
+              <a:buChar char="•"/>
+            </a:pPr>
+            <a:r>
+              <a:rPr lang="en-US" b="0" i="0" dirty="0">
+                <a:solidFill>
+                  <a:srgbClr val="172B4D"/>
+                </a:solidFill>
+                <a:effectLst/>
+                <a:latin typeface="-apple-system"/>
+              </a:rPr>
+              <a:t>Regional construct = runs at the regional level (across all data centers in a region) instead of at the instance level</a:t>
+            </a:r>
+          </a:p>
+          <a:p>
+            <a:pPr marL="742950" lvl="1" indent="-285750" algn="l">
+              <a:buFont typeface="Arial" panose="020B0604020202020204" pitchFamily="34" charset="0"/>
+              <a:buChar char="•"/>
+            </a:pPr>
+            <a:r>
+              <a:rPr lang="en-US" b="0" i="0" dirty="0">
+                <a:solidFill>
+                  <a:srgbClr val="172B4D"/>
+                </a:solidFill>
+                <a:effectLst/>
+                <a:latin typeface="-apple-system"/>
+              </a:rPr>
+              <a:t>Automatically highly available</a:t>
+            </a:r>
+          </a:p>
+          <a:p>
+            <a:pPr algn="l">
+              <a:buFont typeface="Arial" panose="020B0604020202020204" pitchFamily="34" charset="0"/>
+              <a:buChar char="•"/>
+            </a:pPr>
+            <a:r>
+              <a:rPr lang="en-US" b="0" i="0" dirty="0">
+                <a:solidFill>
+                  <a:srgbClr val="172B4D"/>
+                </a:solidFill>
+                <a:effectLst/>
+                <a:latin typeface="-apple-system"/>
+              </a:rPr>
+              <a:t>As demand goes up, new instances spin up and signal load balancer to send traffic</a:t>
+            </a:r>
+          </a:p>
+          <a:p>
+            <a:pPr algn="l">
+              <a:buFont typeface="Arial" panose="020B0604020202020204" pitchFamily="34" charset="0"/>
+              <a:buChar char="•"/>
+            </a:pPr>
+            <a:r>
+              <a:rPr lang="en-US" b="0" i="0" dirty="0">
+                <a:solidFill>
+                  <a:srgbClr val="172B4D"/>
+                </a:solidFill>
+                <a:effectLst/>
+                <a:latin typeface="-apple-system"/>
+              </a:rPr>
+              <a:t>As demand goes down, balancer stop NEW traffic to instance then decommissions them once all processes are complete</a:t>
+            </a:r>
+          </a:p>
+          <a:p>
+            <a:pPr marL="742950" lvl="1" indent="-285750" algn="l">
+              <a:buFont typeface="Arial" panose="020B0604020202020204" pitchFamily="34" charset="0"/>
+              <a:buChar char="•"/>
+            </a:pPr>
+            <a:r>
+              <a:rPr lang="en-US" b="0" i="0" dirty="0">
+                <a:solidFill>
+                  <a:srgbClr val="172B4D"/>
+                </a:solidFill>
+                <a:effectLst/>
+                <a:latin typeface="-apple-system"/>
+              </a:rPr>
+              <a:t>Preventing disruptions to current users</a:t>
+            </a:r>
+          </a:p>
+          <a:p>
+            <a:pPr algn="l">
+              <a:buFont typeface="Arial" panose="020B0604020202020204" pitchFamily="34" charset="0"/>
+              <a:buChar char="•"/>
+            </a:pPr>
+            <a:r>
+              <a:rPr lang="en-US" b="0" i="0" dirty="0">
+                <a:solidFill>
+                  <a:srgbClr val="172B4D"/>
+                </a:solidFill>
+                <a:effectLst/>
+                <a:latin typeface="-apple-system"/>
+              </a:rPr>
+              <a:t>ELBs can sit between front end and back end tiers of instances</a:t>
+            </a:r>
+          </a:p>
+          <a:p>
+            <a:pPr marL="742950" lvl="1" indent="-285750" algn="l">
+              <a:buFont typeface="Arial" panose="020B0604020202020204" pitchFamily="34" charset="0"/>
+              <a:buChar char="•"/>
+            </a:pPr>
+            <a:r>
+              <a:rPr lang="en-US" b="0" i="0" dirty="0">
+                <a:solidFill>
+                  <a:srgbClr val="172B4D"/>
+                </a:solidFill>
+                <a:effectLst/>
+                <a:latin typeface="-apple-system"/>
+              </a:rPr>
+              <a:t>New instances only have to signal 1 ELB instead of every instance on the front end tier</a:t>
+            </a:r>
+          </a:p>
+          <a:p>
+            <a:pPr marL="742950" lvl="1" indent="-285750" algn="l">
+              <a:buFont typeface="Arial" panose="020B0604020202020204" pitchFamily="34" charset="0"/>
+              <a:buChar char="•"/>
+            </a:pPr>
+            <a:r>
+              <a:rPr lang="en-US" b="0" i="0" dirty="0">
+                <a:solidFill>
+                  <a:srgbClr val="172B4D"/>
+                </a:solidFill>
+                <a:effectLst/>
+                <a:latin typeface="-apple-system"/>
+              </a:rPr>
+              <a:t>This would be considered “decoupled architecture”</a:t>
+            </a:r>
+          </a:p>
+          <a:p>
+            <a:endParaRPr lang="en-US" dirty="0"/>
+          </a:p>
+        </p:txBody>
+      </p:sp>
+    </p:spTree>
+    <p:extLst>
+      <p:ext uri="{BB962C8B-B14F-4D97-AF65-F5344CB8AC3E}">
+        <p14:creationId xmlns:p14="http://schemas.microsoft.com/office/powerpoint/2010/main" val="3567931163"/>
+      </p:ext>
+    </p:extLst>
+  </p:cSld>
+  <p:clrMapOvr>
+    <a:masterClrMapping/>
+  </p:clrMapOvr>
+</p:sld>
+</file>
+
+<file path=ppt/slides/slide9.xml><?xml version="1.0" encoding="utf-8"?>
+<p:sld xmlns:a="http://schemas.openxmlformats.org/drawingml/2006/main" xmlns:r="http://schemas.openxmlformats.org/officeDocument/2006/relationships" xmlns:p="http://schemas.openxmlformats.org/presentationml/2006/main">
+  <p:cSld>
+    <p:spTree>
+      <p:nvGrpSpPr>
+        <p:cNvPr id="1" name=""/>
+        <p:cNvGrpSpPr/>
+        <p:nvPr/>
+      </p:nvGrpSpPr>
+      <p:grpSpPr>
+        <a:xfrm>
+          <a:off x="0" y="0"/>
+          <a:ext cx="0" cy="0"/>
+          <a:chOff x="0" y="0"/>
+          <a:chExt cx="0" cy="0"/>
+        </a:xfrm>
+      </p:grpSpPr>
+      <p:sp>
+        <p:nvSpPr>
+          <p:cNvPr id="2" name="Title 1">
+            <a:extLst>
+              <a:ext uri="{FF2B5EF4-FFF2-40B4-BE49-F238E27FC236}">
+                <a16:creationId xmlns:a16="http://schemas.microsoft.com/office/drawing/2014/main" id="{20280D68-8137-093E-CB9C-761AC4DE6BFD}"/>
+              </a:ext>
+            </a:extLst>
+          </p:cNvPr>
+          <p:cNvSpPr>
+            <a:spLocks noGrp="1"/>
+          </p:cNvSpPr>
+          <p:nvPr>
+            <p:ph type="title"/>
+          </p:nvPr>
+        </p:nvSpPr>
+        <p:spPr>
+          <a:xfrm>
+            <a:off x="677334" y="609600"/>
+            <a:ext cx="8596668" cy="901148"/>
+          </a:xfrm>
+        </p:spPr>
+        <p:txBody>
+          <a:bodyPr/>
+          <a:lstStyle/>
+          <a:p>
+            <a:r>
+              <a:rPr lang="en-US" dirty="0"/>
+              <a:t>Regions	</a:t>
+            </a:r>
+          </a:p>
+        </p:txBody>
+      </p:sp>
+      <p:sp>
+        <p:nvSpPr>
+          <p:cNvPr id="3" name="Content Placeholder 2">
+            <a:extLst>
+              <a:ext uri="{FF2B5EF4-FFF2-40B4-BE49-F238E27FC236}">
+                <a16:creationId xmlns:a16="http://schemas.microsoft.com/office/drawing/2014/main" id="{AB499B19-77F3-21D7-248A-2C097E18B2C8}"/>
+              </a:ext>
+            </a:extLst>
+          </p:cNvPr>
+          <p:cNvSpPr>
+            <a:spLocks noGrp="1"/>
+          </p:cNvSpPr>
+          <p:nvPr>
+            <p:ph idx="1"/>
+          </p:nvPr>
+        </p:nvSpPr>
+        <p:spPr>
+          <a:xfrm>
+            <a:off x="677334" y="1391479"/>
+            <a:ext cx="8596668" cy="4649884"/>
+          </a:xfrm>
+        </p:spPr>
+        <p:txBody>
+          <a:bodyPr>
+            <a:normAutofit fontScale="92500"/>
+          </a:bodyPr>
+          <a:lstStyle/>
+          <a:p>
+            <a:pPr algn="l">
+              <a:buFont typeface="Arial" panose="020B0604020202020204" pitchFamily="34" charset="0"/>
+              <a:buChar char="•"/>
+            </a:pPr>
+            <a:r>
+              <a:rPr lang="en-US" b="0" i="0" dirty="0">
+                <a:solidFill>
+                  <a:srgbClr val="172B4D"/>
+                </a:solidFill>
+                <a:effectLst/>
+                <a:latin typeface="-apple-system"/>
+              </a:rPr>
+              <a:t>Geographically isolated large groups of data centers</a:t>
+            </a:r>
+          </a:p>
+          <a:p>
+            <a:pPr algn="l">
+              <a:buFont typeface="Arial" panose="020B0604020202020204" pitchFamily="34" charset="0"/>
+              <a:buChar char="•"/>
+            </a:pPr>
+            <a:r>
+              <a:rPr lang="en-US" b="0" i="0" dirty="0">
+                <a:solidFill>
+                  <a:srgbClr val="172B4D"/>
+                </a:solidFill>
+                <a:effectLst/>
+                <a:latin typeface="-apple-system"/>
+              </a:rPr>
+              <a:t>Connected through high speed fiber network controlled by AWS</a:t>
+            </a:r>
+          </a:p>
+          <a:p>
+            <a:pPr algn="l">
+              <a:buFont typeface="Arial" panose="020B0604020202020204" pitchFamily="34" charset="0"/>
+              <a:buChar char="•"/>
+            </a:pPr>
+            <a:r>
+              <a:rPr lang="en-US" b="0" i="0" dirty="0">
+                <a:solidFill>
+                  <a:srgbClr val="172B4D"/>
+                </a:solidFill>
+                <a:effectLst/>
+                <a:latin typeface="-apple-system"/>
+              </a:rPr>
+              <a:t>Completely isolated, data does not move outside a region without explicit request to export</a:t>
+            </a:r>
+          </a:p>
+          <a:p>
+            <a:pPr algn="l">
+              <a:buFont typeface="Arial" panose="020B0604020202020204" pitchFamily="34" charset="0"/>
+              <a:buChar char="•"/>
+            </a:pPr>
+            <a:r>
+              <a:rPr lang="en-US" b="0" i="0" dirty="0">
+                <a:solidFill>
+                  <a:srgbClr val="172B4D"/>
+                </a:solidFill>
+                <a:effectLst/>
+                <a:latin typeface="-apple-system"/>
+              </a:rPr>
+              <a:t>Choosing a region involves</a:t>
+            </a:r>
+          </a:p>
+          <a:p>
+            <a:pPr marL="742950" lvl="1" indent="-285750" algn="l">
+              <a:buFont typeface="Arial" panose="020B0604020202020204" pitchFamily="34" charset="0"/>
+              <a:buChar char="•"/>
+            </a:pPr>
+            <a:r>
+              <a:rPr lang="en-US" b="0" i="0" dirty="0">
+                <a:solidFill>
+                  <a:srgbClr val="172B4D"/>
+                </a:solidFill>
+                <a:effectLst/>
+                <a:latin typeface="-apple-system"/>
+              </a:rPr>
+              <a:t>Compliance</a:t>
+            </a:r>
+          </a:p>
+          <a:p>
+            <a:pPr marL="1143000" lvl="2" indent="-228600" algn="l">
+              <a:buFont typeface="Arial" panose="020B0604020202020204" pitchFamily="34" charset="0"/>
+              <a:buChar char="•"/>
+            </a:pPr>
+            <a:r>
+              <a:rPr lang="en-US" b="0" i="0" dirty="0">
+                <a:solidFill>
+                  <a:srgbClr val="172B4D"/>
+                </a:solidFill>
+                <a:effectLst/>
+                <a:latin typeface="-apple-system"/>
+              </a:rPr>
+              <a:t>Does data need to stay within that country?</a:t>
+            </a:r>
+          </a:p>
+          <a:p>
+            <a:pPr marL="742950" lvl="1" indent="-285750" algn="l">
+              <a:buFont typeface="Arial" panose="020B0604020202020204" pitchFamily="34" charset="0"/>
+              <a:buChar char="•"/>
+            </a:pPr>
+            <a:r>
+              <a:rPr lang="en-US" b="0" i="0" dirty="0">
+                <a:solidFill>
+                  <a:srgbClr val="172B4D"/>
+                </a:solidFill>
+                <a:effectLst/>
+                <a:latin typeface="-apple-system"/>
+              </a:rPr>
+              <a:t>Proximity</a:t>
+            </a:r>
+          </a:p>
+          <a:p>
+            <a:pPr marL="1143000" lvl="2" indent="-228600" algn="l">
+              <a:buFont typeface="Arial" panose="020B0604020202020204" pitchFamily="34" charset="0"/>
+              <a:buChar char="•"/>
+            </a:pPr>
+            <a:r>
+              <a:rPr lang="en-US" b="0" i="0" dirty="0">
+                <a:solidFill>
+                  <a:srgbClr val="172B4D"/>
+                </a:solidFill>
+                <a:effectLst/>
+                <a:latin typeface="-apple-system"/>
+              </a:rPr>
+              <a:t>Closer to customer base = lower latency</a:t>
+            </a:r>
+          </a:p>
+          <a:p>
+            <a:pPr marL="742950" lvl="1" indent="-285750" algn="l">
+              <a:buFont typeface="Arial" panose="020B0604020202020204" pitchFamily="34" charset="0"/>
+              <a:buChar char="•"/>
+            </a:pPr>
+            <a:r>
+              <a:rPr lang="en-US" b="0" i="0" dirty="0">
+                <a:solidFill>
+                  <a:srgbClr val="172B4D"/>
+                </a:solidFill>
+                <a:effectLst/>
+                <a:latin typeface="-apple-system"/>
+              </a:rPr>
+              <a:t>Feature availability</a:t>
+            </a:r>
+          </a:p>
+          <a:p>
+            <a:pPr marL="1143000" lvl="2" indent="-228600" algn="l">
+              <a:buFont typeface="Arial" panose="020B0604020202020204" pitchFamily="34" charset="0"/>
+              <a:buChar char="•"/>
+            </a:pPr>
+            <a:r>
+              <a:rPr lang="en-US" b="0" i="0" dirty="0">
+                <a:solidFill>
+                  <a:srgbClr val="172B4D"/>
+                </a:solidFill>
+                <a:effectLst/>
+                <a:latin typeface="-apple-system"/>
+              </a:rPr>
+              <a:t>Not every region has every AWS feature</a:t>
+            </a:r>
+          </a:p>
+          <a:p>
+            <a:pPr marL="1143000" lvl="2" indent="-228600" algn="l">
+              <a:buFont typeface="Arial" panose="020B0604020202020204" pitchFamily="34" charset="0"/>
+              <a:buChar char="•"/>
+            </a:pPr>
+            <a:r>
+              <a:rPr lang="en-US" b="0" i="0" dirty="0">
+                <a:solidFill>
+                  <a:srgbClr val="172B4D"/>
+                </a:solidFill>
+                <a:effectLst/>
+                <a:latin typeface="-apple-system"/>
+              </a:rPr>
+              <a:t>New features require new hardware that roll out over time, etc.</a:t>
+            </a:r>
+          </a:p>
+          <a:p>
+            <a:pPr marL="742950" lvl="1" indent="-285750" algn="l">
+              <a:buFont typeface="Arial" panose="020B0604020202020204" pitchFamily="34" charset="0"/>
+              <a:buChar char="•"/>
+            </a:pPr>
+            <a:r>
+              <a:rPr lang="en-US" b="0" i="0" dirty="0">
+                <a:solidFill>
+                  <a:srgbClr val="172B4D"/>
+                </a:solidFill>
+                <a:effectLst/>
+                <a:latin typeface="-apple-system"/>
+              </a:rPr>
+              <a:t>Pricing</a:t>
+            </a:r>
+          </a:p>
+          <a:p>
+            <a:pPr marL="1143000" lvl="2" indent="-228600" algn="l">
+              <a:buFont typeface="Arial" panose="020B0604020202020204" pitchFamily="34" charset="0"/>
+              <a:buChar char="•"/>
+            </a:pPr>
+            <a:r>
+              <a:rPr lang="en-US" b="0" i="0" dirty="0">
+                <a:solidFill>
+                  <a:srgbClr val="172B4D"/>
+                </a:solidFill>
+                <a:effectLst/>
+                <a:latin typeface="-apple-system"/>
+              </a:rPr>
+              <a:t>Some regions are more expensive to use than others</a:t>
+            </a:r>
+          </a:p>
+          <a:p>
+            <a:endParaRPr lang="en-US" dirty="0"/>
+          </a:p>
+        </p:txBody>
+      </p:sp>
+    </p:spTree>
+    <p:extLst>
+      <p:ext uri="{BB962C8B-B14F-4D97-AF65-F5344CB8AC3E}">
+        <p14:creationId xmlns:p14="http://schemas.microsoft.com/office/powerpoint/2010/main" val="395677457"/>
+      </p:ext>
+    </p:extLst>
+  </p:cSld>
+  <p:clrMapOvr>
+    <a:masterClrMapping/>
+  </p:clrMapOvr>
+</p:sld>
+</file>
+
 <file path=ppt/theme/theme1.xml><?xml version="1.0" encoding="utf-8"?>
-<a:theme xmlns:a="http://schemas.openxmlformats.org/drawingml/2006/main" name="Office Theme">
+<a:theme xmlns:a="http://schemas.openxmlformats.org/drawingml/2006/main" name="Facet">
   <a:themeElements>
-    <a:clrScheme name="Office">
+    <a:clrScheme name="Facet">
       <a:dk1>
         <a:sysClr val="windowText" lastClr="000000"/>
       </a:dk1>
@@ -3552,52 +7654,52 @@
         <a:sysClr val="window" lastClr="FFFFFF"/>
       </a:lt1>
       <a:dk2>
-        <a:srgbClr val="44546A"/>
+        <a:srgbClr val="2C3C43"/>
       </a:dk2>
       <a:lt2>
-        <a:srgbClr val="E7E6E6"/>
+        <a:srgbClr val="EBEBEB"/>
       </a:lt2>
       <a:accent1>
-        <a:srgbClr val="4472C4"/>
+        <a:srgbClr val="90C226"/>
       </a:accent1>
       <a:accent2>
-        <a:srgbClr val="ED7D31"/>
+        <a:srgbClr val="54A021"/>
       </a:accent2>
       <a:accent3>
-        <a:srgbClr val="A5A5A5"/>
+        <a:srgbClr val="E6B91E"/>
       </a:accent3>
       <a:accent4>
-        <a:srgbClr val="FFC000"/>
+        <a:srgbClr val="E76618"/>
       </a:accent4>
       <a:accent5>
-        <a:srgbClr val="5B9BD5"/>
+        <a:srgbClr val="C42F1A"/>
       </a:accent5>
       <a:accent6>
-        <a:srgbClr val="70AD47"/>
+        <a:srgbClr val="918655"/>
       </a:accent6>
       <a:hlink>
-        <a:srgbClr val="0563C1"/>
+        <a:srgbClr val="99CA3C"/>
       </a:hlink>
       <a:folHlink>
-        <a:srgbClr val="954F72"/>
+        <a:srgbClr val="B9D181"/>
       </a:folHlink>
     </a:clrScheme>
-    <a:fontScheme name="Office">
+    <a:fontScheme name="Facet">
       <a:majorFont>
-        <a:latin typeface="Calibri Light" panose="020F0302020204030204"/>
+        <a:latin typeface="Trebuchet MS" panose="020B0603020202020204"/>
         <a:ea typeface=""/>
         <a:cs typeface=""/>
-        <a:font script="Jpan" typeface="游ゴシック Light"/>
+        <a:font script="Jpan" typeface="メイリオ"/>
         <a:font script="Hang" typeface="맑은 고딕"/>
-        <a:font script="Hans" typeface="等线 Light"/>
-        <a:font script="Hant" typeface="新細明體"/>
-        <a:font script="Arab" typeface="Times New Roman"/>
-        <a:font script="Hebr" typeface="Times New Roman"/>
-        <a:font script="Thai" typeface="Angsana New"/>
+        <a:font script="Hans" typeface="方正姚体"/>
+        <a:font script="Hant" typeface="微軟正黑體"/>
+        <a:font script="Arab" typeface="Tahoma"/>
+        <a:font script="Hebr" typeface="Arial"/>
+        <a:font script="Thai" typeface="Cordia New"/>
         <a:font script="Ethi" typeface="Nyala"/>
         <a:font script="Beng" typeface="Vrinda"/>
         <a:font script="Gujr" typeface="Shruti"/>
-        <a:font script="Khmr" typeface="MoolBoran"/>
+        <a:font script="Khmr" typeface="DaunPenh"/>
         <a:font script="Knda" typeface="Tunga"/>
         <a:font script="Guru" typeface="Raavi"/>
         <a:font script="Cans" typeface="Euphemia"/>
@@ -3614,38 +7716,21 @@
         <a:font script="Laoo" typeface="DokChampa"/>
         <a:font script="Sinh" typeface="Iskoola Pota"/>
         <a:font script="Mong" typeface="Mongolian Baiti"/>
-        <a:font script="Viet" typeface="Times New Roman"/>
+        <a:font script="Viet" typeface="Tahoma"/>
         <a:font script="Uigh" typeface="Microsoft Uighur"/>
         <a:font script="Geor" typeface="Sylfaen"/>
-        <a:font script="Armn" typeface="Arial"/>
-        <a:font script="Bugi" typeface="Leelawadee UI"/>
-        <a:font script="Bopo" typeface="Microsoft JhengHei"/>
-        <a:font script="Java" typeface="Javanese Text"/>
-        <a:font script="Lisu" typeface="Segoe UI"/>
-        <a:font script="Mymr" typeface="Myanmar Text"/>
-        <a:font script="Nkoo" typeface="Ebrima"/>
-        <a:font script="Olck" typeface="Nirmala UI"/>
-        <a:font script="Osma" typeface="Ebrima"/>
-        <a:font script="Phag" typeface="Phagspa"/>
-        <a:font script="Syrn" typeface="Estrangelo Edessa"/>
-        <a:font script="Syrj" typeface="Estrangelo Edessa"/>
-        <a:font script="Syre" typeface="Estrangelo Edessa"/>
-        <a:font script="Sora" typeface="Nirmala UI"/>
-        <a:font script="Tale" typeface="Microsoft Tai Le"/>
-        <a:font script="Talu" typeface="Microsoft New Tai Lue"/>
-        <a:font script="Tfng" typeface="Ebrima"/>
       </a:majorFont>
       <a:minorFont>
-        <a:latin typeface="Calibri" panose="020F0502020204030204"/>
+        <a:latin typeface="Trebuchet MS" panose="020B0603020202020204"/>
         <a:ea typeface=""/>
         <a:cs typeface=""/>
-        <a:font script="Jpan" typeface="游ゴシック"/>
-        <a:font script="Hang" typeface="맑은 고딕"/>
-        <a:font script="Hans" typeface="等线"/>
-        <a:font script="Hant" typeface="新細明體"/>
-        <a:font script="Arab" typeface="Arial"/>
-        <a:font script="Hebr" typeface="Arial"/>
-        <a:font script="Thai" typeface="Cordia New"/>
+        <a:font script="Jpan" typeface="メイリオ"/>
+        <a:font script="Hang" typeface="HY그래픽M"/>
+        <a:font script="Hans" typeface="华文新魏"/>
+        <a:font script="Hant" typeface="微軟正黑體"/>
+        <a:font script="Arab" typeface="Tahoma"/>
+        <a:font script="Hebr" typeface="Gisha"/>
+        <a:font script="Thai" typeface="IrisUPC"/>
         <a:font script="Ethi" typeface="Nyala"/>
         <a:font script="Beng" typeface="Vrinda"/>
         <a:font script="Gujr" typeface="Shruti"/>
@@ -3669,26 +7754,9 @@
         <a:font script="Viet" typeface="Arial"/>
         <a:font script="Uigh" typeface="Microsoft Uighur"/>
         <a:font script="Geor" typeface="Sylfaen"/>
-        <a:font script="Armn" typeface="Arial"/>
-        <a:font script="Bugi" typeface="Leelawadee UI"/>
-        <a:font script="Bopo" typeface="Microsoft JhengHei"/>
-        <a:font script="Java" typeface="Javanese Text"/>
-        <a:font script="Lisu" typeface="Segoe UI"/>
-        <a:font script="Mymr" typeface="Myanmar Text"/>
-        <a:font script="Nkoo" typeface="Ebrima"/>
-        <a:font script="Olck" typeface="Nirmala UI"/>
-        <a:font script="Osma" typeface="Ebrima"/>
-        <a:font script="Phag" typeface="Phagspa"/>
-        <a:font script="Syrn" typeface="Estrangelo Edessa"/>
-        <a:font script="Syrj" typeface="Estrangelo Edessa"/>
-        <a:font script="Syre" typeface="Estrangelo Edessa"/>
-        <a:font script="Sora" typeface="Nirmala UI"/>
-        <a:font script="Tale" typeface="Microsoft Tai Le"/>
-        <a:font script="Talu" typeface="Microsoft New Tai Lue"/>
-        <a:font script="Tfng" typeface="Ebrima"/>
       </a:minorFont>
     </a:fontScheme>
-    <a:fmtScheme name="Office">
+    <a:fmtScheme name="Facet">
       <a:fillStyleLst>
         <a:solidFill>
           <a:schemeClr val="phClr"/>
@@ -3697,23 +7765,13 @@
           <a:gsLst>
             <a:gs pos="0">
               <a:schemeClr val="phClr">
+                <a:tint val="65000"/>
                 <a:lumMod val="110000"/>
-                <a:satMod val="105000"/>
-                <a:tint val="67000"/>
               </a:schemeClr>
             </a:gs>
-            <a:gs pos="50000">
+            <a:gs pos="88000">
               <a:schemeClr val="phClr">
-                <a:lumMod val="105000"/>
-                <a:satMod val="103000"/>
-                <a:tint val="73000"/>
-              </a:schemeClr>
-            </a:gs>
-            <a:gs pos="100000">
-              <a:schemeClr val="phClr">
-                <a:lumMod val="105000"/>
-                <a:satMod val="109000"/>
-                <a:tint val="81000"/>
+                <a:tint val="90000"/>
               </a:schemeClr>
             </a:gs>
           </a:gsLst>
@@ -3723,23 +7781,14 @@
           <a:gsLst>
             <a:gs pos="0">
               <a:schemeClr val="phClr">
-                <a:satMod val="103000"/>
-                <a:lumMod val="102000"/>
-                <a:tint val="94000"/>
+                <a:tint val="96000"/>
+                <a:lumMod val="100000"/>
               </a:schemeClr>
             </a:gs>
-            <a:gs pos="50000">
+            <a:gs pos="78000">
               <a:schemeClr val="phClr">
-                <a:satMod val="110000"/>
-                <a:lumMod val="100000"/>
-                <a:shade val="100000"/>
-              </a:schemeClr>
-            </a:gs>
-            <a:gs pos="100000">
-              <a:schemeClr val="phClr">
-                <a:lumMod val="99000"/>
-                <a:satMod val="120000"/>
-                <a:shade val="78000"/>
+                <a:shade val="94000"/>
+                <a:lumMod val="94000"/>
               </a:schemeClr>
             </a:gs>
           </a:gsLst>
@@ -3747,26 +7796,23 @@
         </a:gradFill>
       </a:fillStyleLst>
       <a:lnStyleLst>
-        <a:ln w="6350" cap="flat" cmpd="sng" algn="ctr">
+        <a:ln w="12700" cap="rnd" cmpd="sng" algn="ctr">
           <a:solidFill>
             <a:schemeClr val="phClr"/>
           </a:solidFill>
           <a:prstDash val="solid"/>
-          <a:miter lim="800000"/>
         </a:ln>
-        <a:ln w="12700" cap="flat" cmpd="sng" algn="ctr">
+        <a:ln w="19050" cap="rnd" cmpd="sng" algn="ctr">
           <a:solidFill>
             <a:schemeClr val="phClr"/>
           </a:solidFill>
           <a:prstDash val="solid"/>
-          <a:miter lim="800000"/>
         </a:ln>
-        <a:ln w="19050" cap="flat" cmpd="sng" algn="ctr">
+        <a:ln w="25400" cap="rnd" cmpd="sng" algn="ctr">
           <a:solidFill>
             <a:schemeClr val="phClr"/>
           </a:solidFill>
           <a:prstDash val="solid"/>
-          <a:miter lim="800000"/>
         </a:ln>
       </a:lnStyleLst>
       <a:effectStyleLst>
@@ -3774,54 +7820,72 @@
           <a:effectLst/>
         </a:effectStyle>
         <a:effectStyle>
-          <a:effectLst/>
+          <a:effectLst>
+            <a:outerShdw blurRad="38100" dist="25400" dir="5400000" rotWithShape="0">
+              <a:srgbClr val="000000">
+                <a:alpha val="35000"/>
+              </a:srgbClr>
+            </a:outerShdw>
+          </a:effectLst>
         </a:effectStyle>
         <a:effectStyle>
           <a:effectLst>
-            <a:outerShdw blurRad="57150" dist="19050" dir="5400000" algn="ctr" rotWithShape="0">
+            <a:outerShdw blurRad="50800" dist="38100" dir="5400000" rotWithShape="0">
               <a:srgbClr val="000000">
-                <a:alpha val="63000"/>
+                <a:alpha val="35000"/>
               </a:srgbClr>
             </a:outerShdw>
           </a:effectLst>
+          <a:scene3d>
+            <a:camera prst="orthographicFront">
+              <a:rot lat="0" lon="0" rev="0"/>
+            </a:camera>
+            <a:lightRig rig="threePt" dir="tl"/>
+          </a:scene3d>
+          <a:sp3d prstMaterial="plastic">
+            <a:bevelT w="0" h="0"/>
+          </a:sp3d>
         </a:effectStyle>
       </a:effectStyleLst>
       <a:bgFillStyleLst>
         <a:solidFill>
           <a:schemeClr val="phClr"/>
         </a:solidFill>
-        <a:solidFill>
-          <a:schemeClr val="phClr">
-            <a:tint val="95000"/>
-            <a:satMod val="170000"/>
-          </a:schemeClr>
-        </a:solidFill>
         <a:gradFill rotWithShape="1">
           <a:gsLst>
             <a:gs pos="0">
               <a:schemeClr val="phClr">
-                <a:tint val="93000"/>
-                <a:satMod val="150000"/>
-                <a:shade val="98000"/>
-                <a:lumMod val="102000"/>
+                <a:tint val="90000"/>
+                <a:lumMod val="104000"/>
               </a:schemeClr>
             </a:gs>
-            <a:gs pos="50000">
+            <a:gs pos="94000">
               <a:schemeClr val="phClr">
-                <a:tint val="98000"/>
-                <a:satMod val="130000"/>
-                <a:shade val="90000"/>
-                <a:lumMod val="103000"/>
+                <a:shade val="96000"/>
+                <a:lumMod val="82000"/>
+              </a:schemeClr>
+            </a:gs>
+          </a:gsLst>
+          <a:lin ang="5400000" scaled="0"/>
+        </a:gradFill>
+        <a:gradFill rotWithShape="1">
+          <a:gsLst>
+            <a:gs pos="0">
+              <a:schemeClr val="phClr">
+                <a:tint val="90000"/>
+                <a:lumMod val="110000"/>
               </a:schemeClr>
             </a:gs>
             <a:gs pos="100000">
               <a:schemeClr val="phClr">
-                <a:shade val="63000"/>
-                <a:satMod val="120000"/>
+                <a:shade val="94000"/>
+                <a:lumMod val="96000"/>
               </a:schemeClr>
             </a:gs>
           </a:gsLst>
-          <a:lin ang="5400000" scaled="0"/>
+          <a:path path="circle">
+            <a:fillToRect l="50000" t="50000" r="100000" b="100000"/>
+          </a:path>
         </a:gradFill>
       </a:bgFillStyleLst>
     </a:fmtScheme>
@@ -3830,7 +7894,7 @@
   <a:extraClrSchemeLst/>
   <a:extLst>
     <a:ext uri="{05A4C25C-085E-4340-85A3-A5531E510DB2}">
-      <thm15:themeFamily xmlns:thm15="http://schemas.microsoft.com/office/thememl/2012/main" name="Office Theme" id="{62F939B6-93AF-4DB8-9C6B-D6C7DFDC589F}" vid="{4A3C46E8-61CC-4603-A589-7422A47A8E4A}"/>
+      <thm15:themeFamily xmlns:thm15="http://schemas.microsoft.com/office/thememl/2012/main" name="Facet" id="{C0C680CD-088A-49FC-A102-D699147F32B2}" vid="{CFBC31BA-B70F-4F30-BCAA-4F3011E16C4D}"/>
     </a:ext>
   </a:extLst>
 </a:theme>

--- a/Architecture Requirements.pptx
+++ b/Architecture Requirements.pptx
@@ -15,6 +15,8 @@
     <p:sldId id="263" r:id="rId9"/>
     <p:sldId id="264" r:id="rId10"/>
     <p:sldId id="265" r:id="rId11"/>
+    <p:sldId id="266" r:id="rId12"/>
+    <p:sldId id="267" r:id="rId13"/>
   </p:sldIdLst>
   <p:sldSz cx="12192000" cy="6858000"/>
   <p:notesSz cx="6858000" cy="9144000"/>
@@ -5887,19 +5889,16 @@
             <p:ph type="subTitle" idx="1"/>
           </p:nvPr>
         </p:nvSpPr>
-        <p:spPr/>
+        <p:spPr>
+          <a:xfrm>
+            <a:off x="1507067" y="4050833"/>
+            <a:ext cx="5145524" cy="812715"/>
+          </a:xfrm>
+        </p:spPr>
         <p:txBody>
           <a:bodyPr/>
           <a:lstStyle/>
           <a:p>
-            <a:r>
-              <a:rPr lang="en-US" dirty="0" err="1"/>
-              <a:t>Pipingrock</a:t>
-            </a:r>
-            <a:r>
-              <a:rPr lang="en-US" dirty="0"/>
-              <a:t> </a:t>
-            </a:r>
             <a:r>
               <a:rPr lang="en-US" dirty="0" err="1"/>
               <a:t>Emojitor</a:t>
@@ -6162,6 +6161,283 @@
     <p:extLst>
       <p:ext uri="{BB962C8B-B14F-4D97-AF65-F5344CB8AC3E}">
         <p14:creationId xmlns:p14="http://schemas.microsoft.com/office/powerpoint/2010/main" val="3800952908"/>
+      </p:ext>
+    </p:extLst>
+  </p:cSld>
+  <p:clrMapOvr>
+    <a:masterClrMapping/>
+  </p:clrMapOvr>
+</p:sld>
+</file>
+
+<file path=ppt/slides/slide11.xml><?xml version="1.0" encoding="utf-8"?>
+<p:sld xmlns:a="http://schemas.openxmlformats.org/drawingml/2006/main" xmlns:r="http://schemas.openxmlformats.org/officeDocument/2006/relationships" xmlns:p="http://schemas.openxmlformats.org/presentationml/2006/main">
+  <p:cSld>
+    <p:spTree>
+      <p:nvGrpSpPr>
+        <p:cNvPr id="1" name=""/>
+        <p:cNvGrpSpPr/>
+        <p:nvPr/>
+      </p:nvGrpSpPr>
+      <p:grpSpPr>
+        <a:xfrm>
+          <a:off x="0" y="0"/>
+          <a:ext cx="0" cy="0"/>
+          <a:chOff x="0" y="0"/>
+          <a:chExt cx="0" cy="0"/>
+        </a:xfrm>
+      </p:grpSpPr>
+      <p:sp>
+        <p:nvSpPr>
+          <p:cNvPr id="2" name="Title 1">
+            <a:extLst>
+              <a:ext uri="{FF2B5EF4-FFF2-40B4-BE49-F238E27FC236}">
+                <a16:creationId xmlns:a16="http://schemas.microsoft.com/office/drawing/2014/main" id="{11DB0E03-5500-824F-C717-9E73028C2962}"/>
+              </a:ext>
+            </a:extLst>
+          </p:cNvPr>
+          <p:cNvSpPr>
+            <a:spLocks noGrp="1"/>
+          </p:cNvSpPr>
+          <p:nvPr>
+            <p:ph type="title"/>
+          </p:nvPr>
+        </p:nvSpPr>
+        <p:spPr>
+          <a:xfrm>
+            <a:off x="677334" y="609600"/>
+            <a:ext cx="8596668" cy="874643"/>
+          </a:xfrm>
+        </p:spPr>
+        <p:txBody>
+          <a:bodyPr/>
+          <a:lstStyle/>
+          <a:p>
+            <a:r>
+              <a:rPr lang="en-US" dirty="0"/>
+              <a:t>Components</a:t>
+            </a:r>
+          </a:p>
+        </p:txBody>
+      </p:sp>
+      <p:sp>
+        <p:nvSpPr>
+          <p:cNvPr id="3" name="Content Placeholder 2">
+            <a:extLst>
+              <a:ext uri="{FF2B5EF4-FFF2-40B4-BE49-F238E27FC236}">
+                <a16:creationId xmlns:a16="http://schemas.microsoft.com/office/drawing/2014/main" id="{D5E39DE4-42F9-DA30-AD1E-0863BB9D7670}"/>
+              </a:ext>
+            </a:extLst>
+          </p:cNvPr>
+          <p:cNvSpPr>
+            <a:spLocks noGrp="1"/>
+          </p:cNvSpPr>
+          <p:nvPr>
+            <p:ph idx="1"/>
+          </p:nvPr>
+        </p:nvSpPr>
+        <p:spPr>
+          <a:xfrm>
+            <a:off x="677334" y="1630017"/>
+            <a:ext cx="8596668" cy="4411345"/>
+          </a:xfrm>
+        </p:spPr>
+        <p:txBody>
+          <a:bodyPr/>
+          <a:lstStyle/>
+          <a:p>
+            <a:pPr marL="0" indent="0">
+              <a:buNone/>
+            </a:pPr>
+            <a:r>
+              <a:rPr lang="en-US" b="1" i="0" dirty="0">
+                <a:solidFill>
+                  <a:srgbClr val="172B4D"/>
+                </a:solidFill>
+                <a:effectLst/>
+                <a:latin typeface="-apple-system"/>
+              </a:rPr>
+              <a:t>DNS:</a:t>
+            </a:r>
+            <a:r>
+              <a:rPr lang="en-US" b="0" i="0" dirty="0">
+                <a:solidFill>
+                  <a:srgbClr val="172B4D"/>
+                </a:solidFill>
+                <a:effectLst/>
+                <a:latin typeface="-apple-system"/>
+              </a:rPr>
+              <a:t> AWS Database Migration Service (DMS) helps in migrating databases to AWS quickly and securely. It can migrate the data to and from most widely used commercial and open-source databases. It supports homogeneous migrations same database platforms as well as heterogeneous migrations between different database platforms. We can continuously replicate our data with high availability and consolidate databases into a petabyte-scale data warehouse by streaming data to Amazon Redshift and Amazon S3.</a:t>
+            </a:r>
+          </a:p>
+          <a:p>
+            <a:pPr marL="0" indent="0">
+              <a:buNone/>
+            </a:pPr>
+            <a:endParaRPr lang="en-US" dirty="0">
+              <a:solidFill>
+                <a:srgbClr val="172B4D"/>
+              </a:solidFill>
+              <a:latin typeface="-apple-system"/>
+            </a:endParaRPr>
+          </a:p>
+          <a:p>
+            <a:pPr marL="0" indent="0">
+              <a:buNone/>
+            </a:pPr>
+            <a:r>
+              <a:rPr lang="en-US" b="1" i="0" dirty="0">
+                <a:solidFill>
+                  <a:srgbClr val="172B4D"/>
+                </a:solidFill>
+                <a:effectLst/>
+                <a:latin typeface="-apple-system"/>
+              </a:rPr>
+              <a:t>Amazon Redshift </a:t>
+            </a:r>
+            <a:r>
+              <a:rPr lang="en-US" b="0" i="0" dirty="0">
+                <a:solidFill>
+                  <a:srgbClr val="172B4D"/>
+                </a:solidFill>
+                <a:effectLst/>
+                <a:latin typeface="-apple-system"/>
+              </a:rPr>
+              <a:t>is a data warehouse. It’s one of the world’s fastest cloud data warehouse. Simple and cost effective to run high performance queries on petabytes of structured data so that we can build powerful reports and dashboards using our existing business intelligence tools. It works with structured and semi-structured data. We can query petabytes of structured and semi-structured data across our data warehouse, operational database, and our data lake using standard SQL.</a:t>
+            </a:r>
+            <a:endParaRPr lang="en-US" dirty="0"/>
+          </a:p>
+        </p:txBody>
+      </p:sp>
+    </p:spTree>
+    <p:extLst>
+      <p:ext uri="{BB962C8B-B14F-4D97-AF65-F5344CB8AC3E}">
+        <p14:creationId xmlns:p14="http://schemas.microsoft.com/office/powerpoint/2010/main" val="1771000903"/>
+      </p:ext>
+    </p:extLst>
+  </p:cSld>
+  <p:clrMapOvr>
+    <a:masterClrMapping/>
+  </p:clrMapOvr>
+</p:sld>
+</file>
+
+<file path=ppt/slides/slide12.xml><?xml version="1.0" encoding="utf-8"?>
+<p:sld xmlns:a="http://schemas.openxmlformats.org/drawingml/2006/main" xmlns:r="http://schemas.openxmlformats.org/officeDocument/2006/relationships" xmlns:p="http://schemas.openxmlformats.org/presentationml/2006/main">
+  <p:cSld>
+    <p:spTree>
+      <p:nvGrpSpPr>
+        <p:cNvPr id="1" name=""/>
+        <p:cNvGrpSpPr/>
+        <p:nvPr/>
+      </p:nvGrpSpPr>
+      <p:grpSpPr>
+        <a:xfrm>
+          <a:off x="0" y="0"/>
+          <a:ext cx="0" cy="0"/>
+          <a:chOff x="0" y="0"/>
+          <a:chExt cx="0" cy="0"/>
+        </a:xfrm>
+      </p:grpSpPr>
+      <p:sp>
+        <p:nvSpPr>
+          <p:cNvPr id="2" name="Title 1">
+            <a:extLst>
+              <a:ext uri="{FF2B5EF4-FFF2-40B4-BE49-F238E27FC236}">
+                <a16:creationId xmlns:a16="http://schemas.microsoft.com/office/drawing/2014/main" id="{E701F1B3-5F31-CC4A-E9B2-A78ED225563A}"/>
+              </a:ext>
+            </a:extLst>
+          </p:cNvPr>
+          <p:cNvSpPr>
+            <a:spLocks noGrp="1"/>
+          </p:cNvSpPr>
+          <p:nvPr>
+            <p:ph type="title"/>
+          </p:nvPr>
+        </p:nvSpPr>
+        <p:spPr>
+          <a:xfrm>
+            <a:off x="677334" y="609600"/>
+            <a:ext cx="8596668" cy="834887"/>
+          </a:xfrm>
+        </p:spPr>
+        <p:txBody>
+          <a:bodyPr/>
+          <a:lstStyle/>
+          <a:p>
+            <a:r>
+              <a:rPr lang="en-US" dirty="0"/>
+              <a:t>Components</a:t>
+            </a:r>
+          </a:p>
+        </p:txBody>
+      </p:sp>
+      <p:sp>
+        <p:nvSpPr>
+          <p:cNvPr id="3" name="Content Placeholder 2">
+            <a:extLst>
+              <a:ext uri="{FF2B5EF4-FFF2-40B4-BE49-F238E27FC236}">
+                <a16:creationId xmlns:a16="http://schemas.microsoft.com/office/drawing/2014/main" id="{DDA9A621-07B3-2D71-A1BE-B17552688B52}"/>
+              </a:ext>
+            </a:extLst>
+          </p:cNvPr>
+          <p:cNvSpPr>
+            <a:spLocks noGrp="1"/>
+          </p:cNvSpPr>
+          <p:nvPr>
+            <p:ph idx="1"/>
+          </p:nvPr>
+        </p:nvSpPr>
+        <p:spPr>
+          <a:xfrm>
+            <a:off x="677334" y="1444487"/>
+            <a:ext cx="8596668" cy="4596876"/>
+          </a:xfrm>
+        </p:spPr>
+        <p:txBody>
+          <a:bodyPr>
+            <a:normAutofit/>
+          </a:bodyPr>
+          <a:lstStyle/>
+          <a:p>
+            <a:pPr marL="0" indent="0">
+              <a:buNone/>
+            </a:pPr>
+            <a:r>
+              <a:rPr lang="en-US" dirty="0"/>
+              <a:t>Logstash</a:t>
+            </a:r>
+          </a:p>
+          <a:p>
+            <a:pPr marL="0" indent="0">
+              <a:buNone/>
+            </a:pPr>
+            <a:r>
+              <a:rPr lang="en-US" dirty="0"/>
+              <a:t>Logstash is a free and open server-side data processing pipeline that ingests data from a multitude of sources, transforms it, and then sends it to your favorite "stash". It dynamically ingests, transforms, and ships our data regardless of format or complexity. Derive structure from unstructured data with grok, decipher geo coordinates from IP addresses, anonymize or exclude sensitive fields, and ease overall processing. </a:t>
+            </a:r>
+          </a:p>
+          <a:p>
+            <a:pPr marL="0" indent="0">
+              <a:buNone/>
+            </a:pPr>
+            <a:endParaRPr lang="en-US" dirty="0"/>
+          </a:p>
+          <a:p>
+            <a:pPr marL="0" indent="0">
+              <a:buNone/>
+            </a:pPr>
+            <a:r>
+              <a:rPr lang="en-US" dirty="0"/>
+              <a:t>Three components of Logstash are Inputs, filters &amp; outputs. It supports a variety of inputs that pull in events from a multitude of common sources, all at the same time. Easily ingest from your logs, metrics, web applications, data stores, and various AWS services, all in continuous, streaming fashion. It filters parse each event, identify named fields to build structure, and transform them to converge on a common format for more powerful analysis and business value.</a:t>
+            </a:r>
+          </a:p>
+        </p:txBody>
+      </p:sp>
+    </p:spTree>
+    <p:extLst>
+      <p:ext uri="{BB962C8B-B14F-4D97-AF65-F5344CB8AC3E}">
+        <p14:creationId xmlns:p14="http://schemas.microsoft.com/office/powerpoint/2010/main" val="3177238040"/>
       </p:ext>
     </p:extLst>
   </p:cSld>
